--- a/Documentation/ProjectDocumentation/Präsi_EazyBooks.pptx
+++ b/Documentation/ProjectDocumentation/Präsi_EazyBooks.pptx
@@ -226,7 +226,7 @@
             <a:pPr rtl="0"/>
             <a:fld id="{FE87C01A-9758-4250-8ECE-0642C0695A6C}" type="datetime1">
               <a:rPr lang="de-DE" smtClean="0"/>
-              <a:t>01.03.2025</a:t>
+              <a:t>02.03.2025</a:t>
             </a:fld>
             <a:endParaRPr lang="de-DE" dirty="0"/>
           </a:p>
@@ -396,7 +396,7 @@
             <a:fld id="{A5C5684A-D8A0-486B-B44A-49251F0233F5}" type="datetime1">
               <a:rPr lang="de-DE" smtClean="0"/>
               <a:pPr/>
-              <a:t>01.03.2025</a:t>
+              <a:t>02.03.2025</a:t>
             </a:fld>
             <a:endParaRPr lang="de-DE" dirty="0"/>
           </a:p>
@@ -854,6 +854,17 @@
             <a:pPr rtl="0"/>
             <a:r>
               <a:rPr lang="de-DE" dirty="0"/>
+              <a:t>Natürlich gibt es immer Raum für Verbesserungen und Erweiterungen.</a:t>
+            </a:r>
+          </a:p>
+          <a:p>
+            <a:pPr rtl="0"/>
+            <a:endParaRPr lang="de-DE" dirty="0"/>
+          </a:p>
+          <a:p>
+            <a:pPr rtl="0"/>
+            <a:r>
+              <a:rPr lang="de-DE" dirty="0"/>
               <a:t>Was möchte ich noch dazu machen</a:t>
             </a:r>
           </a:p>
@@ -943,6 +954,17 @@
             <a:pPr rtl="0"/>
             <a:r>
               <a:rPr lang="de-DE" dirty="0"/>
+              <a:t>Damit bin ich am Ende meiner Präsentation angekommen. Vielen Dank für eure Aufmerksamkeit!</a:t>
+            </a:r>
+          </a:p>
+          <a:p>
+            <a:pPr rtl="0"/>
+            <a:endParaRPr lang="de-DE" dirty="0"/>
+          </a:p>
+          <a:p>
+            <a:pPr rtl="0"/>
+            <a:r>
+              <a:rPr lang="de-DE" dirty="0"/>
               <a:t>1. Welche Sicherheitsaspekte sind bei der Entwicklung und Implementierung einer PWA besonders wichtig, insbesondere in Bezug auf Datenverschlüsselung, Authentifizierung und Schutz vor Angriffen?</a:t>
             </a:r>
           </a:p>
@@ -1164,7 +1186,7 @@
             <a:pPr rtl="0"/>
             <a:r>
               <a:rPr lang="de-DE" dirty="0"/>
-              <a:t>Wie bin ich darauf gekommen</a:t>
+              <a:t>Bevor wir uns die technische Umsetzung anschauen, möchte ich euch kurz erklären, was uns zur Entwicklung von EazyBooks motiviert hat.</a:t>
             </a:r>
           </a:p>
         </p:txBody>
@@ -1457,6 +1479,15 @@
           <a:lstStyle/>
           <a:p>
             <a:r>
+              <a:rPr lang="de-DE" dirty="0"/>
+              <a:t>Da Sicherheit eine zentrale Rolle spielt und auch ein Schwerpunkt meiner Bachelorarbeit ist, habe ich mich intensiv mit möglichen Bedrohungen wie XSS auseinandergesetzt.</a:t>
+            </a:r>
+          </a:p>
+          <a:p>
+            <a:br>
+              <a:rPr lang="de-DE" dirty="0"/>
+            </a:br>
+            <a:r>
               <a:rPr lang="de-AT" dirty="0"/>
               <a:t>Was ist </a:t>
             </a:r>
@@ -1669,6 +1700,15 @@
           <a:lstStyle/>
           <a:p>
             <a:r>
+              <a:rPr lang="de-DE" dirty="0"/>
+              <a:t>Neben XSS ist auch CSRF eine potenzielle Gefahr – ein Thema, mit dem ich mich auch in meiner Bachelorarbeit intensiv beschäftigt habe. Deshalb war es besonders wichtig, entsprechende Schutzmaßnahmen zu implementieren.</a:t>
+            </a:r>
+          </a:p>
+          <a:p>
+            <a:endParaRPr lang="de-DE" dirty="0"/>
+          </a:p>
+          <a:p>
+            <a:r>
               <a:rPr lang="de-AT" dirty="0"/>
               <a:t>Was ist CSRF – Angreifer täuscht einen legitim aussehenden Request vor, um Aktionen im Namen des Opfers auszuführen</a:t>
             </a:r>
@@ -1809,7 +1849,7 @@
             <a:pPr rtl="0"/>
             <a:r>
               <a:rPr lang="de-DE" dirty="0"/>
-              <a:t>Videos</a:t>
+              <a:t>Video</a:t>
             </a:r>
           </a:p>
         </p:txBody>
@@ -4017,7 +4057,7 @@
             <a:pPr rtl="0"/>
             <a:fld id="{5F5B716E-F937-40F9-B6CA-96B3068BCF36}" type="datetime1">
               <a:rPr lang="de-DE" noProof="0" smtClean="0"/>
-              <a:t>01.03.2025</a:t>
+              <a:t>02.03.2025</a:t>
             </a:fld>
             <a:endParaRPr lang="de-DE" noProof="0" dirty="0"/>
           </a:p>
@@ -17560,7 +17600,7 @@
             <a:pPr rtl="0"/>
             <a:fld id="{5F5B716E-F937-40F9-B6CA-96B3068BCF36}" type="datetime1">
               <a:rPr lang="de-DE" noProof="0" smtClean="0"/>
-              <a:t>01.03.2025</a:t>
+              <a:t>02.03.2025</a:t>
             </a:fld>
             <a:endParaRPr lang="de-DE" noProof="0" dirty="0"/>
           </a:p>
@@ -24593,6 +24633,23 @@
 </file>
 
 <file path=customXml/item1.xml><?xml version="1.0" encoding="utf-8"?>
+<?mso-contentType ?>
+<FormTemplates xmlns="http://schemas.microsoft.com/sharepoint/v3/contenttype/forms">
+  <Display>DocumentLibraryForm</Display>
+  <Edit>DocumentLibraryForm</Edit>
+  <New>DocumentLibraryForm</New>
+</FormTemplates>
+</file>
+
+<file path=customXml/item2.xml><?xml version="1.0" encoding="utf-8"?>
+<p:properties xmlns:p="http://schemas.microsoft.com/office/2006/metadata/properties" xmlns:xsi="http://www.w3.org/2001/XMLSchema-instance" xmlns:pc="http://schemas.microsoft.com/office/infopath/2007/PartnerControls">
+  <documentManagement>
+    <MediaServiceKeyPoints xmlns="71af3243-3dd4-4a8d-8c0d-dd76da1f02a5" xsi:nil="true"/>
+  </documentManagement>
+</p:properties>
+</file>
+
+<file path=customXml/item3.xml><?xml version="1.0" encoding="utf-8"?>
 <ct:contentTypeSchema xmlns:ct="http://schemas.microsoft.com/office/2006/metadata/contentType" xmlns:ma="http://schemas.microsoft.com/office/2006/metadata/properties/metaAttributes" ct:_="" ma:_="" ma:contentTypeName="Document" ma:contentTypeID="0x01010079F111ED35F8CC479449609E8A0923A6" ma:contentTypeVersion="10" ma:contentTypeDescription="Create a new document." ma:contentTypeScope="" ma:versionID="e39e7e9e36de66d473ce04bb4ab2dbb8">
   <xsd:schema xmlns:xsd="http://www.w3.org/2001/XMLSchema" xmlns:xs="http://www.w3.org/2001/XMLSchema" xmlns:p="http://schemas.microsoft.com/office/2006/metadata/properties" xmlns:ns2="71af3243-3dd4-4a8d-8c0d-dd76da1f02a5" xmlns:ns3="16c05727-aa75-4e4a-9b5f-8a80a1165891" targetNamespace="http://schemas.microsoft.com/office/2006/metadata/properties" ma:root="true" ma:fieldsID="19dc5994665da46609c24125788630d8" ns2:_="" ns3:_="">
     <xsd:import namespace="71af3243-3dd4-4a8d-8c0d-dd76da1f02a5"/>
@@ -24797,24 +24854,25 @@
 </ct:contentTypeSchema>
 </file>
 
-<file path=customXml/item2.xml><?xml version="1.0" encoding="utf-8"?>
-<p:properties xmlns:p="http://schemas.microsoft.com/office/2006/metadata/properties" xmlns:xsi="http://www.w3.org/2001/XMLSchema-instance" xmlns:pc="http://schemas.microsoft.com/office/infopath/2007/PartnerControls">
-  <documentManagement>
-    <MediaServiceKeyPoints xmlns="71af3243-3dd4-4a8d-8c0d-dd76da1f02a5" xsi:nil="true"/>
-  </documentManagement>
-</p:properties>
+<file path=customXml/itemProps1.xml><?xml version="1.0" encoding="utf-8"?>
+<ds:datastoreItem xmlns:ds="http://schemas.openxmlformats.org/officeDocument/2006/customXml" ds:itemID="{A4C31332-3081-4BD9-AD6F-078B4521F357}">
+  <ds:schemaRefs>
+    <ds:schemaRef ds:uri="http://schemas.microsoft.com/sharepoint/v3/contenttype/forms"/>
+  </ds:schemaRefs>
+</ds:datastoreItem>
 </file>
 
-<file path=customXml/item3.xml><?xml version="1.0" encoding="utf-8"?>
-<?mso-contentType ?>
-<FormTemplates xmlns="http://schemas.microsoft.com/sharepoint/v3/contenttype/forms">
-  <Display>DocumentLibraryForm</Display>
-  <Edit>DocumentLibraryForm</Edit>
-  <New>DocumentLibraryForm</New>
-</FormTemplates>
+<file path=customXml/itemProps2.xml><?xml version="1.0" encoding="utf-8"?>
+<ds:datastoreItem xmlns:ds="http://schemas.openxmlformats.org/officeDocument/2006/customXml" ds:itemID="{2519797F-2510-4681-A59B-FCD8F3733FE0}">
+  <ds:schemaRefs>
+    <ds:schemaRef ds:uri="http://schemas.microsoft.com/office/2006/metadata/properties"/>
+    <ds:schemaRef ds:uri="http://schemas.microsoft.com/office/infopath/2007/PartnerControls"/>
+    <ds:schemaRef ds:uri="71af3243-3dd4-4a8d-8c0d-dd76da1f02a5"/>
+  </ds:schemaRefs>
+</ds:datastoreItem>
 </file>
 
-<file path=customXml/itemProps1.xml><?xml version="1.0" encoding="utf-8"?>
+<file path=customXml/itemProps3.xml><?xml version="1.0" encoding="utf-8"?>
 <ds:datastoreItem xmlns:ds="http://schemas.openxmlformats.org/officeDocument/2006/customXml" ds:itemID="{1FF4E1AF-DB5E-4764-961C-6F82B33E9E6E}">
   <ds:schemaRefs>
     <ds:schemaRef ds:uri="http://schemas.microsoft.com/office/2006/metadata/contentType"/>
@@ -24831,22 +24889,4 @@
     <ds:schemaRef ds:uri="http://schemas.microsoft.com/internal/obd"/>
   </ds:schemaRefs>
 </ds:datastoreItem>
-</file>
-
-<file path=customXml/itemProps2.xml><?xml version="1.0" encoding="utf-8"?>
-<ds:datastoreItem xmlns:ds="http://schemas.openxmlformats.org/officeDocument/2006/customXml" ds:itemID="{2519797F-2510-4681-A59B-FCD8F3733FE0}">
-  <ds:schemaRefs>
-    <ds:schemaRef ds:uri="http://schemas.microsoft.com/office/2006/metadata/properties"/>
-    <ds:schemaRef ds:uri="http://schemas.microsoft.com/office/infopath/2007/PartnerControls"/>
-    <ds:schemaRef ds:uri="71af3243-3dd4-4a8d-8c0d-dd76da1f02a5"/>
-  </ds:schemaRefs>
-</ds:datastoreItem>
-</file>
-
-<file path=customXml/itemProps3.xml><?xml version="1.0" encoding="utf-8"?>
-<ds:datastoreItem xmlns:ds="http://schemas.openxmlformats.org/officeDocument/2006/customXml" ds:itemID="{A4C31332-3081-4BD9-AD6F-078B4521F357}">
-  <ds:schemaRefs>
-    <ds:schemaRef ds:uri="http://schemas.microsoft.com/sharepoint/v3/contenttype/forms"/>
-  </ds:schemaRefs>
-</ds:datastoreItem>
 </file>
--- a/Documentation/ProjectDocumentation/Präsi_EazyBooks.pptx
+++ b/Documentation/ProjectDocumentation/Präsi_EazyBooks.pptx
@@ -5,23 +5,22 @@
     <p:sldMasterId id="2147483648" r:id="rId4"/>
   </p:sldMasterIdLst>
   <p:notesMasterIdLst>
-    <p:notesMasterId r:id="rId16"/>
+    <p:notesMasterId r:id="rId15"/>
   </p:notesMasterIdLst>
   <p:handoutMasterIdLst>
-    <p:handoutMasterId r:id="rId17"/>
+    <p:handoutMasterId r:id="rId16"/>
   </p:handoutMasterIdLst>
   <p:sldIdLst>
     <p:sldId id="257" r:id="rId5"/>
     <p:sldId id="281" r:id="rId6"/>
     <p:sldId id="268" r:id="rId7"/>
     <p:sldId id="269" r:id="rId8"/>
-    <p:sldId id="272" r:id="rId9"/>
-    <p:sldId id="282" r:id="rId10"/>
-    <p:sldId id="283" r:id="rId11"/>
-    <p:sldId id="277" r:id="rId12"/>
-    <p:sldId id="274" r:id="rId13"/>
-    <p:sldId id="278" r:id="rId14"/>
-    <p:sldId id="275" r:id="rId15"/>
+    <p:sldId id="282" r:id="rId9"/>
+    <p:sldId id="283" r:id="rId10"/>
+    <p:sldId id="277" r:id="rId11"/>
+    <p:sldId id="274" r:id="rId12"/>
+    <p:sldId id="278" r:id="rId13"/>
+    <p:sldId id="275" r:id="rId14"/>
   </p:sldIdLst>
   <p:sldSz cx="12192000" cy="6858000"/>
   <p:notesSz cx="6858000" cy="9144000"/>
@@ -142,6 +141,35 @@
 </p:presentation>
 </file>
 
+<file path=ppt/revisionInfo.xml><?xml version="1.0" encoding="utf-8"?>
+<p1510:revInfo xmlns:a="http://schemas.openxmlformats.org/drawingml/2006/main" xmlns:r="http://schemas.openxmlformats.org/officeDocument/2006/relationships" xmlns:p1510="http://schemas.microsoft.com/office/powerpoint/2015/10/main">
+  <p1510:revLst>
+    <p1510:client id="{F98F7447-81ED-868E-89E9-E2939D56DDED}" v="1" dt="2025-03-03T07:32:14.132"/>
+  </p1510:revLst>
+</p1510:revInfo>
+</file>
+
+<file path=ppt/changesInfos/changesInfo1.xml><?xml version="1.0" encoding="utf-8"?>
+<pc:chgInfo xmlns:a="http://schemas.openxmlformats.org/drawingml/2006/main" xmlns:r="http://schemas.openxmlformats.org/officeDocument/2006/relationships" xmlns:ac="http://schemas.microsoft.com/office/drawing/2013/main/command" xmlns:pc="http://schemas.microsoft.com/office/powerpoint/2013/main/command">
+  <pc:docChgLst>
+    <pc:chgData name="Hartlauer Sandra - s2210237030" userId="S::s2210237030@fhooe.at::392d9477-3ac6-4e21-8b19-04578a15ea32" providerId="AD" clId="Web-{F98F7447-81ED-868E-89E9-E2939D56DDED}"/>
+    <pc:docChg chg="delSld">
+      <pc:chgData name="Hartlauer Sandra - s2210237030" userId="S::s2210237030@fhooe.at::392d9477-3ac6-4e21-8b19-04578a15ea32" providerId="AD" clId="Web-{F98F7447-81ED-868E-89E9-E2939D56DDED}" dt="2025-03-03T07:32:14.132" v="0"/>
+      <pc:docMkLst>
+        <pc:docMk/>
+      </pc:docMkLst>
+      <pc:sldChg chg="del">
+        <pc:chgData name="Hartlauer Sandra - s2210237030" userId="S::s2210237030@fhooe.at::392d9477-3ac6-4e21-8b19-04578a15ea32" providerId="AD" clId="Web-{F98F7447-81ED-868E-89E9-E2939D56DDED}" dt="2025-03-03T07:32:14.132" v="0"/>
+        <pc:sldMkLst>
+          <pc:docMk/>
+          <pc:sldMk cId="269403648" sldId="272"/>
+        </pc:sldMkLst>
+      </pc:sldChg>
+    </pc:docChg>
+  </pc:docChgLst>
+</pc:chgInfo>
+</file>
+
 <file path=ppt/handoutMasters/handoutMaster1.xml><?xml version="1.0" encoding="utf-8"?>
 <p:handoutMaster xmlns:a="http://schemas.openxmlformats.org/drawingml/2006/main" xmlns:r="http://schemas.openxmlformats.org/officeDocument/2006/relationships" xmlns:p="http://schemas.openxmlformats.org/presentationml/2006/main">
   <p:cSld>
@@ -226,7 +254,7 @@
             <a:pPr rtl="0"/>
             <a:fld id="{FE87C01A-9758-4250-8ECE-0642C0695A6C}" type="datetime1">
               <a:rPr lang="de-DE" smtClean="0"/>
-              <a:t>02.03.2025</a:t>
+              <a:t>03.03.2025</a:t>
             </a:fld>
             <a:endParaRPr lang="de-DE" dirty="0"/>
           </a:p>
@@ -396,7 +424,7 @@
             <a:fld id="{A5C5684A-D8A0-486B-B44A-49251F0233F5}" type="datetime1">
               <a:rPr lang="de-DE" smtClean="0"/>
               <a:pPr/>
-              <a:t>02.03.2025</a:t>
+              <a:t>03.03.2025</a:t>
             </a:fld>
             <a:endParaRPr lang="de-DE" dirty="0"/>
           </a:p>
@@ -854,7 +882,7 @@
             <a:pPr rtl="0"/>
             <a:r>
               <a:rPr lang="de-DE" dirty="0"/>
-              <a:t>Natürlich gibt es immer Raum für Verbesserungen und Erweiterungen.</a:t>
+              <a:t>Damit bin ich am Ende meiner Präsentation angekommen. Vielen Dank für eure Aufmerksamkeit!</a:t>
             </a:r>
           </a:p>
           <a:p>
@@ -865,7 +893,18 @@
             <a:pPr rtl="0"/>
             <a:r>
               <a:rPr lang="de-DE" dirty="0"/>
-              <a:t>Was möchte ich noch dazu machen</a:t>
+              <a:t>1. Welche Sicherheitsaspekte sind bei der Entwicklung und Implementierung einer PWA besonders wichtig, insbesondere in Bezug auf Datenverschlüsselung, Authentifizierung und Schutz vor Angriffen?</a:t>
+            </a:r>
+          </a:p>
+          <a:p>
+            <a:pPr rtl="0"/>
+            <a:endParaRPr lang="de-DE" dirty="0"/>
+          </a:p>
+          <a:p>
+            <a:pPr rtl="0"/>
+            <a:r>
+              <a:rPr lang="de-DE" dirty="0"/>
+              <a:t>2. Wie können Progressive Web Apps konfiguriert werden, um gängige Sicherheitsbedrohungen wie XSS und CSRF zu minimieren?</a:t>
             </a:r>
           </a:p>
         </p:txBody>
@@ -889,117 +928,6 @@
             <a:fld id="{6336304E-FDE3-4B4F-A3B7-EBE87F3FA5E2}" type="slidenum">
               <a:rPr lang="de-DE" smtClean="0"/>
               <a:t>10</a:t>
-            </a:fld>
-            <a:endParaRPr lang="de-DE" dirty="0"/>
-          </a:p>
-        </p:txBody>
-      </p:sp>
-    </p:spTree>
-    <p:extLst>
-      <p:ext uri="{BB962C8B-B14F-4D97-AF65-F5344CB8AC3E}">
-        <p14:creationId xmlns:p14="http://schemas.microsoft.com/office/powerpoint/2010/main" val="1396902744"/>
-      </p:ext>
-    </p:extLst>
-  </p:cSld>
-  <p:clrMapOvr>
-    <a:masterClrMapping/>
-  </p:clrMapOvr>
-</p:notes>
-</file>
-
-<file path=ppt/notesSlides/notesSlide11.xml><?xml version="1.0" encoding="utf-8"?>
-<p:notes xmlns:a="http://schemas.openxmlformats.org/drawingml/2006/main" xmlns:r="http://schemas.openxmlformats.org/officeDocument/2006/relationships" xmlns:p="http://schemas.openxmlformats.org/presentationml/2006/main">
-  <p:cSld>
-    <p:spTree>
-      <p:nvGrpSpPr>
-        <p:cNvPr id="1" name=""/>
-        <p:cNvGrpSpPr/>
-        <p:nvPr/>
-      </p:nvGrpSpPr>
-      <p:grpSpPr>
-        <a:xfrm>
-          <a:off x="0" y="0"/>
-          <a:ext cx="0" cy="0"/>
-          <a:chOff x="0" y="0"/>
-          <a:chExt cx="0" cy="0"/>
-        </a:xfrm>
-      </p:grpSpPr>
-      <p:sp>
-        <p:nvSpPr>
-          <p:cNvPr id="2" name="Folienbildplatzhalter 1"/>
-          <p:cNvSpPr>
-            <a:spLocks noGrp="1" noRot="1" noChangeAspect="1"/>
-          </p:cNvSpPr>
-          <p:nvPr>
-            <p:ph type="sldImg"/>
-          </p:nvPr>
-        </p:nvSpPr>
-        <p:spPr/>
-      </p:sp>
-      <p:sp>
-        <p:nvSpPr>
-          <p:cNvPr id="3" name="Notizenplatzhalter 2"/>
-          <p:cNvSpPr>
-            <a:spLocks noGrp="1"/>
-          </p:cNvSpPr>
-          <p:nvPr>
-            <p:ph type="body" idx="1"/>
-          </p:nvPr>
-        </p:nvSpPr>
-        <p:spPr/>
-        <p:txBody>
-          <a:bodyPr rtlCol="0"/>
-          <a:lstStyle/>
-          <a:p>
-            <a:pPr rtl="0"/>
-            <a:r>
-              <a:rPr lang="de-DE" dirty="0"/>
-              <a:t>Damit bin ich am Ende meiner Präsentation angekommen. Vielen Dank für eure Aufmerksamkeit!</a:t>
-            </a:r>
-          </a:p>
-          <a:p>
-            <a:pPr rtl="0"/>
-            <a:endParaRPr lang="de-DE" dirty="0"/>
-          </a:p>
-          <a:p>
-            <a:pPr rtl="0"/>
-            <a:r>
-              <a:rPr lang="de-DE" dirty="0"/>
-              <a:t>1. Welche Sicherheitsaspekte sind bei der Entwicklung und Implementierung einer PWA besonders wichtig, insbesondere in Bezug auf Datenverschlüsselung, Authentifizierung und Schutz vor Angriffen?</a:t>
-            </a:r>
-          </a:p>
-          <a:p>
-            <a:pPr rtl="0"/>
-            <a:endParaRPr lang="de-DE" dirty="0"/>
-          </a:p>
-          <a:p>
-            <a:pPr rtl="0"/>
-            <a:r>
-              <a:rPr lang="de-DE" dirty="0"/>
-              <a:t>2. Wie können Progressive Web Apps konfiguriert werden, um gängige Sicherheitsbedrohungen wie XSS und CSRF zu minimieren?</a:t>
-            </a:r>
-          </a:p>
-        </p:txBody>
-      </p:sp>
-      <p:sp>
-        <p:nvSpPr>
-          <p:cNvPr id="4" name="Foliennummernplatzhalter 3"/>
-          <p:cNvSpPr>
-            <a:spLocks noGrp="1"/>
-          </p:cNvSpPr>
-          <p:nvPr>
-            <p:ph type="sldNum" sz="quarter" idx="10"/>
-          </p:nvPr>
-        </p:nvSpPr>
-        <p:spPr/>
-        <p:txBody>
-          <a:bodyPr rtlCol="0"/>
-          <a:lstStyle/>
-          <a:p>
-            <a:pPr rtl="0"/>
-            <a:fld id="{6336304E-FDE3-4B4F-A3B7-EBE87F3FA5E2}" type="slidenum">
-              <a:rPr lang="de-DE" smtClean="0"/>
-              <a:t>11</a:t>
             </a:fld>
             <a:endParaRPr lang="de-DE" dirty="0"/>
           </a:p>
@@ -1386,14 +1314,146 @@
         </p:nvSpPr>
         <p:spPr/>
         <p:txBody>
-          <a:bodyPr rtlCol="0"/>
+          <a:bodyPr/>
           <a:lstStyle/>
           <a:p>
-            <a:pPr rtl="0"/>
             <a:r>
               <a:rPr lang="de-DE" dirty="0"/>
-              <a:t>Filtermöglichkeit</a:t>
-            </a:r>
+              <a:t>Da Sicherheit eine zentrale Rolle spielt und auch ein Schwerpunkt meiner Bachelorarbeit ist, habe ich mich intensiv mit möglichen Bedrohungen wie XSS auseinandergesetzt.</a:t>
+            </a:r>
+          </a:p>
+          <a:p>
+            <a:br>
+              <a:rPr lang="de-DE" dirty="0"/>
+            </a:br>
+            <a:r>
+              <a:rPr lang="de-AT" dirty="0"/>
+              <a:t>Was ist </a:t>
+            </a:r>
+            <a:r>
+              <a:rPr lang="de-AT" dirty="0" err="1"/>
+              <a:t>xss</a:t>
+            </a:r>
+            <a:r>
+              <a:rPr lang="de-AT" dirty="0"/>
+              <a:t> – Angreifer schleusen schädlichen Code ein, der in Browser des Nutzers ausgeführt wird</a:t>
+            </a:r>
+          </a:p>
+          <a:p>
+            <a:r>
+              <a:rPr lang="de-AT" dirty="0" err="1"/>
+              <a:t>Stored</a:t>
+            </a:r>
+            <a:r>
+              <a:rPr lang="de-AT" dirty="0"/>
+              <a:t> – code wird auf dem Server gespeichert und an Nutzer ausgeliefert</a:t>
+            </a:r>
+          </a:p>
+          <a:p>
+            <a:r>
+              <a:rPr lang="de-AT" dirty="0" err="1"/>
+              <a:t>Reflected</a:t>
+            </a:r>
+            <a:r>
+              <a:rPr lang="de-AT" dirty="0"/>
+              <a:t> – code wird über URL oder Formulareingabe direkt zurückgegeben</a:t>
+            </a:r>
+          </a:p>
+          <a:p>
+            <a:r>
+              <a:rPr lang="de-AT" dirty="0"/>
+              <a:t>DOM – Angriff durch </a:t>
+            </a:r>
+            <a:r>
+              <a:rPr lang="de-AT" dirty="0" err="1"/>
+              <a:t>manipulation</a:t>
+            </a:r>
+            <a:r>
+              <a:rPr lang="de-AT" dirty="0"/>
+              <a:t> des DOM im Browser</a:t>
+            </a:r>
+          </a:p>
+          <a:p>
+            <a:r>
+              <a:rPr lang="de-AT" dirty="0"/>
+              <a:t>Risiken – Zugriff auf gespeicherte Nutzerdaten oder Tokens, Manipulation von API-Anfragen und lokalen Daten</a:t>
+            </a:r>
+          </a:p>
+          <a:p>
+            <a:r>
+              <a:rPr lang="de-AT" dirty="0"/>
+              <a:t>Schutz – </a:t>
+            </a:r>
+            <a:r>
+              <a:rPr lang="de-AT" dirty="0" err="1"/>
+              <a:t>Angulars</a:t>
+            </a:r>
+            <a:r>
+              <a:rPr lang="de-AT" dirty="0"/>
+              <a:t> automatische HTML-</a:t>
+            </a:r>
+            <a:r>
+              <a:rPr lang="de-AT" dirty="0" err="1"/>
+              <a:t>Sanitization</a:t>
+            </a:r>
+            <a:r>
+              <a:rPr lang="de-AT" dirty="0"/>
+              <a:t> (</a:t>
+            </a:r>
+            <a:r>
+              <a:rPr lang="de-AT" dirty="0" err="1"/>
+              <a:t>innerHTML</a:t>
+            </a:r>
+            <a:r>
+              <a:rPr lang="de-AT" dirty="0"/>
+              <a:t> vermeiden), </a:t>
+            </a:r>
+            <a:r>
+              <a:rPr lang="de-AT" dirty="0" err="1"/>
+              <a:t>DomSanitizer</a:t>
+            </a:r>
+            <a:r>
+              <a:rPr lang="de-AT" dirty="0"/>
+              <a:t> für URLs, Styles und </a:t>
+            </a:r>
+            <a:r>
+              <a:rPr lang="de-AT" dirty="0" err="1"/>
+              <a:t>ressourcen</a:t>
+            </a:r>
+            <a:r>
+              <a:rPr lang="de-AT" dirty="0"/>
+              <a:t> einsetzen, Content Security Policy (CSP) für restriktive Skript-Ausführung, Benutzereingaben validieren</a:t>
+            </a:r>
+          </a:p>
+          <a:p>
+            <a:endParaRPr lang="de-AT" dirty="0"/>
+          </a:p>
+          <a:p>
+            <a:r>
+              <a:rPr lang="de-AT" dirty="0" err="1"/>
+              <a:t>Document</a:t>
+            </a:r>
+            <a:r>
+              <a:rPr lang="de-AT" dirty="0"/>
+              <a:t> </a:t>
+            </a:r>
+            <a:r>
+              <a:rPr lang="de-AT" dirty="0" err="1"/>
+              <a:t>Object</a:t>
+            </a:r>
+            <a:r>
+              <a:rPr lang="de-AT" dirty="0"/>
+              <a:t> Model – Baumstruktur, die den HTML-Code einer Webseite darstellt und mit JavaScript dynamisch verändert werden kann</a:t>
+            </a:r>
+          </a:p>
+          <a:p>
+            <a:r>
+              <a:rPr lang="de-AT" dirty="0"/>
+              <a:t>CSP – eine Sicherheitsrichtlinie, die im HTTP-Header definiert wird und festlegt, welche Skripte, Styles und Ressourcen auf eine Webseite geladen und ausgeführt werden dürfen, um Angriffe wie XSS zu verhindern.</a:t>
+            </a:r>
+          </a:p>
+          <a:p>
+            <a:endParaRPr lang="de-AT" dirty="0"/>
           </a:p>
         </p:txBody>
       </p:sp>
@@ -1404,27 +1464,27 @@
             <a:spLocks noGrp="1"/>
           </p:cNvSpPr>
           <p:nvPr>
-            <p:ph type="sldNum" sz="quarter" idx="10"/>
+            <p:ph type="sldNum" sz="quarter" idx="5"/>
           </p:nvPr>
         </p:nvSpPr>
         <p:spPr/>
         <p:txBody>
-          <a:bodyPr rtlCol="0"/>
+          <a:bodyPr/>
           <a:lstStyle/>
           <a:p>
             <a:pPr rtl="0"/>
             <a:fld id="{6336304E-FDE3-4B4F-A3B7-EBE87F3FA5E2}" type="slidenum">
-              <a:rPr lang="de-DE" smtClean="0"/>
+              <a:rPr lang="de-DE" noProof="0" smtClean="0"/>
               <a:t>5</a:t>
             </a:fld>
-            <a:endParaRPr lang="de-DE" dirty="0"/>
+            <a:endParaRPr lang="de-DE" noProof="0" dirty="0"/>
           </a:p>
         </p:txBody>
       </p:sp>
     </p:spTree>
     <p:extLst>
       <p:ext uri="{BB962C8B-B14F-4D97-AF65-F5344CB8AC3E}">
-        <p14:creationId xmlns:p14="http://schemas.microsoft.com/office/powerpoint/2010/main" val="1631156916"/>
+        <p14:creationId xmlns:p14="http://schemas.microsoft.com/office/powerpoint/2010/main" val="348235375"/>
       </p:ext>
     </p:extLst>
   </p:cSld>
@@ -1480,141 +1540,67 @@
           <a:p>
             <a:r>
               <a:rPr lang="de-DE" dirty="0"/>
-              <a:t>Da Sicherheit eine zentrale Rolle spielt und auch ein Schwerpunkt meiner Bachelorarbeit ist, habe ich mich intensiv mit möglichen Bedrohungen wie XSS auseinandergesetzt.</a:t>
-            </a:r>
-          </a:p>
-          <a:p>
-            <a:br>
-              <a:rPr lang="de-DE" dirty="0"/>
-            </a:br>
+              <a:t>Neben XSS ist auch CSRF eine potenzielle Gefahr – ein Thema, mit dem ich mich auch in meiner Bachelorarbeit intensiv beschäftigt habe. Deshalb war es besonders wichtig, entsprechende Schutzmaßnahmen zu implementieren.</a:t>
+            </a:r>
+          </a:p>
+          <a:p>
+            <a:endParaRPr lang="de-DE" dirty="0"/>
+          </a:p>
+          <a:p>
             <a:r>
               <a:rPr lang="de-AT" dirty="0"/>
-              <a:t>Was ist </a:t>
+              <a:t>Was ist CSRF – Angreifer täuscht einen legitim aussehenden Request vor, um Aktionen im Namen des Opfers auszuführen</a:t>
+            </a:r>
+          </a:p>
+          <a:p>
+            <a:r>
+              <a:rPr lang="de-AT" dirty="0"/>
+              <a:t>Wie – Opfer ist bei einer Webanwendung eingeloggt, Angreifer schickt eine manipulierte Anfrage, Browser führt den Request mit der aktiven Sitzung des Opfers aus</a:t>
+            </a:r>
+          </a:p>
+          <a:p>
+            <a:r>
+              <a:rPr lang="de-AT" dirty="0"/>
+              <a:t>Risiken – ungewollte Kontoaktionen (Passwortänderung, Überweisung), Manipulation von Nutzerdaten oder Einstellungen</a:t>
+            </a:r>
+          </a:p>
+          <a:p>
+            <a:r>
+              <a:rPr lang="de-AT" dirty="0"/>
+              <a:t>Schutz – CSRF-Tokens nutzen (bei API-</a:t>
             </a:r>
             <a:r>
               <a:rPr lang="de-AT" dirty="0" err="1"/>
-              <a:t>xss</a:t>
+              <a:t>Requests</a:t>
             </a:r>
             <a:r>
               <a:rPr lang="de-AT" dirty="0"/>
-              <a:t> – Angreifer schleusen schädlichen Code ein, der in Browser des Nutzers ausgeführt wird</a:t>
-            </a:r>
-          </a:p>
-          <a:p>
+              <a:t> in HTTP-Headern), </a:t>
+            </a:r>
             <a:r>
               <a:rPr lang="de-AT" dirty="0" err="1"/>
-              <a:t>Stored</a:t>
+              <a:t>SameSite</a:t>
             </a:r>
             <a:r>
               <a:rPr lang="de-AT" dirty="0"/>
-              <a:t> – code wird auf dem Server gespeichert und an Nutzer ausgeliefert</a:t>
-            </a:r>
-          </a:p>
-          <a:p>
+              <a:t>-Cookies setzen, um </a:t>
+            </a:r>
             <a:r>
               <a:rPr lang="de-AT" dirty="0" err="1"/>
-              <a:t>Reflected</a:t>
+              <a:t>Requests</a:t>
             </a:r>
             <a:r>
               <a:rPr lang="de-AT" dirty="0"/>
-              <a:t> – code wird über URL oder Formulareingabe direkt zurückgegeben</a:t>
-            </a:r>
-          </a:p>
-          <a:p>
+              <a:t> nur von der eigenen Seite zuzulassen, Cross-Origin </a:t>
+            </a:r>
+            <a:r>
+              <a:rPr lang="de-AT" dirty="0" err="1"/>
+              <a:t>Resource</a:t>
+            </a:r>
             <a:r>
               <a:rPr lang="de-AT" dirty="0"/>
-              <a:t>DOM – Angriff durch </a:t>
-            </a:r>
-            <a:r>
-              <a:rPr lang="de-AT" dirty="0" err="1"/>
-              <a:t>manipulation</a:t>
-            </a:r>
-            <a:r>
-              <a:rPr lang="de-AT" dirty="0"/>
-              <a:t> des DOM im Browser</a:t>
-            </a:r>
-          </a:p>
-          <a:p>
-            <a:r>
-              <a:rPr lang="de-AT" dirty="0"/>
-              <a:t>Risiken – Zugriff auf gespeicherte Nutzerdaten oder Tokens, Manipulation von API-Anfragen und lokalen Daten</a:t>
-            </a:r>
-          </a:p>
-          <a:p>
-            <a:r>
-              <a:rPr lang="de-AT" dirty="0"/>
-              <a:t>Schutz – </a:t>
-            </a:r>
-            <a:r>
-              <a:rPr lang="de-AT" dirty="0" err="1"/>
-              <a:t>Angulars</a:t>
-            </a:r>
-            <a:r>
-              <a:rPr lang="de-AT" dirty="0"/>
-              <a:t> automatische HTML-</a:t>
-            </a:r>
-            <a:r>
-              <a:rPr lang="de-AT" dirty="0" err="1"/>
-              <a:t>Sanitization</a:t>
-            </a:r>
-            <a:r>
-              <a:rPr lang="de-AT" dirty="0"/>
-              <a:t> (</a:t>
-            </a:r>
-            <a:r>
-              <a:rPr lang="de-AT" dirty="0" err="1"/>
-              <a:t>innerHTML</a:t>
-            </a:r>
-            <a:r>
-              <a:rPr lang="de-AT" dirty="0"/>
-              <a:t> vermeiden), </a:t>
-            </a:r>
-            <a:r>
-              <a:rPr lang="de-AT" dirty="0" err="1"/>
-              <a:t>DomSanitizer</a:t>
-            </a:r>
-            <a:r>
-              <a:rPr lang="de-AT" dirty="0"/>
-              <a:t> für URLs, Styles und </a:t>
-            </a:r>
-            <a:r>
-              <a:rPr lang="de-AT" dirty="0" err="1"/>
-              <a:t>ressourcen</a:t>
-            </a:r>
-            <a:r>
-              <a:rPr lang="de-AT" dirty="0"/>
-              <a:t> einsetzen, Content Security Policy (CSP) für restriktive Skript-Ausführung, Benutzereingaben validieren</a:t>
-            </a:r>
-          </a:p>
-          <a:p>
-            <a:endParaRPr lang="de-AT" dirty="0"/>
-          </a:p>
-          <a:p>
-            <a:r>
-              <a:rPr lang="de-AT" dirty="0" err="1"/>
-              <a:t>Document</a:t>
-            </a:r>
-            <a:r>
-              <a:rPr lang="de-AT" dirty="0"/>
-              <a:t> </a:t>
-            </a:r>
-            <a:r>
-              <a:rPr lang="de-AT" dirty="0" err="1"/>
-              <a:t>Object</a:t>
-            </a:r>
-            <a:r>
-              <a:rPr lang="de-AT" dirty="0"/>
-              <a:t> Model – Baumstruktur, die den HTML-Code einer Webseite darstellt und mit JavaScript dynamisch verändert werden kann</a:t>
-            </a:r>
-          </a:p>
-          <a:p>
-            <a:r>
-              <a:rPr lang="de-AT" dirty="0"/>
-              <a:t>CSP – eine Sicherheitsrichtlinie, die im HTTP-Header definiert wird und festlegt, welche Skripte, Styles und Ressourcen auf eine Webseite geladen und ausgeführt werden dürfen, um Angriffe wie XSS zu verhindern.</a:t>
-            </a:r>
-          </a:p>
-          <a:p>
-            <a:endParaRPr lang="de-AT" dirty="0"/>
+              <a:t> Sharing Regeln restriktiv konfigurieren, Nutzeraktionen mit Re-Authentifizierung absichern</a:t>
+            </a:r>
           </a:p>
         </p:txBody>
       </p:sp>
@@ -1645,7 +1631,7 @@
     </p:spTree>
     <p:extLst>
       <p:ext uri="{BB962C8B-B14F-4D97-AF65-F5344CB8AC3E}">
-        <p14:creationId xmlns:p14="http://schemas.microsoft.com/office/powerpoint/2010/main" val="348235375"/>
+        <p14:creationId xmlns:p14="http://schemas.microsoft.com/office/powerpoint/2010/main" val="928088344"/>
       </p:ext>
     </p:extLst>
   </p:cSld>
@@ -1696,71 +1682,13 @@
         </p:nvSpPr>
         <p:spPr/>
         <p:txBody>
-          <a:bodyPr/>
+          <a:bodyPr rtlCol="0"/>
           <a:lstStyle/>
           <a:p>
+            <a:pPr rtl="0"/>
             <a:r>
               <a:rPr lang="de-DE" dirty="0"/>
-              <a:t>Neben XSS ist auch CSRF eine potenzielle Gefahr – ein Thema, mit dem ich mich auch in meiner Bachelorarbeit intensiv beschäftigt habe. Deshalb war es besonders wichtig, entsprechende Schutzmaßnahmen zu implementieren.</a:t>
-            </a:r>
-          </a:p>
-          <a:p>
-            <a:endParaRPr lang="de-DE" dirty="0"/>
-          </a:p>
-          <a:p>
-            <a:r>
-              <a:rPr lang="de-AT" dirty="0"/>
-              <a:t>Was ist CSRF – Angreifer täuscht einen legitim aussehenden Request vor, um Aktionen im Namen des Opfers auszuführen</a:t>
-            </a:r>
-          </a:p>
-          <a:p>
-            <a:r>
-              <a:rPr lang="de-AT" dirty="0"/>
-              <a:t>Wie – Opfer ist bei einer Webanwendung eingeloggt, Angreifer schickt eine manipulierte Anfrage, Browser führt den Request mit der aktiven Sitzung des Opfers aus</a:t>
-            </a:r>
-          </a:p>
-          <a:p>
-            <a:r>
-              <a:rPr lang="de-AT" dirty="0"/>
-              <a:t>Risiken – ungewollte Kontoaktionen (Passwortänderung, Überweisung), Manipulation von Nutzerdaten oder Einstellungen</a:t>
-            </a:r>
-          </a:p>
-          <a:p>
-            <a:r>
-              <a:rPr lang="de-AT" dirty="0"/>
-              <a:t>Schutz – CSRF-Tokens nutzen (bei API-</a:t>
-            </a:r>
-            <a:r>
-              <a:rPr lang="de-AT" dirty="0" err="1"/>
-              <a:t>Requests</a:t>
-            </a:r>
-            <a:r>
-              <a:rPr lang="de-AT" dirty="0"/>
-              <a:t> in HTTP-Headern), </a:t>
-            </a:r>
-            <a:r>
-              <a:rPr lang="de-AT" dirty="0" err="1"/>
-              <a:t>SameSite</a:t>
-            </a:r>
-            <a:r>
-              <a:rPr lang="de-AT" dirty="0"/>
-              <a:t>-Cookies setzen, um </a:t>
-            </a:r>
-            <a:r>
-              <a:rPr lang="de-AT" dirty="0" err="1"/>
-              <a:t>Requests</a:t>
-            </a:r>
-            <a:r>
-              <a:rPr lang="de-AT" dirty="0"/>
-              <a:t> nur von der eigenen Seite zuzulassen, Cross-Origin </a:t>
-            </a:r>
-            <a:r>
-              <a:rPr lang="de-AT" dirty="0" err="1"/>
-              <a:t>Resource</a:t>
-            </a:r>
-            <a:r>
-              <a:rPr lang="de-AT" dirty="0"/>
-              <a:t> Sharing Regeln restriktiv konfigurieren, Nutzeraktionen mit Re-Authentifizierung absichern</a:t>
+              <a:t>Video</a:t>
             </a:r>
           </a:p>
         </p:txBody>
@@ -1772,27 +1700,27 @@
             <a:spLocks noGrp="1"/>
           </p:cNvSpPr>
           <p:nvPr>
-            <p:ph type="sldNum" sz="quarter" idx="5"/>
+            <p:ph type="sldNum" sz="quarter" idx="10"/>
           </p:nvPr>
         </p:nvSpPr>
         <p:spPr/>
         <p:txBody>
-          <a:bodyPr/>
+          <a:bodyPr rtlCol="0"/>
           <a:lstStyle/>
           <a:p>
             <a:pPr rtl="0"/>
             <a:fld id="{6336304E-FDE3-4B4F-A3B7-EBE87F3FA5E2}" type="slidenum">
-              <a:rPr lang="de-DE" noProof="0" smtClean="0"/>
+              <a:rPr lang="de-DE" smtClean="0"/>
               <a:t>7</a:t>
             </a:fld>
-            <a:endParaRPr lang="de-DE" noProof="0" dirty="0"/>
+            <a:endParaRPr lang="de-DE" dirty="0"/>
           </a:p>
         </p:txBody>
       </p:sp>
     </p:spTree>
     <p:extLst>
       <p:ext uri="{BB962C8B-B14F-4D97-AF65-F5344CB8AC3E}">
-        <p14:creationId xmlns:p14="http://schemas.microsoft.com/office/powerpoint/2010/main" val="928088344"/>
+        <p14:creationId xmlns:p14="http://schemas.microsoft.com/office/powerpoint/2010/main" val="2707455512"/>
       </p:ext>
     </p:extLst>
   </p:cSld>
@@ -1849,7 +1777,7 @@
             <a:pPr rtl="0"/>
             <a:r>
               <a:rPr lang="de-DE" dirty="0"/>
-              <a:t>Video</a:t>
+              <a:t>Status, was habe ich und was habe ich daraus gelernt</a:t>
             </a:r>
           </a:p>
         </p:txBody>
@@ -1881,7 +1809,7 @@
     </p:spTree>
     <p:extLst>
       <p:ext uri="{BB962C8B-B14F-4D97-AF65-F5344CB8AC3E}">
-        <p14:creationId xmlns:p14="http://schemas.microsoft.com/office/powerpoint/2010/main" val="2707455512"/>
+        <p14:creationId xmlns:p14="http://schemas.microsoft.com/office/powerpoint/2010/main" val="179059431"/>
       </p:ext>
     </p:extLst>
   </p:cSld>
@@ -1938,7 +1866,18 @@
             <a:pPr rtl="0"/>
             <a:r>
               <a:rPr lang="de-DE" dirty="0"/>
-              <a:t>Status, was habe ich und was habe ich daraus gelernt</a:t>
+              <a:t>Natürlich gibt es immer Raum für Verbesserungen und Erweiterungen.</a:t>
+            </a:r>
+          </a:p>
+          <a:p>
+            <a:pPr rtl="0"/>
+            <a:endParaRPr lang="de-DE" dirty="0"/>
+          </a:p>
+          <a:p>
+            <a:pPr rtl="0"/>
+            <a:r>
+              <a:rPr lang="de-DE" dirty="0"/>
+              <a:t>Was möchte ich noch dazu machen</a:t>
             </a:r>
           </a:p>
         </p:txBody>
@@ -1970,7 +1909,7 @@
     </p:spTree>
     <p:extLst>
       <p:ext uri="{BB962C8B-B14F-4D97-AF65-F5344CB8AC3E}">
-        <p14:creationId xmlns:p14="http://schemas.microsoft.com/office/powerpoint/2010/main" val="179059431"/>
+        <p14:creationId xmlns:p14="http://schemas.microsoft.com/office/powerpoint/2010/main" val="1396902744"/>
       </p:ext>
     </p:extLst>
   </p:cSld>
@@ -2982,7 +2921,7 @@
         </p:nvSpPr>
         <p:spPr>
           <a:xfrm>
-            <a:off x="2527233" y="1682523"/>
+            <a:off x="3791828" y="1710232"/>
             <a:ext cx="1729332" cy="1729332"/>
           </a:xfrm>
           <a:prstGeom prst="ellipse">
@@ -3036,7 +2975,7 @@
         </p:nvSpPr>
         <p:spPr>
           <a:xfrm>
-            <a:off x="5380632" y="1682523"/>
+            <a:off x="6645227" y="1710232"/>
             <a:ext cx="1729332" cy="1729332"/>
           </a:xfrm>
           <a:prstGeom prst="ellipse">
@@ -3090,7 +3029,7 @@
         </p:nvSpPr>
         <p:spPr>
           <a:xfrm>
-            <a:off x="5585060" y="1762266"/>
+            <a:off x="6849655" y="1789975"/>
             <a:ext cx="1320476" cy="362088"/>
           </a:xfrm>
           <a:custGeom>
@@ -3205,7 +3144,7 @@
         </p:nvSpPr>
         <p:spPr>
           <a:xfrm>
-            <a:off x="2731661" y="1762266"/>
+            <a:off x="3996256" y="1789975"/>
             <a:ext cx="1320476" cy="362088"/>
           </a:xfrm>
           <a:custGeom>
@@ -3518,7 +3457,7 @@
         </p:nvSpPr>
         <p:spPr>
           <a:xfrm>
-            <a:off x="2097547" y="4036360"/>
+            <a:off x="3362142" y="4064069"/>
             <a:ext cx="2588705" cy="1749005"/>
           </a:xfrm>
         </p:spPr>
@@ -3575,7 +3514,7 @@
         </p:nvSpPr>
         <p:spPr>
           <a:xfrm>
-            <a:off x="2097547" y="3523322"/>
+            <a:off x="3362142" y="3551031"/>
             <a:ext cx="2588705" cy="495389"/>
           </a:xfrm>
         </p:spPr>
@@ -3637,7 +3576,7 @@
         </p:nvSpPr>
         <p:spPr>
           <a:xfrm>
-            <a:off x="4950946" y="4036360"/>
+            <a:off x="6215541" y="4064069"/>
             <a:ext cx="2588705" cy="1749005"/>
           </a:xfrm>
         </p:spPr>
@@ -3694,7 +3633,7 @@
         </p:nvSpPr>
         <p:spPr>
           <a:xfrm>
-            <a:off x="4950946" y="3523322"/>
+            <a:off x="6215541" y="3551031"/>
             <a:ext cx="2588705" cy="495389"/>
           </a:xfrm>
         </p:spPr>
@@ -3740,125 +3679,6 @@
       </p:sp>
       <p:sp>
         <p:nvSpPr>
-          <p:cNvPr id="31" name="Inhaltsplatzhalter 2">
-            <a:extLst>
-              <a:ext uri="{FF2B5EF4-FFF2-40B4-BE49-F238E27FC236}">
-                <a16:creationId xmlns:a16="http://schemas.microsoft.com/office/drawing/2014/main" id="{0D86883C-E501-47FF-AE1A-E9CE8B71B421}"/>
-              </a:ext>
-            </a:extLst>
-          </p:cNvPr>
-          <p:cNvSpPr>
-            <a:spLocks noGrp="1"/>
-          </p:cNvSpPr>
-          <p:nvPr>
-            <p:ph idx="20"/>
-          </p:nvPr>
-        </p:nvSpPr>
-        <p:spPr>
-          <a:xfrm>
-            <a:off x="7789682" y="4036360"/>
-            <a:ext cx="2588705" cy="1749005"/>
-          </a:xfrm>
-        </p:spPr>
-        <p:txBody>
-          <a:bodyPr lIns="0" tIns="0" rIns="0" bIns="0" rtlCol="0">
-            <a:noAutofit/>
-          </a:bodyPr>
-          <a:lstStyle>
-            <a:lvl1pPr marL="0" indent="0" algn="ctr">
-              <a:buNone/>
-              <a:defRPr sz="1600"/>
-            </a:lvl1pPr>
-            <a:lvl2pPr marL="457200" indent="0" algn="ctr">
-              <a:buNone/>
-              <a:defRPr sz="2000"/>
-            </a:lvl2pPr>
-            <a:lvl3pPr marL="914400" indent="0" algn="ctr">
-              <a:buNone/>
-              <a:defRPr sz="1800"/>
-            </a:lvl3pPr>
-            <a:lvl4pPr marL="1371600" indent="0" algn="ctr">
-              <a:buNone/>
-              <a:defRPr sz="1600"/>
-            </a:lvl4pPr>
-            <a:lvl5pPr marL="1828800" indent="0" algn="ctr">
-              <a:buNone/>
-              <a:defRPr sz="1600"/>
-            </a:lvl5pPr>
-          </a:lstStyle>
-          <a:p>
-            <a:pPr lvl="0" rtl="0"/>
-            <a:r>
-              <a:rPr lang="de-DE" noProof="0"/>
-              <a:t>Mastertextformat bearbeiten</a:t>
-            </a:r>
-          </a:p>
-        </p:txBody>
-      </p:sp>
-      <p:sp>
-        <p:nvSpPr>
-          <p:cNvPr id="32" name="Inhaltsplatzhalter 2">
-            <a:extLst>
-              <a:ext uri="{FF2B5EF4-FFF2-40B4-BE49-F238E27FC236}">
-                <a16:creationId xmlns:a16="http://schemas.microsoft.com/office/drawing/2014/main" id="{3683A037-F698-4CC9-904D-F377D71F690F}"/>
-              </a:ext>
-            </a:extLst>
-          </p:cNvPr>
-          <p:cNvSpPr>
-            <a:spLocks noGrp="1"/>
-          </p:cNvSpPr>
-          <p:nvPr>
-            <p:ph idx="21" hasCustomPrompt="1"/>
-          </p:nvPr>
-        </p:nvSpPr>
-        <p:spPr>
-          <a:xfrm>
-            <a:off x="7789682" y="3523322"/>
-            <a:ext cx="2588705" cy="495389"/>
-          </a:xfrm>
-        </p:spPr>
-        <p:txBody>
-          <a:bodyPr lIns="0" tIns="0" rIns="0" bIns="0" rtlCol="0" anchor="ctr">
-            <a:noAutofit/>
-          </a:bodyPr>
-          <a:lstStyle>
-            <a:lvl1pPr marL="0" indent="0" algn="ctr">
-              <a:buNone/>
-              <a:defRPr sz="1600" b="1" cap="all" baseline="0">
-                <a:solidFill>
-                  <a:srgbClr val="0D1D51"/>
-                </a:solidFill>
-                <a:latin typeface="+mj-lt"/>
-              </a:defRPr>
-            </a:lvl1pPr>
-            <a:lvl2pPr marL="457200" indent="0" algn="ctr">
-              <a:buNone/>
-              <a:defRPr sz="2000"/>
-            </a:lvl2pPr>
-            <a:lvl3pPr marL="914400" indent="0" algn="ctr">
-              <a:buNone/>
-              <a:defRPr sz="1800"/>
-            </a:lvl3pPr>
-            <a:lvl4pPr marL="1371600" indent="0" algn="ctr">
-              <a:buNone/>
-              <a:defRPr sz="1600"/>
-            </a:lvl4pPr>
-            <a:lvl5pPr marL="1828800" indent="0" algn="ctr">
-              <a:buNone/>
-              <a:defRPr sz="1600"/>
-            </a:lvl5pPr>
-          </a:lstStyle>
-          <a:p>
-            <a:pPr lvl="0" rtl="0"/>
-            <a:r>
-              <a:rPr lang="de-DE" noProof="0" dirty="0"/>
-              <a:t>Geschäftsführung 01</a:t>
-            </a:r>
-          </a:p>
-        </p:txBody>
-      </p:sp>
-      <p:sp>
-        <p:nvSpPr>
           <p:cNvPr id="2" name="Bildplatzhalter 11">
             <a:extLst>
               <a:ext uri="{FF2B5EF4-FFF2-40B4-BE49-F238E27FC236}">
@@ -3875,7 +3695,7 @@
         </p:nvSpPr>
         <p:spPr>
           <a:xfrm>
-            <a:off x="2835660" y="1990950"/>
+            <a:off x="4100255" y="2018659"/>
             <a:ext cx="1112478" cy="1112478"/>
           </a:xfrm>
           <a:prstGeom prst="rect">
@@ -3936,7 +3756,7 @@
         </p:nvSpPr>
         <p:spPr>
           <a:xfrm>
-            <a:off x="5689059" y="1990950"/>
+            <a:off x="6953654" y="2018659"/>
             <a:ext cx="1112478" cy="1112478"/>
           </a:xfrm>
           <a:prstGeom prst="rect">
@@ -3981,60 +3801,6 @@
       </p:sp>
       <p:sp>
         <p:nvSpPr>
-          <p:cNvPr id="25" name="Ellipse 24">
-            <a:extLst>
-              <a:ext uri="{FF2B5EF4-FFF2-40B4-BE49-F238E27FC236}">
-                <a16:creationId xmlns:a16="http://schemas.microsoft.com/office/drawing/2014/main" id="{0272B962-9566-42D2-B4C3-E7AA81884A83}"/>
-              </a:ext>
-            </a:extLst>
-          </p:cNvPr>
-          <p:cNvSpPr/>
-          <p:nvPr userDrawn="1"/>
-        </p:nvSpPr>
-        <p:spPr>
-          <a:xfrm>
-            <a:off x="8214453" y="1688636"/>
-            <a:ext cx="1729332" cy="1729332"/>
-          </a:xfrm>
-          <a:prstGeom prst="ellipse">
-            <a:avLst/>
-          </a:prstGeom>
-          <a:solidFill>
-            <a:schemeClr val="tx1">
-              <a:alpha val="13000"/>
-            </a:schemeClr>
-          </a:solidFill>
-          <a:ln>
-            <a:noFill/>
-          </a:ln>
-        </p:spPr>
-        <p:style>
-          <a:lnRef idx="2">
-            <a:schemeClr val="accent1">
-              <a:shade val="50000"/>
-            </a:schemeClr>
-          </a:lnRef>
-          <a:fillRef idx="1">
-            <a:schemeClr val="accent1"/>
-          </a:fillRef>
-          <a:effectRef idx="0">
-            <a:schemeClr val="accent1"/>
-          </a:effectRef>
-          <a:fontRef idx="minor">
-            <a:schemeClr val="lt1"/>
-          </a:fontRef>
-        </p:style>
-        <p:txBody>
-          <a:bodyPr rtlCol="0" anchor="ctr"/>
-          <a:lstStyle/>
-          <a:p>
-            <a:pPr algn="ctr" rtl="0"/>
-            <a:endParaRPr lang="de-DE" noProof="0" dirty="0"/>
-          </a:p>
-        </p:txBody>
-      </p:sp>
-      <p:sp>
-        <p:nvSpPr>
           <p:cNvPr id="3" name="Datumsplatzhalter 2">
             <a:extLst>
               <a:ext uri="{FF2B5EF4-FFF2-40B4-BE49-F238E27FC236}">
@@ -4057,7 +3823,7 @@
             <a:pPr rtl="0"/>
             <a:fld id="{5F5B716E-F937-40F9-B6CA-96B3068BCF36}" type="datetime1">
               <a:rPr lang="de-DE" noProof="0" smtClean="0"/>
-              <a:t>02.03.2025</a:t>
+              <a:t>03.03.2025</a:t>
             </a:fld>
             <a:endParaRPr lang="de-DE" noProof="0" dirty="0"/>
           </a:p>
@@ -4085,121 +3851,6 @@
           <a:lstStyle/>
           <a:p>
             <a:pPr rtl="0"/>
-            <a:endParaRPr lang="de-DE" noProof="0" dirty="0"/>
-          </a:p>
-        </p:txBody>
-      </p:sp>
-      <p:sp>
-        <p:nvSpPr>
-          <p:cNvPr id="21" name="Freihandform: Form 20">
-            <a:extLst>
-              <a:ext uri="{FF2B5EF4-FFF2-40B4-BE49-F238E27FC236}">
-                <a16:creationId xmlns:a16="http://schemas.microsoft.com/office/drawing/2014/main" id="{33EF0AFB-D099-4FF1-8963-7DA87268867F}"/>
-              </a:ext>
-            </a:extLst>
-          </p:cNvPr>
-          <p:cNvSpPr/>
-          <p:nvPr userDrawn="1"/>
-        </p:nvSpPr>
-        <p:spPr>
-          <a:xfrm>
-            <a:off x="8423796" y="1762266"/>
-            <a:ext cx="1320476" cy="362088"/>
-          </a:xfrm>
-          <a:custGeom>
-            <a:avLst/>
-            <a:gdLst>
-              <a:gd name="connsiteX0" fmla="*/ 660238 w 1320476"/>
-              <a:gd name="connsiteY0" fmla="*/ 0 h 362088"/>
-              <a:gd name="connsiteX1" fmla="*/ 1312051 w 1320476"/>
-              <a:gd name="connsiteY1" fmla="*/ 346566 h 362088"/>
-              <a:gd name="connsiteX2" fmla="*/ 1320476 w 1320476"/>
-              <a:gd name="connsiteY2" fmla="*/ 362088 h 362088"/>
-              <a:gd name="connsiteX3" fmla="*/ 0 w 1320476"/>
-              <a:gd name="connsiteY3" fmla="*/ 362088 h 362088"/>
-              <a:gd name="connsiteX4" fmla="*/ 8425 w 1320476"/>
-              <a:gd name="connsiteY4" fmla="*/ 346566 h 362088"/>
-              <a:gd name="connsiteX5" fmla="*/ 660238 w 1320476"/>
-              <a:gd name="connsiteY5" fmla="*/ 0 h 362088"/>
-            </a:gdLst>
-            <a:ahLst/>
-            <a:cxnLst>
-              <a:cxn ang="0">
-                <a:pos x="connsiteX0" y="connsiteY0"/>
-              </a:cxn>
-              <a:cxn ang="0">
-                <a:pos x="connsiteX1" y="connsiteY1"/>
-              </a:cxn>
-              <a:cxn ang="0">
-                <a:pos x="connsiteX2" y="connsiteY2"/>
-              </a:cxn>
-              <a:cxn ang="0">
-                <a:pos x="connsiteX3" y="connsiteY3"/>
-              </a:cxn>
-              <a:cxn ang="0">
-                <a:pos x="connsiteX4" y="connsiteY4"/>
-              </a:cxn>
-              <a:cxn ang="0">
-                <a:pos x="connsiteX5" y="connsiteY5"/>
-              </a:cxn>
-            </a:cxnLst>
-            <a:rect l="l" t="t" r="r" b="b"/>
-            <a:pathLst>
-              <a:path w="1320476" h="362088">
-                <a:moveTo>
-                  <a:pt x="660238" y="0"/>
-                </a:moveTo>
-                <a:cubicBezTo>
-                  <a:pt x="931569" y="0"/>
-                  <a:pt x="1170791" y="137473"/>
-                  <a:pt x="1312051" y="346566"/>
-                </a:cubicBezTo>
-                <a:lnTo>
-                  <a:pt x="1320476" y="362088"/>
-                </a:lnTo>
-                <a:lnTo>
-                  <a:pt x="0" y="362088"/>
-                </a:lnTo>
-                <a:lnTo>
-                  <a:pt x="8425" y="346566"/>
-                </a:lnTo>
-                <a:cubicBezTo>
-                  <a:pt x="149685" y="137473"/>
-                  <a:pt x="388907" y="0"/>
-                  <a:pt x="660238" y="0"/>
-                </a:cubicBezTo>
-                <a:close/>
-              </a:path>
-            </a:pathLst>
-          </a:custGeom>
-          <a:solidFill>
-            <a:srgbClr val="648AC7"/>
-          </a:solidFill>
-          <a:ln>
-            <a:noFill/>
-          </a:ln>
-        </p:spPr>
-        <p:style>
-          <a:lnRef idx="2">
-            <a:schemeClr val="accent1">
-              <a:shade val="50000"/>
-            </a:schemeClr>
-          </a:lnRef>
-          <a:fillRef idx="1">
-            <a:schemeClr val="accent1"/>
-          </a:fillRef>
-          <a:effectRef idx="0">
-            <a:schemeClr val="accent1"/>
-          </a:effectRef>
-          <a:fontRef idx="minor">
-            <a:schemeClr val="lt1"/>
-          </a:fontRef>
-        </p:style>
-        <p:txBody>
-          <a:bodyPr rtlCol="0" anchor="ctr"/>
-          <a:lstStyle/>
-          <a:p>
-            <a:pPr algn="ctr" rtl="0"/>
             <a:endParaRPr lang="de-DE" noProof="0" dirty="0"/>
           </a:p>
         </p:txBody>
@@ -4253,67 +3904,6 @@
           <a:p>
             <a:pPr algn="ctr" rtl="0"/>
             <a:endParaRPr lang="de-DE" noProof="0" dirty="0"/>
-          </a:p>
-        </p:txBody>
-      </p:sp>
-      <p:sp>
-        <p:nvSpPr>
-          <p:cNvPr id="5" name="Bildplatzhalter 11">
-            <a:extLst>
-              <a:ext uri="{FF2B5EF4-FFF2-40B4-BE49-F238E27FC236}">
-                <a16:creationId xmlns:a16="http://schemas.microsoft.com/office/drawing/2014/main" id="{59FE1D51-5BBB-429E-B923-E4BA883EAC90}"/>
-              </a:ext>
-            </a:extLst>
-          </p:cNvPr>
-          <p:cNvSpPr>
-            <a:spLocks noGrp="1"/>
-          </p:cNvSpPr>
-          <p:nvPr>
-            <p:ph type="pic" sz="quarter" idx="24" hasCustomPrompt="1"/>
-          </p:nvPr>
-        </p:nvSpPr>
-        <p:spPr>
-          <a:xfrm>
-            <a:off x="8522880" y="1990950"/>
-            <a:ext cx="1112478" cy="1112478"/>
-          </a:xfrm>
-          <a:prstGeom prst="rect">
-            <a:avLst/>
-          </a:prstGeom>
-          <a:blipFill dpi="0" rotWithShape="1">
-            <a:blip r:embed="rId4">
-              <a:extLst>
-                <a:ext uri="{28A0092B-C50C-407E-A947-70E740481C1C}">
-                  <a14:useLocalDpi xmlns:a14="http://schemas.microsoft.com/office/drawing/2010/main" val="0"/>
-                </a:ext>
-              </a:extLst>
-            </a:blip>
-            <a:srcRect/>
-            <a:stretch>
-              <a:fillRect/>
-            </a:stretch>
-          </a:blipFill>
-        </p:spPr>
-        <p:txBody>
-          <a:bodyPr lIns="0" rIns="0" rtlCol="0" anchor="ctr">
-            <a:normAutofit/>
-          </a:bodyPr>
-          <a:lstStyle>
-            <a:lvl1pPr marL="0" indent="0" algn="ctr">
-              <a:buNone/>
-              <a:defRPr sz="1100">
-                <a:solidFill>
-                  <a:schemeClr val="bg1"/>
-                </a:solidFill>
-              </a:defRPr>
-            </a:lvl1pPr>
-          </a:lstStyle>
-          <a:p>
-            <a:pPr rtl="0"/>
-            <a:r>
-              <a:rPr lang="de-DE" noProof="0" dirty="0"/>
-              <a:t>Symbol</a:t>
-            </a:r>
           </a:p>
         </p:txBody>
       </p:sp>
@@ -17600,7 +17190,7 @@
             <a:pPr rtl="0"/>
             <a:fld id="{5F5B716E-F937-40F9-B6CA-96B3068BCF36}" type="datetime1">
               <a:rPr lang="de-DE" noProof="0" smtClean="0"/>
-              <a:t>02.03.2025</a:t>
+              <a:t>03.03.2025</a:t>
             </a:fld>
             <a:endParaRPr lang="de-DE" noProof="0" dirty="0"/>
           </a:p>
@@ -18191,12 +17781,35 @@
           <a:chExt cx="0" cy="0"/>
         </a:xfrm>
       </p:grpSpPr>
-      <p:sp>
-        <p:nvSpPr>
-          <p:cNvPr id="2" name="Titel 1">
+      <p:pic>
+        <p:nvPicPr>
+          <p:cNvPr id="10" name="Bildplatzhalter 9">
             <a:extLst>
               <a:ext uri="{FF2B5EF4-FFF2-40B4-BE49-F238E27FC236}">
-                <a16:creationId xmlns:a16="http://schemas.microsoft.com/office/drawing/2014/main" id="{8FBFCA16-8D78-4A87-9023-708458E3A4F3}"/>
+                <a16:creationId xmlns:a16="http://schemas.microsoft.com/office/drawing/2014/main" id="{3A7EDB62-3E60-F44C-AE34-9495623E004A}"/>
+              </a:ext>
+            </a:extLst>
+          </p:cNvPr>
+          <p:cNvPicPr>
+            <a:picLocks noGrp="1" noChangeAspect="1"/>
+          </p:cNvPicPr>
+          <p:nvPr>
+            <p:ph type="pic" sz="quarter" idx="10"/>
+          </p:nvPr>
+        </p:nvPicPr>
+        <p:blipFill>
+          <a:blip r:embed="rId3"/>
+          <a:srcRect/>
+          <a:stretch/>
+        </p:blipFill>
+        <p:spPr/>
+      </p:pic>
+      <p:sp>
+        <p:nvSpPr>
+          <p:cNvPr id="7" name="Titel 6">
+            <a:extLst>
+              <a:ext uri="{FF2B5EF4-FFF2-40B4-BE49-F238E27FC236}">
+                <a16:creationId xmlns:a16="http://schemas.microsoft.com/office/drawing/2014/main" id="{39B0EC6D-03DD-4CEE-9979-34A964DCA45D}"/>
               </a:ext>
             </a:extLst>
           </p:cNvPr>
@@ -18207,25 +17820,109 @@
             <p:ph type="title"/>
           </p:nvPr>
         </p:nvSpPr>
-        <p:spPr/>
+        <p:spPr>
+          <a:xfrm>
+            <a:off x="6469777" y="3429000"/>
+            <a:ext cx="5513675" cy="651448"/>
+          </a:xfrm>
+        </p:spPr>
         <p:txBody>
           <a:bodyPr rtlCol="0"/>
           <a:lstStyle/>
           <a:p>
             <a:pPr rtl="0"/>
             <a:r>
-              <a:rPr lang="de-DE" dirty="0"/>
-              <a:t>Ideen für die Zukunft</a:t>
+              <a:rPr lang="de-DE" dirty="0">
+                <a:solidFill>
+                  <a:srgbClr val="8AB8F5"/>
+                </a:solidFill>
+              </a:rPr>
+              <a:t>Vielen Dank!</a:t>
             </a:r>
           </a:p>
         </p:txBody>
       </p:sp>
       <p:sp>
         <p:nvSpPr>
-          <p:cNvPr id="8" name="Inhaltsplatzhalter 7">
+          <p:cNvPr id="4" name="Textplatzhalter 3">
             <a:extLst>
               <a:ext uri="{FF2B5EF4-FFF2-40B4-BE49-F238E27FC236}">
-                <a16:creationId xmlns:a16="http://schemas.microsoft.com/office/drawing/2014/main" id="{5935AC4D-C17D-4827-B693-43A34920A5FD}"/>
+                <a16:creationId xmlns:a16="http://schemas.microsoft.com/office/drawing/2014/main" id="{00660AB3-9DDA-01CF-15F0-3B22AEA8E6D3}"/>
+              </a:ext>
+            </a:extLst>
+          </p:cNvPr>
+          <p:cNvSpPr>
+            <a:spLocks noGrp="1"/>
+          </p:cNvSpPr>
+          <p:nvPr>
+            <p:ph type="body" sz="quarter" idx="11"/>
+          </p:nvPr>
+        </p:nvSpPr>
+        <p:spPr>
+          <a:xfrm>
+            <a:off x="6959664" y="4457221"/>
+            <a:ext cx="4533900" cy="503238"/>
+          </a:xfrm>
+        </p:spPr>
+        <p:txBody>
+          <a:bodyPr/>
+          <a:lstStyle/>
+          <a:p>
+            <a:r>
+              <a:rPr lang="de-AT" dirty="0"/>
+              <a:t>Hartlauer Sandra</a:t>
+            </a:r>
+          </a:p>
+        </p:txBody>
+      </p:sp>
+    </p:spTree>
+    <p:extLst>
+      <p:ext uri="{BB962C8B-B14F-4D97-AF65-F5344CB8AC3E}">
+        <p14:creationId xmlns:p14="http://schemas.microsoft.com/office/powerpoint/2010/main" val="2928802494"/>
+      </p:ext>
+    </p:extLst>
+  </p:cSld>
+  <p:clrMapOvr>
+    <a:masterClrMapping/>
+  </p:clrMapOvr>
+  <mc:AlternateContent xmlns:mc="http://schemas.openxmlformats.org/markup-compatibility/2006" xmlns:p159="http://schemas.microsoft.com/office/powerpoint/2015/09/main">
+    <mc:Choice Requires="p159">
+      <p:transition xmlns:p14="http://schemas.microsoft.com/office/powerpoint/2010/main" spd="slow" p14:dur="2000">
+        <p159:morph option="byObject"/>
+      </p:transition>
+    </mc:Choice>
+    <mc:Fallback xmlns="">
+      <p:transition spd="slow">
+        <p:fade/>
+      </p:transition>
+    </mc:Fallback>
+  </mc:AlternateContent>
+</p:sld>
+</file>
+
+<file path=ppt/slides/slide2.xml><?xml version="1.0" encoding="utf-8"?>
+<p:sld xmlns:a="http://schemas.openxmlformats.org/drawingml/2006/main" xmlns:r="http://schemas.openxmlformats.org/officeDocument/2006/relationships" xmlns:p="http://schemas.openxmlformats.org/presentationml/2006/main">
+  <p:cSld>
+    <p:spTree>
+      <p:nvGrpSpPr>
+        <p:cNvPr id="1" name=""/>
+        <p:cNvGrpSpPr/>
+        <p:nvPr/>
+      </p:nvGrpSpPr>
+      <p:grpSpPr>
+        <a:xfrm>
+          <a:off x="0" y="0"/>
+          <a:ext cx="0" cy="0"/>
+          <a:chOff x="0" y="0"/>
+          <a:chExt cx="0" cy="0"/>
+        </a:xfrm>
+      </p:grpSpPr>
+      <p:sp>
+        <p:nvSpPr>
+          <p:cNvPr id="3" name="Inhaltsplatzhalter 2">
+            <a:extLst>
+              <a:ext uri="{FF2B5EF4-FFF2-40B4-BE49-F238E27FC236}">
+                <a16:creationId xmlns:a16="http://schemas.microsoft.com/office/drawing/2014/main" id="{552A9C73-06ED-419B-81B5-491CBFC22330}"/>
               </a:ext>
             </a:extLst>
           </p:cNvPr>
@@ -18236,268 +17933,84 @@
             <p:ph idx="1"/>
           </p:nvPr>
         </p:nvSpPr>
-        <p:spPr/>
+        <p:spPr>
+          <a:xfrm>
+            <a:off x="538961" y="1825625"/>
+            <a:ext cx="3991476" cy="4351338"/>
+          </a:xfrm>
+        </p:spPr>
         <p:txBody>
-          <a:bodyPr rtlCol="0"/>
+          <a:bodyPr rtlCol="0" anchor="ctr"/>
           <a:lstStyle/>
           <a:p>
-            <a:pPr rtl="0"/>
-            <a:r>
-              <a:rPr lang="de-DE" sz="1800" dirty="0"/>
-              <a:t>Penetration </a:t>
-            </a:r>
-            <a:r>
-              <a:rPr lang="de-DE" sz="1800" dirty="0" err="1"/>
-              <a:t>Testing</a:t>
-            </a:r>
-            <a:endParaRPr lang="de-DE" sz="1800" dirty="0"/>
-          </a:p>
-          <a:p>
-            <a:pPr rtl="0"/>
-            <a:r>
-              <a:rPr lang="de-DE" sz="1800" dirty="0"/>
-              <a:t>Usertests</a:t>
-            </a:r>
-          </a:p>
-        </p:txBody>
-      </p:sp>
-      <p:sp>
-        <p:nvSpPr>
-          <p:cNvPr id="9" name="Inhaltsplatzhalter 8">
-            <a:extLst>
-              <a:ext uri="{FF2B5EF4-FFF2-40B4-BE49-F238E27FC236}">
-                <a16:creationId xmlns:a16="http://schemas.microsoft.com/office/drawing/2014/main" id="{D66C6D21-6780-4D8A-9B6F-582E0BD2DC2E}"/>
-              </a:ext>
-            </a:extLst>
-          </p:cNvPr>
-          <p:cNvSpPr>
-            <a:spLocks noGrp="1"/>
-          </p:cNvSpPr>
-          <p:nvPr>
-            <p:ph idx="17"/>
-          </p:nvPr>
-        </p:nvSpPr>
-        <p:spPr/>
-        <p:txBody>
-          <a:bodyPr rtlCol="0"/>
-          <a:lstStyle/>
-          <a:p>
-            <a:r>
-              <a:rPr lang="de-DE" sz="1800" dirty="0"/>
-              <a:t>Weitere Tests</a:t>
-            </a:r>
-          </a:p>
-        </p:txBody>
-      </p:sp>
-      <p:sp>
-        <p:nvSpPr>
-          <p:cNvPr id="10" name="Inhaltsplatzhalter 9">
-            <a:extLst>
-              <a:ext uri="{FF2B5EF4-FFF2-40B4-BE49-F238E27FC236}">
-                <a16:creationId xmlns:a16="http://schemas.microsoft.com/office/drawing/2014/main" id="{CCF1405A-05DA-4553-A7B3-B9592963C6B1}"/>
-              </a:ext>
-            </a:extLst>
-          </p:cNvPr>
-          <p:cNvSpPr>
-            <a:spLocks noGrp="1"/>
-          </p:cNvSpPr>
-          <p:nvPr>
-            <p:ph idx="18"/>
-          </p:nvPr>
-        </p:nvSpPr>
-        <p:spPr/>
-        <p:txBody>
-          <a:bodyPr rtlCol="0"/>
-          <a:lstStyle/>
-          <a:p>
-            <a:pPr rtl="0"/>
-            <a:r>
-              <a:rPr lang="de-DE" sz="1800" dirty="0"/>
-              <a:t>verbessern</a:t>
-            </a:r>
-          </a:p>
-        </p:txBody>
-      </p:sp>
-      <p:sp>
-        <p:nvSpPr>
-          <p:cNvPr id="11" name="Inhaltsplatzhalter 10">
-            <a:extLst>
-              <a:ext uri="{FF2B5EF4-FFF2-40B4-BE49-F238E27FC236}">
-                <a16:creationId xmlns:a16="http://schemas.microsoft.com/office/drawing/2014/main" id="{90DE57B2-448D-4C8D-8B9C-FFDDFB0A9208}"/>
-              </a:ext>
-            </a:extLst>
-          </p:cNvPr>
-          <p:cNvSpPr>
-            <a:spLocks noGrp="1"/>
-          </p:cNvSpPr>
-          <p:nvPr>
-            <p:ph idx="19"/>
-          </p:nvPr>
-        </p:nvSpPr>
-        <p:spPr/>
-        <p:txBody>
-          <a:bodyPr rtlCol="0"/>
-          <a:lstStyle/>
-          <a:p>
-            <a:pPr rtl="0"/>
-            <a:r>
-              <a:rPr lang="de-DE" sz="1800" dirty="0"/>
-              <a:t>Datenschutz</a:t>
-            </a:r>
-          </a:p>
-        </p:txBody>
-      </p:sp>
-      <p:sp>
-        <p:nvSpPr>
-          <p:cNvPr id="12" name="Inhaltsplatzhalter 11">
-            <a:extLst>
-              <a:ext uri="{FF2B5EF4-FFF2-40B4-BE49-F238E27FC236}">
-                <a16:creationId xmlns:a16="http://schemas.microsoft.com/office/drawing/2014/main" id="{780C3E07-3509-4911-AFF9-20EA8F12D0A4}"/>
-              </a:ext>
-            </a:extLst>
-          </p:cNvPr>
-          <p:cNvSpPr>
-            <a:spLocks noGrp="1"/>
-          </p:cNvSpPr>
-          <p:nvPr>
-            <p:ph idx="20"/>
-          </p:nvPr>
-        </p:nvSpPr>
-        <p:spPr/>
-        <p:txBody>
-          <a:bodyPr rtlCol="0"/>
-          <a:lstStyle/>
-          <a:p>
-            <a:pPr rtl="0"/>
-            <a:r>
-              <a:rPr lang="de-DE" sz="1800" dirty="0"/>
-              <a:t>im Bezug auf XSS und CSRF ausbauen</a:t>
-            </a:r>
-          </a:p>
-        </p:txBody>
-      </p:sp>
-      <p:sp>
-        <p:nvSpPr>
-          <p:cNvPr id="13" name="Inhaltsplatzhalter 12">
-            <a:extLst>
-              <a:ext uri="{FF2B5EF4-FFF2-40B4-BE49-F238E27FC236}">
-                <a16:creationId xmlns:a16="http://schemas.microsoft.com/office/drawing/2014/main" id="{FB9E2175-1C3C-4B3E-A872-A1B7E6D64D52}"/>
-              </a:ext>
-            </a:extLst>
-          </p:cNvPr>
-          <p:cNvSpPr>
-            <a:spLocks noGrp="1"/>
-          </p:cNvSpPr>
-          <p:nvPr>
-            <p:ph idx="21"/>
-          </p:nvPr>
-        </p:nvSpPr>
-        <p:spPr/>
-        <p:txBody>
-          <a:bodyPr rtlCol="0"/>
-          <a:lstStyle/>
-          <a:p>
-            <a:pPr rtl="0"/>
-            <a:r>
-              <a:rPr lang="de-DE" sz="1800" dirty="0"/>
-              <a:t>Sicherheit</a:t>
+            <a:r>
+              <a:rPr lang="de-DE" dirty="0"/>
+              <a:t>Webseite</a:t>
+            </a:r>
+          </a:p>
+          <a:p>
+            <a:r>
+              <a:rPr lang="de-DE" dirty="0"/>
+              <a:t>Wie normale App</a:t>
+            </a:r>
+          </a:p>
+          <a:p>
+            <a:r>
+              <a:rPr lang="de-DE" dirty="0"/>
+              <a:t>Offline</a:t>
+            </a:r>
+          </a:p>
+          <a:p>
+            <a:r>
+              <a:rPr lang="de-DE" dirty="0"/>
+              <a:t>Verschiedene Geräte</a:t>
             </a:r>
           </a:p>
         </p:txBody>
       </p:sp>
       <p:pic>
         <p:nvPicPr>
-          <p:cNvPr id="20" name="Bildplatzhalter 28">
+          <p:cNvPr id="7" name="Bildplatzhalter 6">
             <a:extLst>
               <a:ext uri="{FF2B5EF4-FFF2-40B4-BE49-F238E27FC236}">
-                <a16:creationId xmlns:a16="http://schemas.microsoft.com/office/drawing/2014/main" id="{0832957C-F566-6CB8-471E-C9B682BACB20}"/>
+                <a16:creationId xmlns:a16="http://schemas.microsoft.com/office/drawing/2014/main" id="{A241642C-CB49-4AA1-9EAD-3BCEA280B5B6}"/>
               </a:ext>
             </a:extLst>
           </p:cNvPr>
           <p:cNvPicPr>
-            <a:picLocks noChangeAspect="1"/>
+            <a:picLocks noGrp="1" noChangeAspect="1"/>
           </p:cNvPicPr>
-          <p:nvPr/>
+          <p:nvPr>
+            <p:ph type="pic" sz="quarter" idx="13"/>
+          </p:nvPr>
         </p:nvPicPr>
-        <p:blipFill>
-          <a:blip r:embed="rId3"/>
-          <a:srcRect/>
+        <p:blipFill rotWithShape="1">
+          <a:blip r:embed="rId3">
+            <a:duotone>
+              <a:schemeClr val="accent5">
+                <a:shade val="45000"/>
+                <a:satMod val="135000"/>
+              </a:schemeClr>
+              <a:prstClr val="white"/>
+            </a:duotone>
+          </a:blip>
+          <a:srcRect l="-3841" t="-28709" r="1973" b="-28709"/>
           <a:stretch/>
         </p:blipFill>
         <p:spPr>
           <a:xfrm>
-            <a:off x="2921916" y="2130098"/>
-            <a:ext cx="939966" cy="939966"/>
+            <a:off x="5884649" y="0"/>
+            <a:ext cx="6307352" cy="5780372"/>
           </a:xfrm>
-          <a:prstGeom prst="rect">
-            <a:avLst/>
-          </a:prstGeom>
+          <a:noFill/>
         </p:spPr>
       </p:pic>
-      <p:pic>
-        <p:nvPicPr>
-          <p:cNvPr id="22" name="Bildplatzhalter 28">
+      <p:sp>
+        <p:nvSpPr>
+          <p:cNvPr id="5" name="Foliennummernplatzhalter 3">
             <a:extLst>
               <a:ext uri="{FF2B5EF4-FFF2-40B4-BE49-F238E27FC236}">
-                <a16:creationId xmlns:a16="http://schemas.microsoft.com/office/drawing/2014/main" id="{808C87E8-61DF-FDCB-2BB2-65215E433EB2}"/>
-              </a:ext>
-            </a:extLst>
-          </p:cNvPr>
-          <p:cNvPicPr>
-            <a:picLocks noChangeAspect="1"/>
-          </p:cNvPicPr>
-          <p:nvPr/>
-        </p:nvPicPr>
-        <p:blipFill>
-          <a:blip r:embed="rId4"/>
-          <a:srcRect/>
-          <a:stretch/>
-        </p:blipFill>
-        <p:spPr>
-          <a:xfrm>
-            <a:off x="5775315" y="2130098"/>
-            <a:ext cx="939966" cy="939966"/>
-          </a:xfrm>
-          <a:prstGeom prst="rect">
-            <a:avLst/>
-          </a:prstGeom>
-        </p:spPr>
-      </p:pic>
-      <p:pic>
-        <p:nvPicPr>
-          <p:cNvPr id="24" name="Bildplatzhalter 28">
-            <a:extLst>
-              <a:ext uri="{FF2B5EF4-FFF2-40B4-BE49-F238E27FC236}">
-                <a16:creationId xmlns:a16="http://schemas.microsoft.com/office/drawing/2014/main" id="{73B5ADD5-9524-B8B2-A81C-7158C166450F}"/>
-              </a:ext>
-            </a:extLst>
-          </p:cNvPr>
-          <p:cNvPicPr>
-            <a:picLocks noChangeAspect="1"/>
-          </p:cNvPicPr>
-          <p:nvPr/>
-        </p:nvPicPr>
-        <p:blipFill>
-          <a:blip r:embed="rId5"/>
-          <a:srcRect/>
-          <a:stretch/>
-        </p:blipFill>
-        <p:spPr>
-          <a:xfrm>
-            <a:off x="8614051" y="2130098"/>
-            <a:ext cx="939966" cy="939966"/>
-          </a:xfrm>
-          <a:prstGeom prst="rect">
-            <a:avLst/>
-          </a:prstGeom>
-        </p:spPr>
-      </p:pic>
-      <p:sp>
-        <p:nvSpPr>
-          <p:cNvPr id="4" name="Foliennummernplatzhalter 3">
-            <a:extLst>
-              <a:ext uri="{FF2B5EF4-FFF2-40B4-BE49-F238E27FC236}">
-                <a16:creationId xmlns:a16="http://schemas.microsoft.com/office/drawing/2014/main" id="{37B240F2-D2D0-6509-E737-24BE3AA81974}"/>
+                <a16:creationId xmlns:a16="http://schemas.microsoft.com/office/drawing/2014/main" id="{4F255404-DC2D-EF16-6695-2740403CF5CC}"/>
               </a:ext>
             </a:extLst>
           </p:cNvPr>
@@ -18627,19 +18140,52 @@
                   <a:spcPts val="600"/>
                 </a:spcAft>
               </a:pPr>
-              <a:t>10</a:t>
+              <a:t>2</a:t>
             </a:fld>
             <a:r>
               <a:rPr lang="de-DE" dirty="0"/>
-              <a:t> von 11</a:t>
-            </a:r>
+              <a:t> von 10</a:t>
+            </a:r>
+          </a:p>
+        </p:txBody>
+      </p:sp>
+      <p:sp>
+        <p:nvSpPr>
+          <p:cNvPr id="2" name="Titel 1">
+            <a:extLst>
+              <a:ext uri="{FF2B5EF4-FFF2-40B4-BE49-F238E27FC236}">
+                <a16:creationId xmlns:a16="http://schemas.microsoft.com/office/drawing/2014/main" id="{E2C50832-0B36-43C5-98EC-4CD165D78718}"/>
+              </a:ext>
+            </a:extLst>
+          </p:cNvPr>
+          <p:cNvSpPr>
+            <a:spLocks noGrp="1"/>
+          </p:cNvSpPr>
+          <p:nvPr>
+            <p:ph type="title"/>
+          </p:nvPr>
+        </p:nvSpPr>
+        <p:spPr/>
+        <p:txBody>
+          <a:bodyPr rtlCol="0"/>
+          <a:lstStyle/>
+          <a:p>
+            <a:pPr rtl="0"/>
+            <a:r>
+              <a:rPr lang="de-DE" dirty="0"/>
+              <a:t>Progressive Web App</a:t>
+            </a:r>
+            <a:br>
+              <a:rPr lang="de-DE" dirty="0"/>
+            </a:br>
+            <a:endParaRPr lang="de-DE" dirty="0"/>
           </a:p>
         </p:txBody>
       </p:sp>
     </p:spTree>
     <p:extLst>
       <p:ext uri="{BB962C8B-B14F-4D97-AF65-F5344CB8AC3E}">
-        <p14:creationId xmlns:p14="http://schemas.microsoft.com/office/powerpoint/2010/main" val="1513464212"/>
+        <p14:creationId xmlns:p14="http://schemas.microsoft.com/office/powerpoint/2010/main" val="592391210"/>
       </p:ext>
     </p:extLst>
   </p:cSld>
@@ -18661,7 +18207,7 @@
 </p:sld>
 </file>
 
-<file path=ppt/slides/slide11.xml><?xml version="1.0" encoding="utf-8"?>
+<file path=ppt/slides/slide3.xml><?xml version="1.0" encoding="utf-8"?>
 <p:sld xmlns:a="http://schemas.openxmlformats.org/drawingml/2006/main" xmlns:r="http://schemas.openxmlformats.org/officeDocument/2006/relationships" xmlns:p="http://schemas.openxmlformats.org/presentationml/2006/main">
   <p:cSld>
     <p:spTree>
@@ -18678,35 +18224,12 @@
           <a:chExt cx="0" cy="0"/>
         </a:xfrm>
       </p:grpSpPr>
-      <p:pic>
-        <p:nvPicPr>
-          <p:cNvPr id="10" name="Bildplatzhalter 9">
+      <p:sp>
+        <p:nvSpPr>
+          <p:cNvPr id="2" name="Titel 1">
             <a:extLst>
               <a:ext uri="{FF2B5EF4-FFF2-40B4-BE49-F238E27FC236}">
-                <a16:creationId xmlns:a16="http://schemas.microsoft.com/office/drawing/2014/main" id="{3A7EDB62-3E60-F44C-AE34-9495623E004A}"/>
-              </a:ext>
-            </a:extLst>
-          </p:cNvPr>
-          <p:cNvPicPr>
-            <a:picLocks noGrp="1" noChangeAspect="1"/>
-          </p:cNvPicPr>
-          <p:nvPr>
-            <p:ph type="pic" sz="quarter" idx="10"/>
-          </p:nvPr>
-        </p:nvPicPr>
-        <p:blipFill>
-          <a:blip r:embed="rId3"/>
-          <a:srcRect/>
-          <a:stretch/>
-        </p:blipFill>
-        <p:spPr/>
-      </p:pic>
-      <p:sp>
-        <p:nvSpPr>
-          <p:cNvPr id="7" name="Titel 6">
-            <a:extLst>
-              <a:ext uri="{FF2B5EF4-FFF2-40B4-BE49-F238E27FC236}">
-                <a16:creationId xmlns:a16="http://schemas.microsoft.com/office/drawing/2014/main" id="{39B0EC6D-03DD-4CEE-9979-34A964DCA45D}"/>
+                <a16:creationId xmlns:a16="http://schemas.microsoft.com/office/drawing/2014/main" id="{6C64C2A7-EC84-4D8C-9CA2-F6AE46F51FB6}"/>
               </a:ext>
             </a:extLst>
           </p:cNvPr>
@@ -18719,32 +18242,30 @@
         </p:nvSpPr>
         <p:spPr>
           <a:xfrm>
-            <a:off x="6469777" y="3429000"/>
-            <a:ext cx="5513675" cy="651448"/>
+            <a:off x="515938" y="499595"/>
+            <a:ext cx="4937211" cy="1325563"/>
           </a:xfrm>
         </p:spPr>
         <p:txBody>
-          <a:bodyPr rtlCol="0"/>
+          <a:bodyPr rtlCol="0" anchor="ctr">
+            <a:normAutofit/>
+          </a:bodyPr>
           <a:lstStyle/>
           <a:p>
             <a:pPr rtl="0"/>
             <a:r>
-              <a:rPr lang="de-DE" dirty="0">
-                <a:solidFill>
-                  <a:srgbClr val="8AB8F5"/>
-                </a:solidFill>
-              </a:rPr>
-              <a:t>Vielen Dank!</a:t>
+              <a:rPr lang="de-DE" dirty="0"/>
+              <a:t>IDEE/Motivation</a:t>
             </a:r>
           </a:p>
         </p:txBody>
       </p:sp>
       <p:sp>
         <p:nvSpPr>
-          <p:cNvPr id="4" name="Textplatzhalter 3">
+          <p:cNvPr id="3" name="Textplatzhalter 2">
             <a:extLst>
               <a:ext uri="{FF2B5EF4-FFF2-40B4-BE49-F238E27FC236}">
-                <a16:creationId xmlns:a16="http://schemas.microsoft.com/office/drawing/2014/main" id="{00660AB3-9DDA-01CF-15F0-3B22AEA8E6D3}"/>
+                <a16:creationId xmlns:a16="http://schemas.microsoft.com/office/drawing/2014/main" id="{56960426-AAA6-4126-93AF-30F7DEE010A4}"/>
               </a:ext>
             </a:extLst>
           </p:cNvPr>
@@ -18752,30 +18273,164 @@
             <a:spLocks noGrp="1"/>
           </p:cNvSpPr>
           <p:nvPr>
-            <p:ph type="body" sz="quarter" idx="11"/>
+            <p:ph idx="1"/>
           </p:nvPr>
         </p:nvSpPr>
         <p:spPr>
           <a:xfrm>
-            <a:off x="6959664" y="4457221"/>
-            <a:ext cx="4533900" cy="503238"/>
+            <a:off x="538960" y="1825625"/>
+            <a:ext cx="4914189" cy="4351338"/>
           </a:xfrm>
         </p:spPr>
         <p:txBody>
-          <a:bodyPr/>
+          <a:bodyPr rtlCol="0">
+            <a:noAutofit/>
+          </a:bodyPr>
           <a:lstStyle/>
           <a:p>
-            <a:r>
-              <a:rPr lang="de-AT" dirty="0"/>
-              <a:t>Hartlauer Sandra</a:t>
-            </a:r>
+            <a:endParaRPr lang="de-DE" dirty="0"/>
+          </a:p>
+          <a:p>
+            <a:endParaRPr lang="de-DE" dirty="0"/>
+          </a:p>
+          <a:p>
+            <a:r>
+              <a:rPr lang="de-DE" dirty="0"/>
+              <a:t>Kassier bei der LJ</a:t>
+            </a:r>
+          </a:p>
+          <a:p>
+            <a:pPr algn="l" fontAlgn="base"/>
+            <a:r>
+              <a:rPr lang="de-DE" dirty="0">
+                <a:solidFill>
+                  <a:srgbClr val="242424"/>
+                </a:solidFill>
+              </a:rPr>
+              <a:t>L</a:t>
+            </a:r>
+            <a:r>
+              <a:rPr lang="de-DE" b="0" i="0" dirty="0">
+                <a:solidFill>
+                  <a:srgbClr val="242424"/>
+                </a:solidFill>
+                <a:effectLst/>
+              </a:rPr>
+              <a:t>eichtere Verwahrung (7 Jahre aufbewahren und wiederfinden)</a:t>
+            </a:r>
+          </a:p>
+          <a:p>
+            <a:pPr algn="l" fontAlgn="base"/>
+            <a:r>
+              <a:rPr lang="de-DE" dirty="0">
+                <a:solidFill>
+                  <a:srgbClr val="242424"/>
+                </a:solidFill>
+              </a:rPr>
+              <a:t>PWA</a:t>
+            </a:r>
+          </a:p>
+          <a:p>
+            <a:pPr algn="l" fontAlgn="base"/>
+            <a:r>
+              <a:rPr lang="de-DE" dirty="0">
+                <a:solidFill>
+                  <a:srgbClr val="242424"/>
+                </a:solidFill>
+              </a:rPr>
+              <a:t>Datenschutz und Sicherheit</a:t>
+            </a:r>
+            <a:endParaRPr lang="de-DE" b="0" i="0" dirty="0">
+              <a:solidFill>
+                <a:srgbClr val="242424"/>
+              </a:solidFill>
+              <a:effectLst/>
+            </a:endParaRPr>
           </a:p>
         </p:txBody>
       </p:sp>
+      <p:sp>
+        <p:nvSpPr>
+          <p:cNvPr id="4" name="Foliennummernplatzhalter 3">
+            <a:extLst>
+              <a:ext uri="{FF2B5EF4-FFF2-40B4-BE49-F238E27FC236}">
+                <a16:creationId xmlns:a16="http://schemas.microsoft.com/office/drawing/2014/main" id="{D66E959E-B23F-467A-9B6E-30F9EE969EC2}"/>
+              </a:ext>
+            </a:extLst>
+          </p:cNvPr>
+          <p:cNvSpPr>
+            <a:spLocks noGrp="1"/>
+          </p:cNvSpPr>
+          <p:nvPr>
+            <p:ph type="sldNum" sz="quarter" idx="12"/>
+          </p:nvPr>
+        </p:nvSpPr>
+        <p:spPr>
+          <a:xfrm>
+            <a:off x="11196912" y="6282433"/>
+            <a:ext cx="579030" cy="350875"/>
+          </a:xfrm>
+        </p:spPr>
+        <p:txBody>
+          <a:bodyPr rtlCol="0" anchor="ctr">
+            <a:normAutofit/>
+          </a:bodyPr>
+          <a:lstStyle/>
+          <a:p>
+            <a:pPr rtl="0">
+              <a:spcAft>
+                <a:spcPts val="600"/>
+              </a:spcAft>
+            </a:pPr>
+            <a:fld id="{9EC71654-96A5-4280-94F3-931C61A9F92C}" type="slidenum">
+              <a:rPr lang="de-DE" sz="900" smtClean="0"/>
+              <a:pPr rtl="0">
+                <a:spcAft>
+                  <a:spcPts val="600"/>
+                </a:spcAft>
+              </a:pPr>
+              <a:t>3</a:t>
+            </a:fld>
+            <a:r>
+              <a:rPr lang="de-DE" sz="900" dirty="0"/>
+              <a:t> von 10</a:t>
+            </a:r>
+          </a:p>
+        </p:txBody>
+      </p:sp>
+      <p:pic>
+        <p:nvPicPr>
+          <p:cNvPr id="11" name="Bildplatzhalter 10">
+            <a:extLst>
+              <a:ext uri="{FF2B5EF4-FFF2-40B4-BE49-F238E27FC236}">
+                <a16:creationId xmlns:a16="http://schemas.microsoft.com/office/drawing/2014/main" id="{9D82A855-CCB0-4075-B5EE-5CC6FD176DB4}"/>
+              </a:ext>
+            </a:extLst>
+          </p:cNvPr>
+          <p:cNvPicPr>
+            <a:picLocks noGrp="1" noChangeAspect="1"/>
+          </p:cNvPicPr>
+          <p:nvPr>
+            <p:ph type="pic" sz="quarter" idx="13"/>
+          </p:nvPr>
+        </p:nvPicPr>
+        <p:blipFill>
+          <a:blip r:embed="rId3"/>
+          <a:srcRect l="5711" r="5711"/>
+          <a:stretch/>
+        </p:blipFill>
+        <p:spPr>
+          <a:xfrm>
+            <a:off x="5453149" y="986576"/>
+            <a:ext cx="4884848" cy="4884848"/>
+          </a:xfrm>
+          <a:noFill/>
+        </p:spPr>
+      </p:pic>
     </p:spTree>
     <p:extLst>
       <p:ext uri="{BB962C8B-B14F-4D97-AF65-F5344CB8AC3E}">
-        <p14:creationId xmlns:p14="http://schemas.microsoft.com/office/powerpoint/2010/main" val="2928802494"/>
+        <p14:creationId xmlns:p14="http://schemas.microsoft.com/office/powerpoint/2010/main" val="3187533055"/>
       </p:ext>
     </p:extLst>
   </p:cSld>
@@ -18797,7 +18452,7 @@
 </p:sld>
 </file>
 
-<file path=ppt/slides/slide2.xml><?xml version="1.0" encoding="utf-8"?>
+<file path=ppt/slides/slide4.xml><?xml version="1.0" encoding="utf-8"?>
 <p:sld xmlns:a="http://schemas.openxmlformats.org/drawingml/2006/main" xmlns:r="http://schemas.openxmlformats.org/officeDocument/2006/relationships" xmlns:p="http://schemas.openxmlformats.org/presentationml/2006/main">
   <p:cSld>
     <p:spTree>
@@ -18840,77 +18495,94 @@
           <a:bodyPr rtlCol="0"/>
           <a:lstStyle/>
           <a:p>
-            <a:pPr marL="0" indent="0">
-              <a:buNone/>
-            </a:pPr>
-            <a:endParaRPr lang="de-DE" sz="1800" dirty="0">
-              <a:highlight>
-                <a:srgbClr val="FFFF00"/>
-              </a:highlight>
+            <a:pPr fontAlgn="base"/>
+            <a:endParaRPr lang="de-DE" b="0" i="0" dirty="0">
+              <a:solidFill>
+                <a:srgbClr val="242424"/>
+              </a:solidFill>
+              <a:effectLst/>
             </a:endParaRPr>
           </a:p>
           <a:p>
-            <a:pPr marL="0" indent="0">
-              <a:buNone/>
-            </a:pPr>
-            <a:endParaRPr lang="de-DE" sz="1800" dirty="0">
-              <a:highlight>
-                <a:srgbClr val="FFFF00"/>
-              </a:highlight>
+            <a:pPr fontAlgn="base"/>
+            <a:r>
+              <a:rPr lang="de-DE" b="0" i="0" dirty="0">
+                <a:solidFill>
+                  <a:srgbClr val="242424"/>
+                </a:solidFill>
+                <a:effectLst/>
+              </a:rPr>
+              <a:t>Benutzerfreundlichkeit</a:t>
+            </a:r>
+          </a:p>
+          <a:p>
+            <a:pPr fontAlgn="base"/>
+            <a:r>
+              <a:rPr lang="de-DE" b="0" i="0" dirty="0">
+                <a:solidFill>
+                  <a:srgbClr val="242424"/>
+                </a:solidFill>
+                <a:effectLst/>
+              </a:rPr>
+              <a:t>Buchhaltungsvorgänge beschleunigen</a:t>
+            </a:r>
+          </a:p>
+          <a:p>
+            <a:pPr fontAlgn="base"/>
+            <a:r>
+              <a:rPr lang="de-DE" dirty="0">
+                <a:solidFill>
+                  <a:srgbClr val="242424"/>
+                </a:solidFill>
+              </a:rPr>
+              <a:t>Sicherheit und Backup</a:t>
+            </a:r>
+            <a:endParaRPr lang="de-DE" b="0" i="0" dirty="0">
+              <a:solidFill>
+                <a:srgbClr val="242424"/>
+              </a:solidFill>
+              <a:effectLst/>
             </a:endParaRPr>
           </a:p>
           <a:p>
-            <a:pPr marL="0" indent="0">
-              <a:buNone/>
-            </a:pPr>
-            <a:endParaRPr lang="de-DE" sz="1800" dirty="0">
-              <a:highlight>
-                <a:srgbClr val="FFFF00"/>
-              </a:highlight>
+            <a:pPr fontAlgn="base"/>
+            <a:r>
+              <a:rPr lang="de-DE" dirty="0">
+                <a:solidFill>
+                  <a:srgbClr val="242424"/>
+                </a:solidFill>
+              </a:rPr>
+              <a:t>Kategorienmanagement</a:t>
+            </a:r>
+          </a:p>
+          <a:p>
+            <a:pPr algn="l" fontAlgn="base"/>
+            <a:r>
+              <a:rPr lang="de-DE" b="0" i="0" dirty="0">
+                <a:solidFill>
+                  <a:srgbClr val="242424"/>
+                </a:solidFill>
+                <a:effectLst/>
+              </a:rPr>
+              <a:t>Budgetplanung</a:t>
+            </a:r>
+          </a:p>
+          <a:p>
+            <a:pPr algn="l" fontAlgn="base"/>
+            <a:r>
+              <a:rPr lang="de-DE" dirty="0">
+                <a:solidFill>
+                  <a:srgbClr val="242424"/>
+                </a:solidFill>
+              </a:rPr>
+              <a:t>Berichterstattung</a:t>
+            </a:r>
+            <a:endParaRPr lang="de-DE" b="0" i="0" dirty="0">
+              <a:solidFill>
+                <a:srgbClr val="242424"/>
+              </a:solidFill>
+              <a:effectLst/>
             </a:endParaRPr>
-          </a:p>
-          <a:p>
-            <a:endParaRPr lang="de-DE" sz="1800" dirty="0">
-              <a:highlight>
-                <a:srgbClr val="FFFF00"/>
-              </a:highlight>
-            </a:endParaRPr>
-          </a:p>
-          <a:p>
-            <a:pPr marL="0" indent="0">
-              <a:buNone/>
-            </a:pPr>
-            <a:r>
-              <a:rPr lang="de-DE" sz="1800" dirty="0"/>
-              <a:t>Webseite</a:t>
-            </a:r>
-          </a:p>
-          <a:p>
-            <a:pPr marL="0" indent="0">
-              <a:buNone/>
-            </a:pPr>
-            <a:r>
-              <a:rPr lang="de-DE" sz="1800" dirty="0"/>
-              <a:t>Wie normale App</a:t>
-            </a:r>
-          </a:p>
-          <a:p>
-            <a:pPr marL="0" indent="0">
-              <a:buNone/>
-            </a:pPr>
-            <a:r>
-              <a:rPr lang="de-DE" sz="1800" dirty="0"/>
-              <a:t>Offline</a:t>
-            </a:r>
-          </a:p>
-          <a:p>
-            <a:pPr marL="0" indent="0">
-              <a:buNone/>
-            </a:pPr>
-            <a:r>
-              <a:rPr lang="de-DE" sz="1800" dirty="0"/>
-              <a:t>Verschiedene Geräte</a:t>
-            </a:r>
           </a:p>
         </p:txBody>
       </p:sp>
@@ -18931,32 +18603,56 @@
           </p:nvPr>
         </p:nvPicPr>
         <p:blipFill rotWithShape="1">
-          <a:blip r:embed="rId3">
-            <a:duotone>
-              <a:schemeClr val="accent5">
-                <a:shade val="45000"/>
-                <a:satMod val="135000"/>
-              </a:schemeClr>
-              <a:prstClr val="white"/>
-            </a:duotone>
-          </a:blip>
-          <a:srcRect l="-3841" t="-28709" r="1973" b="-28709"/>
+          <a:blip r:embed="rId3"/>
+          <a:srcRect l="1386" t="623" r="1386" b="-623"/>
           <a:stretch/>
         </p:blipFill>
         <p:spPr>
           <a:xfrm>
-            <a:off x="5884649" y="0"/>
-            <a:ext cx="6307352" cy="5780372"/>
+            <a:off x="5884648" y="0"/>
+            <a:ext cx="6307353" cy="5780372"/>
           </a:xfrm>
-          <a:noFill/>
         </p:spPr>
       </p:pic>
       <p:sp>
         <p:nvSpPr>
+          <p:cNvPr id="2" name="Titel 1">
+            <a:extLst>
+              <a:ext uri="{FF2B5EF4-FFF2-40B4-BE49-F238E27FC236}">
+                <a16:creationId xmlns:a16="http://schemas.microsoft.com/office/drawing/2014/main" id="{E2C50832-0B36-43C5-98EC-4CD165D78718}"/>
+              </a:ext>
+            </a:extLst>
+          </p:cNvPr>
+          <p:cNvSpPr>
+            <a:spLocks noGrp="1"/>
+          </p:cNvSpPr>
+          <p:nvPr>
+            <p:ph type="title"/>
+          </p:nvPr>
+        </p:nvSpPr>
+        <p:spPr/>
+        <p:txBody>
+          <a:bodyPr rtlCol="0"/>
+          <a:lstStyle/>
+          <a:p>
+            <a:pPr rtl="0"/>
+            <a:r>
+              <a:rPr lang="de-DE" dirty="0" err="1"/>
+              <a:t>EazyBooks</a:t>
+            </a:r>
+            <a:br>
+              <a:rPr lang="de-DE" dirty="0"/>
+            </a:br>
+            <a:endParaRPr lang="de-DE" dirty="0"/>
+          </a:p>
+        </p:txBody>
+      </p:sp>
+      <p:sp>
+        <p:nvSpPr>
           <p:cNvPr id="5" name="Foliennummernplatzhalter 3">
             <a:extLst>
               <a:ext uri="{FF2B5EF4-FFF2-40B4-BE49-F238E27FC236}">
-                <a16:creationId xmlns:a16="http://schemas.microsoft.com/office/drawing/2014/main" id="{4F255404-DC2D-EF16-6695-2740403CF5CC}"/>
+                <a16:creationId xmlns:a16="http://schemas.microsoft.com/office/drawing/2014/main" id="{2EEC1CED-F356-11F3-5105-608185019E6B}"/>
               </a:ext>
             </a:extLst>
           </p:cNvPr>
@@ -19086,52 +18782,19 @@
                   <a:spcPts val="600"/>
                 </a:spcAft>
               </a:pPr>
-              <a:t>2</a:t>
+              <a:t>4</a:t>
             </a:fld>
             <a:r>
               <a:rPr lang="de-DE" dirty="0"/>
               <a:t> von 11</a:t>
             </a:r>
-          </a:p>
-        </p:txBody>
-      </p:sp>
-      <p:sp>
-        <p:nvSpPr>
-          <p:cNvPr id="2" name="Titel 1">
-            <a:extLst>
-              <a:ext uri="{FF2B5EF4-FFF2-40B4-BE49-F238E27FC236}">
-                <a16:creationId xmlns:a16="http://schemas.microsoft.com/office/drawing/2014/main" id="{E2C50832-0B36-43C5-98EC-4CD165D78718}"/>
-              </a:ext>
-            </a:extLst>
-          </p:cNvPr>
-          <p:cNvSpPr>
-            <a:spLocks noGrp="1"/>
-          </p:cNvSpPr>
-          <p:nvPr>
-            <p:ph type="title"/>
-          </p:nvPr>
-        </p:nvSpPr>
-        <p:spPr/>
-        <p:txBody>
-          <a:bodyPr rtlCol="0"/>
-          <a:lstStyle/>
-          <a:p>
-            <a:pPr rtl="0"/>
-            <a:r>
-              <a:rPr lang="de-DE" dirty="0"/>
-              <a:t>Progressive Web App</a:t>
-            </a:r>
-            <a:br>
-              <a:rPr lang="de-DE" dirty="0"/>
-            </a:br>
-            <a:endParaRPr lang="de-DE" dirty="0"/>
           </a:p>
         </p:txBody>
       </p:sp>
     </p:spTree>
     <p:extLst>
       <p:ext uri="{BB962C8B-B14F-4D97-AF65-F5344CB8AC3E}">
-        <p14:creationId xmlns:p14="http://schemas.microsoft.com/office/powerpoint/2010/main" val="592391210"/>
+        <p14:creationId xmlns:p14="http://schemas.microsoft.com/office/powerpoint/2010/main" val="433561355"/>
       </p:ext>
     </p:extLst>
   </p:cSld>
@@ -19153,7 +18816,7 @@
 </p:sld>
 </file>
 
-<file path=ppt/slides/slide3.xml><?xml version="1.0" encoding="utf-8"?>
+<file path=ppt/slides/slide5.xml><?xml version="1.0" encoding="utf-8"?>
 <p:sld xmlns:a="http://schemas.openxmlformats.org/drawingml/2006/main" xmlns:r="http://schemas.openxmlformats.org/officeDocument/2006/relationships" xmlns:p="http://schemas.openxmlformats.org/presentationml/2006/main">
   <p:cSld>
     <p:spTree>
@@ -19175,7 +18838,7 @@
           <p:cNvPr id="2" name="Titel 1">
             <a:extLst>
               <a:ext uri="{FF2B5EF4-FFF2-40B4-BE49-F238E27FC236}">
-                <a16:creationId xmlns:a16="http://schemas.microsoft.com/office/drawing/2014/main" id="{6C64C2A7-EC84-4D8C-9CA2-F6AE46F51FB6}"/>
+                <a16:creationId xmlns:a16="http://schemas.microsoft.com/office/drawing/2014/main" id="{6D696360-142E-C6C6-6327-12B24C26D329}"/>
               </a:ext>
             </a:extLst>
           </p:cNvPr>
@@ -19186,419 +18849,33 @@
             <p:ph type="title"/>
           </p:nvPr>
         </p:nvSpPr>
-        <p:spPr>
-          <a:xfrm>
-            <a:off x="515938" y="499595"/>
-            <a:ext cx="4937211" cy="1325563"/>
-          </a:xfrm>
-        </p:spPr>
+        <p:spPr/>
         <p:txBody>
-          <a:bodyPr rtlCol="0" anchor="ctr">
-            <a:normAutofit/>
-          </a:bodyPr>
+          <a:bodyPr/>
           <a:lstStyle/>
           <a:p>
-            <a:pPr rtl="0"/>
             <a:r>
               <a:rPr lang="de-DE" dirty="0"/>
-              <a:t>IDEE/Motivation</a:t>
-            </a:r>
-          </a:p>
-        </p:txBody>
-      </p:sp>
-      <p:sp>
-        <p:nvSpPr>
-          <p:cNvPr id="3" name="Textplatzhalter 2">
-            <a:extLst>
-              <a:ext uri="{FF2B5EF4-FFF2-40B4-BE49-F238E27FC236}">
-                <a16:creationId xmlns:a16="http://schemas.microsoft.com/office/drawing/2014/main" id="{56960426-AAA6-4126-93AF-30F7DEE010A4}"/>
-              </a:ext>
-            </a:extLst>
-          </p:cNvPr>
-          <p:cNvSpPr>
-            <a:spLocks noGrp="1"/>
-          </p:cNvSpPr>
-          <p:nvPr>
-            <p:ph idx="1"/>
-          </p:nvPr>
-        </p:nvSpPr>
-        <p:spPr>
-          <a:xfrm>
-            <a:off x="538960" y="1825625"/>
-            <a:ext cx="4914189" cy="4351338"/>
-          </a:xfrm>
-        </p:spPr>
-        <p:txBody>
-          <a:bodyPr rtlCol="0">
-            <a:noAutofit/>
-          </a:bodyPr>
-          <a:lstStyle/>
-          <a:p>
-            <a:endParaRPr lang="de-DE" dirty="0"/>
-          </a:p>
-          <a:p>
-            <a:endParaRPr lang="de-DE" dirty="0"/>
-          </a:p>
-          <a:p>
-            <a:r>
-              <a:rPr lang="de-DE" dirty="0"/>
-              <a:t>Kassier bei der LJ</a:t>
-            </a:r>
-          </a:p>
-          <a:p>
-            <a:pPr algn="l" fontAlgn="base"/>
-            <a:r>
-              <a:rPr lang="de-DE" dirty="0">
+              <a:t>Schutz gegen XSS - </a:t>
+            </a:r>
+            <a:r>
+              <a:rPr lang="de-DE" sz="3200" dirty="0">
                 <a:solidFill>
                   <a:srgbClr val="242424"/>
                 </a:solidFill>
               </a:rPr>
-              <a:t>L</a:t>
-            </a:r>
-            <a:r>
-              <a:rPr lang="de-DE" b="0" i="0" dirty="0">
-                <a:solidFill>
-                  <a:srgbClr val="242424"/>
-                </a:solidFill>
-                <a:effectLst/>
-              </a:rPr>
-              <a:t>eichtere Verwahrung (7 Jahre aufbewahren und wiederfinden)</a:t>
-            </a:r>
-          </a:p>
-          <a:p>
-            <a:pPr algn="l" fontAlgn="base"/>
-            <a:r>
-              <a:rPr lang="de-DE" dirty="0">
-                <a:solidFill>
-                  <a:srgbClr val="242424"/>
-                </a:solidFill>
-              </a:rPr>
-              <a:t>PWA</a:t>
-            </a:r>
-          </a:p>
-          <a:p>
-            <a:pPr algn="l" fontAlgn="base"/>
-            <a:r>
-              <a:rPr lang="de-DE" dirty="0">
-                <a:solidFill>
-                  <a:srgbClr val="242424"/>
-                </a:solidFill>
-              </a:rPr>
-              <a:t>Datenschutz und Sicherheit</a:t>
-            </a:r>
-            <a:endParaRPr lang="de-DE" b="0" i="0" dirty="0">
-              <a:solidFill>
-                <a:srgbClr val="242424"/>
-              </a:solidFill>
-              <a:effectLst/>
-            </a:endParaRPr>
+              <a:t>Cross-Site Scripting</a:t>
+            </a:r>
+            <a:endParaRPr lang="de-AT" dirty="0"/>
           </a:p>
         </p:txBody>
       </p:sp>
       <p:sp>
         <p:nvSpPr>
-          <p:cNvPr id="4" name="Foliennummernplatzhalter 3">
+          <p:cNvPr id="26" name="Foliennummernplatzhalter 3">
             <a:extLst>
               <a:ext uri="{FF2B5EF4-FFF2-40B4-BE49-F238E27FC236}">
-                <a16:creationId xmlns:a16="http://schemas.microsoft.com/office/drawing/2014/main" id="{D66E959E-B23F-467A-9B6E-30F9EE969EC2}"/>
-              </a:ext>
-            </a:extLst>
-          </p:cNvPr>
-          <p:cNvSpPr>
-            <a:spLocks noGrp="1"/>
-          </p:cNvSpPr>
-          <p:nvPr>
-            <p:ph type="sldNum" sz="quarter" idx="12"/>
-          </p:nvPr>
-        </p:nvSpPr>
-        <p:spPr>
-          <a:xfrm>
-            <a:off x="11196912" y="6282433"/>
-            <a:ext cx="579030" cy="350875"/>
-          </a:xfrm>
-        </p:spPr>
-        <p:txBody>
-          <a:bodyPr rtlCol="0" anchor="ctr">
-            <a:normAutofit/>
-          </a:bodyPr>
-          <a:lstStyle/>
-          <a:p>
-            <a:pPr rtl="0">
-              <a:spcAft>
-                <a:spcPts val="600"/>
-              </a:spcAft>
-            </a:pPr>
-            <a:fld id="{9EC71654-96A5-4280-94F3-931C61A9F92C}" type="slidenum">
-              <a:rPr lang="de-DE" sz="900" smtClean="0"/>
-              <a:pPr rtl="0">
-                <a:spcAft>
-                  <a:spcPts val="600"/>
-                </a:spcAft>
-              </a:pPr>
-              <a:t>3</a:t>
-            </a:fld>
-            <a:r>
-              <a:rPr lang="de-DE" sz="900" dirty="0"/>
-              <a:t> von 11</a:t>
-            </a:r>
-          </a:p>
-        </p:txBody>
-      </p:sp>
-      <p:pic>
-        <p:nvPicPr>
-          <p:cNvPr id="11" name="Bildplatzhalter 10">
-            <a:extLst>
-              <a:ext uri="{FF2B5EF4-FFF2-40B4-BE49-F238E27FC236}">
-                <a16:creationId xmlns:a16="http://schemas.microsoft.com/office/drawing/2014/main" id="{9D82A855-CCB0-4075-B5EE-5CC6FD176DB4}"/>
-              </a:ext>
-            </a:extLst>
-          </p:cNvPr>
-          <p:cNvPicPr>
-            <a:picLocks noGrp="1" noChangeAspect="1"/>
-          </p:cNvPicPr>
-          <p:nvPr>
-            <p:ph type="pic" sz="quarter" idx="13"/>
-          </p:nvPr>
-        </p:nvPicPr>
-        <p:blipFill>
-          <a:blip r:embed="rId3"/>
-          <a:srcRect l="5711" r="5711"/>
-          <a:stretch/>
-        </p:blipFill>
-        <p:spPr>
-          <a:xfrm>
-            <a:off x="5453149" y="986576"/>
-            <a:ext cx="4884848" cy="4884848"/>
-          </a:xfrm>
-          <a:noFill/>
-        </p:spPr>
-      </p:pic>
-    </p:spTree>
-    <p:extLst>
-      <p:ext uri="{BB962C8B-B14F-4D97-AF65-F5344CB8AC3E}">
-        <p14:creationId xmlns:p14="http://schemas.microsoft.com/office/powerpoint/2010/main" val="3187533055"/>
-      </p:ext>
-    </p:extLst>
-  </p:cSld>
-  <p:clrMapOvr>
-    <a:masterClrMapping/>
-  </p:clrMapOvr>
-  <mc:AlternateContent xmlns:mc="http://schemas.openxmlformats.org/markup-compatibility/2006" xmlns:p159="http://schemas.microsoft.com/office/powerpoint/2015/09/main">
-    <mc:Choice Requires="p159">
-      <p:transition xmlns:p14="http://schemas.microsoft.com/office/powerpoint/2010/main" spd="slow" p14:dur="2000">
-        <p159:morph option="byObject"/>
-      </p:transition>
-    </mc:Choice>
-    <mc:Fallback xmlns="">
-      <p:transition spd="slow">
-        <p:fade/>
-      </p:transition>
-    </mc:Fallback>
-  </mc:AlternateContent>
-</p:sld>
-</file>
-
-<file path=ppt/slides/slide4.xml><?xml version="1.0" encoding="utf-8"?>
-<p:sld xmlns:a="http://schemas.openxmlformats.org/drawingml/2006/main" xmlns:r="http://schemas.openxmlformats.org/officeDocument/2006/relationships" xmlns:p="http://schemas.openxmlformats.org/presentationml/2006/main">
-  <p:cSld>
-    <p:spTree>
-      <p:nvGrpSpPr>
-        <p:cNvPr id="1" name=""/>
-        <p:cNvGrpSpPr/>
-        <p:nvPr/>
-      </p:nvGrpSpPr>
-      <p:grpSpPr>
-        <a:xfrm>
-          <a:off x="0" y="0"/>
-          <a:ext cx="0" cy="0"/>
-          <a:chOff x="0" y="0"/>
-          <a:chExt cx="0" cy="0"/>
-        </a:xfrm>
-      </p:grpSpPr>
-      <p:sp>
-        <p:nvSpPr>
-          <p:cNvPr id="3" name="Inhaltsplatzhalter 2">
-            <a:extLst>
-              <a:ext uri="{FF2B5EF4-FFF2-40B4-BE49-F238E27FC236}">
-                <a16:creationId xmlns:a16="http://schemas.microsoft.com/office/drawing/2014/main" id="{552A9C73-06ED-419B-81B5-491CBFC22330}"/>
-              </a:ext>
-            </a:extLst>
-          </p:cNvPr>
-          <p:cNvSpPr>
-            <a:spLocks noGrp="1"/>
-          </p:cNvSpPr>
-          <p:nvPr>
-            <p:ph idx="1"/>
-          </p:nvPr>
-        </p:nvSpPr>
-        <p:spPr>
-          <a:xfrm>
-            <a:off x="538961" y="1825625"/>
-            <a:ext cx="3991476" cy="4351338"/>
-          </a:xfrm>
-        </p:spPr>
-        <p:txBody>
-          <a:bodyPr rtlCol="0"/>
-          <a:lstStyle/>
-          <a:p>
-            <a:pPr fontAlgn="base"/>
-            <a:endParaRPr lang="de-DE" b="0" i="0" dirty="0">
-              <a:solidFill>
-                <a:srgbClr val="242424"/>
-              </a:solidFill>
-              <a:effectLst/>
-            </a:endParaRPr>
-          </a:p>
-          <a:p>
-            <a:pPr fontAlgn="base"/>
-            <a:r>
-              <a:rPr lang="de-DE" b="0" i="0" dirty="0">
-                <a:solidFill>
-                  <a:srgbClr val="242424"/>
-                </a:solidFill>
-                <a:effectLst/>
-              </a:rPr>
-              <a:t>Benutzerfreundlichkeit</a:t>
-            </a:r>
-          </a:p>
-          <a:p>
-            <a:pPr fontAlgn="base"/>
-            <a:r>
-              <a:rPr lang="de-DE" b="0" i="0" dirty="0">
-                <a:solidFill>
-                  <a:srgbClr val="242424"/>
-                </a:solidFill>
-                <a:effectLst/>
-              </a:rPr>
-              <a:t>Buchhaltungsvorgänge beschleunigen</a:t>
-            </a:r>
-          </a:p>
-          <a:p>
-            <a:pPr fontAlgn="base"/>
-            <a:r>
-              <a:rPr lang="de-DE" dirty="0">
-                <a:solidFill>
-                  <a:srgbClr val="242424"/>
-                </a:solidFill>
-              </a:rPr>
-              <a:t>Sicherheit und Backup</a:t>
-            </a:r>
-            <a:endParaRPr lang="de-DE" b="0" i="0" dirty="0">
-              <a:solidFill>
-                <a:srgbClr val="242424"/>
-              </a:solidFill>
-              <a:effectLst/>
-            </a:endParaRPr>
-          </a:p>
-          <a:p>
-            <a:pPr fontAlgn="base"/>
-            <a:r>
-              <a:rPr lang="de-DE" dirty="0">
-                <a:solidFill>
-                  <a:srgbClr val="242424"/>
-                </a:solidFill>
-              </a:rPr>
-              <a:t>Kategorienmanagement</a:t>
-            </a:r>
-          </a:p>
-          <a:p>
-            <a:pPr algn="l" fontAlgn="base"/>
-            <a:r>
-              <a:rPr lang="de-DE" b="0" i="0" dirty="0">
-                <a:solidFill>
-                  <a:srgbClr val="242424"/>
-                </a:solidFill>
-                <a:effectLst/>
-              </a:rPr>
-              <a:t>Budgetplanung</a:t>
-            </a:r>
-          </a:p>
-          <a:p>
-            <a:pPr algn="l" fontAlgn="base"/>
-            <a:r>
-              <a:rPr lang="de-DE" dirty="0">
-                <a:solidFill>
-                  <a:srgbClr val="242424"/>
-                </a:solidFill>
-              </a:rPr>
-              <a:t>Berichterstattung</a:t>
-            </a:r>
-            <a:endParaRPr lang="de-DE" b="0" i="0" dirty="0">
-              <a:solidFill>
-                <a:srgbClr val="242424"/>
-              </a:solidFill>
-              <a:effectLst/>
-            </a:endParaRPr>
-          </a:p>
-        </p:txBody>
-      </p:sp>
-      <p:pic>
-        <p:nvPicPr>
-          <p:cNvPr id="7" name="Bildplatzhalter 6">
-            <a:extLst>
-              <a:ext uri="{FF2B5EF4-FFF2-40B4-BE49-F238E27FC236}">
-                <a16:creationId xmlns:a16="http://schemas.microsoft.com/office/drawing/2014/main" id="{A241642C-CB49-4AA1-9EAD-3BCEA280B5B6}"/>
-              </a:ext>
-            </a:extLst>
-          </p:cNvPr>
-          <p:cNvPicPr>
-            <a:picLocks noGrp="1" noChangeAspect="1"/>
-          </p:cNvPicPr>
-          <p:nvPr>
-            <p:ph type="pic" sz="quarter" idx="13"/>
-          </p:nvPr>
-        </p:nvPicPr>
-        <p:blipFill rotWithShape="1">
-          <a:blip r:embed="rId3"/>
-          <a:srcRect l="1386" t="623" r="1386" b="-623"/>
-          <a:stretch/>
-        </p:blipFill>
-        <p:spPr>
-          <a:xfrm>
-            <a:off x="5884648" y="0"/>
-            <a:ext cx="6307353" cy="5780372"/>
-          </a:xfrm>
-        </p:spPr>
-      </p:pic>
-      <p:sp>
-        <p:nvSpPr>
-          <p:cNvPr id="2" name="Titel 1">
-            <a:extLst>
-              <a:ext uri="{FF2B5EF4-FFF2-40B4-BE49-F238E27FC236}">
-                <a16:creationId xmlns:a16="http://schemas.microsoft.com/office/drawing/2014/main" id="{E2C50832-0B36-43C5-98EC-4CD165D78718}"/>
-              </a:ext>
-            </a:extLst>
-          </p:cNvPr>
-          <p:cNvSpPr>
-            <a:spLocks noGrp="1"/>
-          </p:cNvSpPr>
-          <p:nvPr>
-            <p:ph type="title"/>
-          </p:nvPr>
-        </p:nvSpPr>
-        <p:spPr/>
-        <p:txBody>
-          <a:bodyPr rtlCol="0"/>
-          <a:lstStyle/>
-          <a:p>
-            <a:pPr rtl="0"/>
-            <a:r>
-              <a:rPr lang="de-DE" dirty="0" err="1"/>
-              <a:t>EazyBooks</a:t>
-            </a:r>
-            <a:br>
-              <a:rPr lang="de-DE" dirty="0"/>
-            </a:br>
-            <a:endParaRPr lang="de-DE" dirty="0"/>
-          </a:p>
-        </p:txBody>
-      </p:sp>
-      <p:sp>
-        <p:nvSpPr>
-          <p:cNvPr id="5" name="Foliennummernplatzhalter 3">
-            <a:extLst>
-              <a:ext uri="{FF2B5EF4-FFF2-40B4-BE49-F238E27FC236}">
-                <a16:creationId xmlns:a16="http://schemas.microsoft.com/office/drawing/2014/main" id="{2EEC1CED-F356-11F3-5105-608185019E6B}"/>
+                <a16:creationId xmlns:a16="http://schemas.microsoft.com/office/drawing/2014/main" id="{2BD62465-FDE7-AAFE-1360-A0D084B05F29}"/>
               </a:ext>
             </a:extLst>
           </p:cNvPr>
@@ -19728,11 +19005,168 @@
                   <a:spcPts val="600"/>
                 </a:spcAft>
               </a:pPr>
-              <a:t>4</a:t>
+              <a:t>5</a:t>
             </a:fld>
             <a:r>
               <a:rPr lang="de-DE" dirty="0"/>
-              <a:t> von 11</a:t>
+              <a:t> von 10</a:t>
+            </a:r>
+          </a:p>
+        </p:txBody>
+      </p:sp>
+      <p:sp>
+        <p:nvSpPr>
+          <p:cNvPr id="7" name="Inhaltsplatzhalter 2">
+            <a:extLst>
+              <a:ext uri="{FF2B5EF4-FFF2-40B4-BE49-F238E27FC236}">
+                <a16:creationId xmlns:a16="http://schemas.microsoft.com/office/drawing/2014/main" id="{AAB7C208-CA9A-3047-11D1-11CADB24044A}"/>
+              </a:ext>
+            </a:extLst>
+          </p:cNvPr>
+          <p:cNvSpPr>
+            <a:spLocks noGrp="1"/>
+          </p:cNvSpPr>
+          <p:nvPr>
+            <p:ph idx="1"/>
+          </p:nvPr>
+        </p:nvSpPr>
+        <p:spPr>
+          <a:xfrm>
+            <a:off x="538960" y="1825625"/>
+            <a:ext cx="10156133" cy="4351338"/>
+          </a:xfrm>
+        </p:spPr>
+        <p:txBody>
+          <a:bodyPr rtlCol="0" anchor="ctr"/>
+          <a:lstStyle/>
+          <a:p>
+            <a:pPr marL="342900" indent="-342900" algn="l" fontAlgn="base">
+              <a:buFont typeface="Arial" panose="020B0604020202020204" pitchFamily="34" charset="0"/>
+              <a:buChar char="•"/>
+            </a:pPr>
+            <a:r>
+              <a:rPr lang="de-DE" sz="2400" dirty="0">
+                <a:solidFill>
+                  <a:srgbClr val="242424"/>
+                </a:solidFill>
+              </a:rPr>
+              <a:t>Was ist XSS?</a:t>
+            </a:r>
+          </a:p>
+          <a:p>
+            <a:pPr marL="342900" indent="-342900" algn="l" fontAlgn="base">
+              <a:buFont typeface="Arial" panose="020B0604020202020204" pitchFamily="34" charset="0"/>
+              <a:buChar char="•"/>
+            </a:pPr>
+            <a:r>
+              <a:rPr lang="de-DE" sz="2400" dirty="0">
+                <a:solidFill>
+                  <a:srgbClr val="242424"/>
+                </a:solidFill>
+              </a:rPr>
+              <a:t>Arten von XSS:</a:t>
+            </a:r>
+          </a:p>
+          <a:p>
+            <a:pPr marL="800100" lvl="1" indent="-342900" algn="l" fontAlgn="base">
+              <a:buFont typeface="Arial" panose="020B0604020202020204" pitchFamily="34" charset="0"/>
+              <a:buChar char="•"/>
+            </a:pPr>
+            <a:r>
+              <a:rPr lang="de-DE" dirty="0" err="1">
+                <a:solidFill>
+                  <a:srgbClr val="242424"/>
+                </a:solidFill>
+              </a:rPr>
+              <a:t>Stored</a:t>
+            </a:r>
+            <a:r>
+              <a:rPr lang="de-DE" dirty="0">
+                <a:solidFill>
+                  <a:srgbClr val="242424"/>
+                </a:solidFill>
+              </a:rPr>
+              <a:t> XSS</a:t>
+            </a:r>
+          </a:p>
+          <a:p>
+            <a:pPr marL="800100" lvl="1" indent="-342900" algn="l" fontAlgn="base">
+              <a:buFont typeface="Arial" panose="020B0604020202020204" pitchFamily="34" charset="0"/>
+              <a:buChar char="•"/>
+            </a:pPr>
+            <a:r>
+              <a:rPr lang="de-DE" dirty="0" err="1">
+                <a:solidFill>
+                  <a:srgbClr val="242424"/>
+                </a:solidFill>
+              </a:rPr>
+              <a:t>Reflected</a:t>
+            </a:r>
+            <a:r>
+              <a:rPr lang="de-DE" dirty="0">
+                <a:solidFill>
+                  <a:srgbClr val="242424"/>
+                </a:solidFill>
+              </a:rPr>
+              <a:t> XSS</a:t>
+            </a:r>
+          </a:p>
+          <a:p>
+            <a:pPr marL="800100" lvl="1" indent="-342900" algn="l" fontAlgn="base">
+              <a:buFont typeface="Arial" panose="020B0604020202020204" pitchFamily="34" charset="0"/>
+              <a:buChar char="•"/>
+            </a:pPr>
+            <a:r>
+              <a:rPr lang="de-DE" dirty="0">
+                <a:solidFill>
+                  <a:srgbClr val="242424"/>
+                </a:solidFill>
+              </a:rPr>
+              <a:t>DOM-</a:t>
+            </a:r>
+            <a:r>
+              <a:rPr lang="de-DE" dirty="0" err="1">
+                <a:solidFill>
+                  <a:srgbClr val="242424"/>
+                </a:solidFill>
+              </a:rPr>
+              <a:t>based</a:t>
+            </a:r>
+            <a:r>
+              <a:rPr lang="de-DE" dirty="0">
+                <a:solidFill>
+                  <a:srgbClr val="242424"/>
+                </a:solidFill>
+              </a:rPr>
+              <a:t> XSS</a:t>
+            </a:r>
+          </a:p>
+          <a:p>
+            <a:pPr marL="342900" indent="-342900" algn="l" fontAlgn="base">
+              <a:buFont typeface="Arial" panose="020B0604020202020204" pitchFamily="34" charset="0"/>
+              <a:buChar char="•"/>
+            </a:pPr>
+            <a:r>
+              <a:rPr lang="de-DE" sz="2400" dirty="0">
+                <a:solidFill>
+                  <a:srgbClr val="242424"/>
+                </a:solidFill>
+              </a:rPr>
+              <a:t>Risiken für PWAs in Angular</a:t>
+            </a:r>
+          </a:p>
+          <a:p>
+            <a:pPr marL="342900" indent="-342900" algn="l" fontAlgn="base">
+              <a:buFont typeface="Arial" panose="020B0604020202020204" pitchFamily="34" charset="0"/>
+              <a:buChar char="•"/>
+            </a:pPr>
+            <a:r>
+              <a:rPr lang="de-DE" sz="2400" dirty="0">
+                <a:solidFill>
+                  <a:srgbClr val="242424"/>
+                </a:solidFill>
+              </a:rPr>
+              <a:t>Schutzmaßnahmen</a:t>
             </a:r>
           </a:p>
         </p:txBody>
@@ -19740,7 +19174,7 @@
     </p:spTree>
     <p:extLst>
       <p:ext uri="{BB962C8B-B14F-4D97-AF65-F5344CB8AC3E}">
-        <p14:creationId xmlns:p14="http://schemas.microsoft.com/office/powerpoint/2010/main" val="433561355"/>
+        <p14:creationId xmlns:p14="http://schemas.microsoft.com/office/powerpoint/2010/main" val="1946257817"/>
       </p:ext>
     </p:extLst>
   </p:cSld>
@@ -19762,12 +19196,18 @@
 </p:sld>
 </file>
 
-<file path=ppt/slides/slide5.xml><?xml version="1.0" encoding="utf-8"?>
+<file path=ppt/slides/slide6.xml><?xml version="1.0" encoding="utf-8"?>
 <p:sld xmlns:a="http://schemas.openxmlformats.org/drawingml/2006/main" xmlns:r="http://schemas.openxmlformats.org/officeDocument/2006/relationships" xmlns:p="http://schemas.openxmlformats.org/presentationml/2006/main">
   <p:cSld>
     <p:spTree>
       <p:nvGrpSpPr>
-        <p:cNvPr id="1" name=""/>
+        <p:cNvPr id="1" name="">
+          <a:extLst>
+            <a:ext uri="{FF2B5EF4-FFF2-40B4-BE49-F238E27FC236}">
+              <a16:creationId xmlns:a16="http://schemas.microsoft.com/office/drawing/2014/main" id="{203B84DC-8051-E445-F4D2-C94270B4CD03}"/>
+            </a:ext>
+          </a:extLst>
+        </p:cNvPr>
         <p:cNvGrpSpPr/>
         <p:nvPr/>
       </p:nvGrpSpPr>
@@ -19784,7 +19224,7 @@
           <p:cNvPr id="2" name="Titel 1">
             <a:extLst>
               <a:ext uri="{FF2B5EF4-FFF2-40B4-BE49-F238E27FC236}">
-                <a16:creationId xmlns:a16="http://schemas.microsoft.com/office/drawing/2014/main" id="{1C63C2D9-0850-4620-BE32-11F44A927662}"/>
+                <a16:creationId xmlns:a16="http://schemas.microsoft.com/office/drawing/2014/main" id="{64214844-FFC5-C0A8-18B6-9A53C1CA660C}"/>
               </a:ext>
             </a:extLst>
           </p:cNvPr>
@@ -19797,131 +19237,39 @@
         </p:nvSpPr>
         <p:spPr/>
         <p:txBody>
-          <a:bodyPr rtlCol="0"/>
+          <a:bodyPr/>
           <a:lstStyle/>
           <a:p>
-            <a:pPr rtl="0"/>
             <a:r>
               <a:rPr lang="de-DE" dirty="0"/>
-              <a:t>Komponenten</a:t>
-            </a:r>
+              <a:t>Schutz gegen CSRF - </a:t>
+            </a:r>
+            <a:r>
+              <a:rPr lang="de-DE" sz="3200" dirty="0">
+                <a:solidFill>
+                  <a:srgbClr val="242424"/>
+                </a:solidFill>
+              </a:rPr>
+              <a:t>Cross-Site Request </a:t>
+            </a:r>
+            <a:r>
+              <a:rPr lang="de-DE" sz="3200" dirty="0" err="1">
+                <a:solidFill>
+                  <a:srgbClr val="242424"/>
+                </a:solidFill>
+              </a:rPr>
+              <a:t>Forgery</a:t>
+            </a:r>
+            <a:endParaRPr lang="de-AT" dirty="0"/>
           </a:p>
         </p:txBody>
       </p:sp>
       <p:sp>
         <p:nvSpPr>
-          <p:cNvPr id="3" name="Rechteck 2">
+          <p:cNvPr id="26" name="Foliennummernplatzhalter 3">
             <a:extLst>
               <a:ext uri="{FF2B5EF4-FFF2-40B4-BE49-F238E27FC236}">
-                <a16:creationId xmlns:a16="http://schemas.microsoft.com/office/drawing/2014/main" id="{3B10FBD9-43E1-19AC-EBC0-1845E6C15FAD}"/>
-              </a:ext>
-            </a:extLst>
-          </p:cNvPr>
-          <p:cNvSpPr/>
-          <p:nvPr/>
-        </p:nvSpPr>
-        <p:spPr>
-          <a:xfrm>
-            <a:off x="-72725" y="1645896"/>
-            <a:ext cx="5709139" cy="1006475"/>
-          </a:xfrm>
-          <a:prstGeom prst="rect">
-            <a:avLst/>
-          </a:prstGeom>
-          <a:solidFill>
-            <a:schemeClr val="bg2"/>
-          </a:solidFill>
-          <a:ln>
-            <a:noFill/>
-          </a:ln>
-        </p:spPr>
-        <p:style>
-          <a:lnRef idx="2">
-            <a:schemeClr val="accent1">
-              <a:shade val="50000"/>
-            </a:schemeClr>
-          </a:lnRef>
-          <a:fillRef idx="1">
-            <a:schemeClr val="accent1"/>
-          </a:fillRef>
-          <a:effectRef idx="0">
-            <a:schemeClr val="accent1"/>
-          </a:effectRef>
-          <a:fontRef idx="minor">
-            <a:schemeClr val="lt1"/>
-          </a:fontRef>
-        </p:style>
-        <p:txBody>
-          <a:bodyPr rtlCol="0" anchor="ctr"/>
-          <a:lstStyle/>
-          <a:p>
-            <a:pPr algn="ctr" rtl="0"/>
-            <a:endParaRPr lang="de-DE" noProof="0" dirty="0"/>
-          </a:p>
-        </p:txBody>
-      </p:sp>
-      <p:sp>
-        <p:nvSpPr>
-          <p:cNvPr id="8" name="Ellipse 7">
-            <a:extLst>
-              <a:ext uri="{FF2B5EF4-FFF2-40B4-BE49-F238E27FC236}">
-                <a16:creationId xmlns:a16="http://schemas.microsoft.com/office/drawing/2014/main" id="{130CD4BB-C19C-5CA0-44AA-79DD67E45447}"/>
-              </a:ext>
-            </a:extLst>
-          </p:cNvPr>
-          <p:cNvSpPr>
-            <a:spLocks noChangeAspect="1"/>
-          </p:cNvSpPr>
-          <p:nvPr/>
-        </p:nvSpPr>
-        <p:spPr>
-          <a:xfrm>
-            <a:off x="5094101" y="1650472"/>
-            <a:ext cx="1001899" cy="1001899"/>
-          </a:xfrm>
-          <a:prstGeom prst="ellipse">
-            <a:avLst/>
-          </a:prstGeom>
-          <a:solidFill>
-            <a:srgbClr val="77A0E0"/>
-          </a:solidFill>
-          <a:ln>
-            <a:solidFill>
-              <a:schemeClr val="accent1"/>
-            </a:solidFill>
-          </a:ln>
-        </p:spPr>
-        <p:style>
-          <a:lnRef idx="2">
-            <a:schemeClr val="accent1">
-              <a:shade val="50000"/>
-            </a:schemeClr>
-          </a:lnRef>
-          <a:fillRef idx="1">
-            <a:schemeClr val="accent1"/>
-          </a:fillRef>
-          <a:effectRef idx="0">
-            <a:schemeClr val="accent1"/>
-          </a:effectRef>
-          <a:fontRef idx="minor">
-            <a:schemeClr val="lt1"/>
-          </a:fontRef>
-        </p:style>
-        <p:txBody>
-          <a:bodyPr rtlCol="0" anchor="ctr"/>
-          <a:lstStyle/>
-          <a:p>
-            <a:pPr algn="ctr" rtl="0"/>
-            <a:endParaRPr lang="de-DE" noProof="0" dirty="0"/>
-          </a:p>
-        </p:txBody>
-      </p:sp>
-      <p:sp>
-        <p:nvSpPr>
-          <p:cNvPr id="6" name="Foliennummernplatzhalter 3">
-            <a:extLst>
-              <a:ext uri="{FF2B5EF4-FFF2-40B4-BE49-F238E27FC236}">
-                <a16:creationId xmlns:a16="http://schemas.microsoft.com/office/drawing/2014/main" id="{0D443084-B093-D6C8-BB40-E509AE3E9725}"/>
+                <a16:creationId xmlns:a16="http://schemas.microsoft.com/office/drawing/2014/main" id="{A56622BC-17CF-F44B-3D63-6A39049B7004}"/>
               </a:ext>
             </a:extLst>
           </p:cNvPr>
@@ -20051,1954 +19399,102 @@
                   <a:spcPts val="600"/>
                 </a:spcAft>
               </a:pPr>
-              <a:t>5</a:t>
+              <a:t>6</a:t>
             </a:fld>
             <a:r>
               <a:rPr lang="de-DE" dirty="0"/>
-              <a:t> von 11</a:t>
+              <a:t> von 10</a:t>
             </a:r>
           </a:p>
         </p:txBody>
       </p:sp>
       <p:sp>
         <p:nvSpPr>
-          <p:cNvPr id="4" name="Rechteck 3">
+          <p:cNvPr id="7" name="Inhaltsplatzhalter 2">
             <a:extLst>
               <a:ext uri="{FF2B5EF4-FFF2-40B4-BE49-F238E27FC236}">
-                <a16:creationId xmlns:a16="http://schemas.microsoft.com/office/drawing/2014/main" id="{48DE443D-9EC1-FC53-9F4F-C471FC2DF69B}"/>
+                <a16:creationId xmlns:a16="http://schemas.microsoft.com/office/drawing/2014/main" id="{21D04965-71B2-C808-FE94-C72AB0EF465D}"/>
               </a:ext>
             </a:extLst>
           </p:cNvPr>
-          <p:cNvSpPr/>
-          <p:nvPr/>
+          <p:cNvSpPr>
+            <a:spLocks noGrp="1"/>
+          </p:cNvSpPr>
+          <p:nvPr>
+            <p:ph idx="1"/>
+          </p:nvPr>
         </p:nvSpPr>
         <p:spPr>
           <a:xfrm>
-            <a:off x="-72725" y="3135886"/>
-            <a:ext cx="5709139" cy="1006475"/>
+            <a:off x="538960" y="1825625"/>
+            <a:ext cx="10156133" cy="4351338"/>
           </a:xfrm>
-          <a:prstGeom prst="rect">
-            <a:avLst/>
-          </a:prstGeom>
-          <a:solidFill>
-            <a:schemeClr val="bg2"/>
-          </a:solidFill>
-          <a:ln>
-            <a:noFill/>
-          </a:ln>
         </p:spPr>
-        <p:style>
-          <a:lnRef idx="2">
-            <a:schemeClr val="accent1">
-              <a:shade val="50000"/>
-            </a:schemeClr>
-          </a:lnRef>
-          <a:fillRef idx="1">
-            <a:schemeClr val="accent1"/>
-          </a:fillRef>
-          <a:effectRef idx="0">
-            <a:schemeClr val="accent1"/>
-          </a:effectRef>
-          <a:fontRef idx="minor">
-            <a:schemeClr val="lt1"/>
-          </a:fontRef>
-        </p:style>
         <p:txBody>
           <a:bodyPr rtlCol="0" anchor="ctr"/>
           <a:lstStyle/>
           <a:p>
-            <a:pPr algn="ctr" rtl="0"/>
-            <a:endParaRPr lang="de-DE" noProof="0" dirty="0"/>
-          </a:p>
-        </p:txBody>
-      </p:sp>
-      <p:sp>
-        <p:nvSpPr>
-          <p:cNvPr id="7" name="Ellipse 6">
-            <a:extLst>
-              <a:ext uri="{FF2B5EF4-FFF2-40B4-BE49-F238E27FC236}">
-                <a16:creationId xmlns:a16="http://schemas.microsoft.com/office/drawing/2014/main" id="{19DA82A3-48BE-12BC-F194-9403FD1CE375}"/>
-              </a:ext>
-            </a:extLst>
-          </p:cNvPr>
-          <p:cNvSpPr>
-            <a:spLocks noChangeAspect="1"/>
-          </p:cNvSpPr>
-          <p:nvPr/>
-        </p:nvSpPr>
-        <p:spPr>
-          <a:xfrm>
-            <a:off x="5094101" y="3140462"/>
-            <a:ext cx="1001899" cy="1001899"/>
-          </a:xfrm>
-          <a:prstGeom prst="ellipse">
-            <a:avLst/>
-          </a:prstGeom>
-          <a:solidFill>
-            <a:srgbClr val="77A0E0"/>
-          </a:solidFill>
-          <a:ln>
-            <a:solidFill>
-              <a:schemeClr val="accent1"/>
-            </a:solidFill>
-          </a:ln>
-        </p:spPr>
-        <p:style>
-          <a:lnRef idx="2">
-            <a:schemeClr val="accent1">
-              <a:shade val="50000"/>
-            </a:schemeClr>
-          </a:lnRef>
-          <a:fillRef idx="1">
-            <a:schemeClr val="accent1"/>
-          </a:fillRef>
-          <a:effectRef idx="0">
-            <a:schemeClr val="accent1"/>
-          </a:effectRef>
-          <a:fontRef idx="minor">
-            <a:schemeClr val="lt1"/>
-          </a:fontRef>
-        </p:style>
-        <p:txBody>
-          <a:bodyPr rtlCol="0" anchor="ctr"/>
-          <a:lstStyle/>
-          <a:p>
-            <a:pPr algn="ctr" rtl="0"/>
-            <a:endParaRPr lang="de-DE" noProof="0" dirty="0"/>
-          </a:p>
-        </p:txBody>
-      </p:sp>
-      <p:sp>
-        <p:nvSpPr>
-          <p:cNvPr id="10" name="Rechteck 9">
-            <a:extLst>
-              <a:ext uri="{FF2B5EF4-FFF2-40B4-BE49-F238E27FC236}">
-                <a16:creationId xmlns:a16="http://schemas.microsoft.com/office/drawing/2014/main" id="{9B6DDE5E-AEE8-D9D4-0405-A3313861ED18}"/>
-              </a:ext>
-            </a:extLst>
-          </p:cNvPr>
-          <p:cNvSpPr/>
-          <p:nvPr/>
-        </p:nvSpPr>
-        <p:spPr>
-          <a:xfrm>
-            <a:off x="-72725" y="4608915"/>
-            <a:ext cx="5709139" cy="1006475"/>
-          </a:xfrm>
-          <a:prstGeom prst="rect">
-            <a:avLst/>
-          </a:prstGeom>
-          <a:solidFill>
-            <a:schemeClr val="bg2"/>
-          </a:solidFill>
-          <a:ln>
-            <a:noFill/>
-          </a:ln>
-        </p:spPr>
-        <p:style>
-          <a:lnRef idx="2">
-            <a:schemeClr val="accent1">
-              <a:shade val="50000"/>
-            </a:schemeClr>
-          </a:lnRef>
-          <a:fillRef idx="1">
-            <a:schemeClr val="accent1"/>
-          </a:fillRef>
-          <a:effectRef idx="0">
-            <a:schemeClr val="accent1"/>
-          </a:effectRef>
-          <a:fontRef idx="minor">
-            <a:schemeClr val="lt1"/>
-          </a:fontRef>
-        </p:style>
-        <p:txBody>
-          <a:bodyPr rtlCol="0" anchor="ctr"/>
-          <a:lstStyle/>
-          <a:p>
-            <a:pPr algn="ctr" rtl="0"/>
-            <a:endParaRPr lang="de-DE" noProof="0" dirty="0"/>
-          </a:p>
-        </p:txBody>
-      </p:sp>
-      <p:sp>
-        <p:nvSpPr>
-          <p:cNvPr id="11" name="Ellipse 10">
-            <a:extLst>
-              <a:ext uri="{FF2B5EF4-FFF2-40B4-BE49-F238E27FC236}">
-                <a16:creationId xmlns:a16="http://schemas.microsoft.com/office/drawing/2014/main" id="{169E6664-B569-EB1A-C494-7B6501EE6FDD}"/>
-              </a:ext>
-            </a:extLst>
-          </p:cNvPr>
-          <p:cNvSpPr>
-            <a:spLocks noChangeAspect="1"/>
-          </p:cNvSpPr>
-          <p:nvPr/>
-        </p:nvSpPr>
-        <p:spPr>
-          <a:xfrm>
-            <a:off x="5094101" y="4613491"/>
-            <a:ext cx="1001899" cy="1001899"/>
-          </a:xfrm>
-          <a:prstGeom prst="ellipse">
-            <a:avLst/>
-          </a:prstGeom>
-          <a:solidFill>
-            <a:srgbClr val="77A0E0"/>
-          </a:solidFill>
-          <a:ln>
-            <a:solidFill>
-              <a:schemeClr val="accent1"/>
-            </a:solidFill>
-          </a:ln>
-        </p:spPr>
-        <p:style>
-          <a:lnRef idx="2">
-            <a:schemeClr val="accent1">
-              <a:shade val="50000"/>
-            </a:schemeClr>
-          </a:lnRef>
-          <a:fillRef idx="1">
-            <a:schemeClr val="accent1"/>
-          </a:fillRef>
-          <a:effectRef idx="0">
-            <a:schemeClr val="accent1"/>
-          </a:effectRef>
-          <a:fontRef idx="minor">
-            <a:schemeClr val="lt1"/>
-          </a:fontRef>
-        </p:style>
-        <p:txBody>
-          <a:bodyPr rtlCol="0" anchor="ctr"/>
-          <a:lstStyle/>
-          <a:p>
-            <a:pPr algn="ctr" rtl="0"/>
-            <a:endParaRPr lang="de-DE" noProof="0" dirty="0"/>
-          </a:p>
-        </p:txBody>
-      </p:sp>
-      <p:sp>
-        <p:nvSpPr>
-          <p:cNvPr id="18" name="Inhaltsplatzhalter 4">
-            <a:extLst>
-              <a:ext uri="{FF2B5EF4-FFF2-40B4-BE49-F238E27FC236}">
-                <a16:creationId xmlns:a16="http://schemas.microsoft.com/office/drawing/2014/main" id="{0C06067F-D220-1AFB-962E-1D3608144B85}"/>
-              </a:ext>
-            </a:extLst>
-          </p:cNvPr>
-          <p:cNvSpPr txBox="1">
-            <a:spLocks/>
-          </p:cNvSpPr>
-          <p:nvPr/>
-        </p:nvSpPr>
-        <p:spPr>
-          <a:xfrm>
-            <a:off x="1309370" y="3421951"/>
-            <a:ext cx="3445566" cy="495389"/>
-          </a:xfrm>
-          <a:prstGeom prst="rect">
-            <a:avLst/>
-          </a:prstGeom>
-        </p:spPr>
-        <p:txBody>
-          <a:bodyPr vert="horz" lIns="0" tIns="0" rIns="0" bIns="0" rtlCol="0" anchor="ctr">
-            <a:noAutofit/>
-          </a:bodyPr>
-          <a:lstStyle>
-            <a:lvl1pPr marL="0" indent="0" algn="r" defTabSz="914400" rtl="0" eaLnBrk="1" latinLnBrk="0" hangingPunct="1">
-              <a:lnSpc>
-                <a:spcPct val="90000"/>
-              </a:lnSpc>
-              <a:spcBef>
-                <a:spcPts val="1000"/>
-              </a:spcBef>
-              <a:buFont typeface="Arial" panose="020B0604020202020204" pitchFamily="34" charset="0"/>
-              <a:buNone/>
-              <a:defRPr sz="1800" b="1" kern="1200" cap="all" baseline="0">
-                <a:solidFill>
-                  <a:schemeClr val="accent1"/>
-                </a:solidFill>
-                <a:latin typeface="+mj-lt"/>
-                <a:ea typeface="+mn-ea"/>
-                <a:cs typeface="+mn-cs"/>
-              </a:defRPr>
-            </a:lvl1pPr>
-            <a:lvl2pPr marL="457200" indent="0" algn="ctr" defTabSz="914400" rtl="0" eaLnBrk="1" latinLnBrk="0" hangingPunct="1">
-              <a:lnSpc>
-                <a:spcPct val="90000"/>
-              </a:lnSpc>
-              <a:spcBef>
-                <a:spcPts val="500"/>
-              </a:spcBef>
-              <a:buFont typeface="Arial" panose="020B0604020202020204" pitchFamily="34" charset="0"/>
-              <a:buNone/>
-              <a:defRPr sz="2000" kern="1200">
-                <a:solidFill>
-                  <a:schemeClr val="tx1"/>
-                </a:solidFill>
-                <a:latin typeface="+mn-lt"/>
-                <a:ea typeface="+mn-ea"/>
-                <a:cs typeface="+mn-cs"/>
-              </a:defRPr>
-            </a:lvl2pPr>
-            <a:lvl3pPr marL="914400" indent="0" algn="ctr" defTabSz="914400" rtl="0" eaLnBrk="1" latinLnBrk="0" hangingPunct="1">
-              <a:lnSpc>
-                <a:spcPct val="90000"/>
-              </a:lnSpc>
-              <a:spcBef>
-                <a:spcPts val="500"/>
-              </a:spcBef>
-              <a:buFont typeface="Arial" panose="020B0604020202020204" pitchFamily="34" charset="0"/>
-              <a:buNone/>
-              <a:defRPr sz="1800" kern="1200">
-                <a:solidFill>
-                  <a:schemeClr val="tx1"/>
-                </a:solidFill>
-                <a:latin typeface="+mn-lt"/>
-                <a:ea typeface="+mn-ea"/>
-                <a:cs typeface="+mn-cs"/>
-              </a:defRPr>
-            </a:lvl3pPr>
-            <a:lvl4pPr marL="1371600" indent="0" algn="ctr" defTabSz="914400" rtl="0" eaLnBrk="1" latinLnBrk="0" hangingPunct="1">
-              <a:lnSpc>
-                <a:spcPct val="90000"/>
-              </a:lnSpc>
-              <a:spcBef>
-                <a:spcPts val="500"/>
-              </a:spcBef>
-              <a:buFont typeface="Arial" panose="020B0604020202020204" pitchFamily="34" charset="0"/>
-              <a:buNone/>
-              <a:defRPr sz="1600" kern="1200">
-                <a:solidFill>
-                  <a:schemeClr val="tx1"/>
-                </a:solidFill>
-                <a:latin typeface="+mn-lt"/>
-                <a:ea typeface="+mn-ea"/>
-                <a:cs typeface="+mn-cs"/>
-              </a:defRPr>
-            </a:lvl4pPr>
-            <a:lvl5pPr marL="1828800" indent="0" algn="ctr" defTabSz="914400" rtl="0" eaLnBrk="1" latinLnBrk="0" hangingPunct="1">
-              <a:lnSpc>
-                <a:spcPct val="90000"/>
-              </a:lnSpc>
-              <a:spcBef>
-                <a:spcPts val="500"/>
-              </a:spcBef>
-              <a:buFont typeface="Arial" panose="020B0604020202020204" pitchFamily="34" charset="0"/>
-              <a:buNone/>
-              <a:defRPr sz="1600" kern="1200">
-                <a:solidFill>
-                  <a:schemeClr val="tx1"/>
-                </a:solidFill>
-                <a:latin typeface="+mn-lt"/>
-                <a:ea typeface="+mn-ea"/>
-                <a:cs typeface="+mn-cs"/>
-              </a:defRPr>
-            </a:lvl5pPr>
-            <a:lvl6pPr marL="2514600" indent="-228600" algn="l" defTabSz="914400" rtl="0" eaLnBrk="1" latinLnBrk="0" hangingPunct="1">
-              <a:lnSpc>
-                <a:spcPct val="90000"/>
-              </a:lnSpc>
-              <a:spcBef>
-                <a:spcPts val="500"/>
-              </a:spcBef>
+            <a:pPr marL="342900" indent="-342900" algn="l" fontAlgn="base">
               <a:buFont typeface="Arial" panose="020B0604020202020204" pitchFamily="34" charset="0"/>
               <a:buChar char="•"/>
-              <a:defRPr sz="1800" kern="1200">
+            </a:pPr>
+            <a:r>
+              <a:rPr lang="de-DE" sz="2400" dirty="0">
                 <a:solidFill>
-                  <a:schemeClr val="tx1"/>
+                  <a:srgbClr val="242424"/>
                 </a:solidFill>
-                <a:latin typeface="+mn-lt"/>
-                <a:ea typeface="+mn-ea"/>
-                <a:cs typeface="+mn-cs"/>
-              </a:defRPr>
-            </a:lvl6pPr>
-            <a:lvl7pPr marL="2971800" indent="-228600" algn="l" defTabSz="914400" rtl="0" eaLnBrk="1" latinLnBrk="0" hangingPunct="1">
-              <a:lnSpc>
-                <a:spcPct val="90000"/>
-              </a:lnSpc>
-              <a:spcBef>
-                <a:spcPts val="500"/>
-              </a:spcBef>
+              </a:rPr>
+              <a:t>Was ist CSRF?</a:t>
+            </a:r>
+          </a:p>
+          <a:p>
+            <a:pPr marL="342900" indent="-342900" algn="l" fontAlgn="base">
               <a:buFont typeface="Arial" panose="020B0604020202020204" pitchFamily="34" charset="0"/>
               <a:buChar char="•"/>
-              <a:defRPr sz="1800" kern="1200">
+            </a:pPr>
+            <a:r>
+              <a:rPr lang="de-DE" sz="2400" dirty="0">
                 <a:solidFill>
-                  <a:schemeClr val="tx1"/>
+                  <a:srgbClr val="242424"/>
                 </a:solidFill>
-                <a:latin typeface="+mn-lt"/>
-                <a:ea typeface="+mn-ea"/>
-                <a:cs typeface="+mn-cs"/>
-              </a:defRPr>
-            </a:lvl7pPr>
-            <a:lvl8pPr marL="3429000" indent="-228600" algn="l" defTabSz="914400" rtl="0" eaLnBrk="1" latinLnBrk="0" hangingPunct="1">
-              <a:lnSpc>
-                <a:spcPct val="90000"/>
-              </a:lnSpc>
-              <a:spcBef>
-                <a:spcPts val="500"/>
-              </a:spcBef>
+              </a:rPr>
+              <a:t>Wie funktioniert es?</a:t>
+            </a:r>
+          </a:p>
+          <a:p>
+            <a:pPr marL="342900" indent="-342900" algn="l" fontAlgn="base">
               <a:buFont typeface="Arial" panose="020B0604020202020204" pitchFamily="34" charset="0"/>
               <a:buChar char="•"/>
-              <a:defRPr sz="1800" kern="1200">
+            </a:pPr>
+            <a:r>
+              <a:rPr lang="de-DE" sz="2400" dirty="0">
                 <a:solidFill>
-                  <a:schemeClr val="tx1"/>
+                  <a:srgbClr val="242424"/>
                 </a:solidFill>
-                <a:latin typeface="+mn-lt"/>
-                <a:ea typeface="+mn-ea"/>
-                <a:cs typeface="+mn-cs"/>
-              </a:defRPr>
-            </a:lvl8pPr>
-            <a:lvl9pPr marL="3886200" indent="-228600" algn="l" defTabSz="914400" rtl="0" eaLnBrk="1" latinLnBrk="0" hangingPunct="1">
-              <a:lnSpc>
-                <a:spcPct val="90000"/>
-              </a:lnSpc>
-              <a:spcBef>
-                <a:spcPts val="500"/>
-              </a:spcBef>
+              </a:rPr>
+              <a:t>Risiken für PWAs in Angular</a:t>
+            </a:r>
+          </a:p>
+          <a:p>
+            <a:pPr marL="342900" indent="-342900" algn="l" fontAlgn="base">
               <a:buFont typeface="Arial" panose="020B0604020202020204" pitchFamily="34" charset="0"/>
               <a:buChar char="•"/>
-              <a:defRPr sz="1800" kern="1200">
+            </a:pPr>
+            <a:r>
+              <a:rPr lang="de-DE" sz="2400" dirty="0">
                 <a:solidFill>
-                  <a:schemeClr val="tx1"/>
-                </a:solidFill>
-                <a:latin typeface="+mn-lt"/>
-                <a:ea typeface="+mn-ea"/>
-                <a:cs typeface="+mn-cs"/>
-              </a:defRPr>
-            </a:lvl9pPr>
-          </a:lstStyle>
-          <a:p>
-            <a:r>
-              <a:rPr lang="de-DE" dirty="0">
-                <a:solidFill>
-                  <a:srgbClr val="648AC7"/>
+                  <a:srgbClr val="242424"/>
                 </a:solidFill>
               </a:rPr>
-              <a:t>Dashboard</a:t>
+              <a:t>Schutzmaßnahmen</a:t>
             </a:r>
           </a:p>
         </p:txBody>
       </p:sp>
-      <p:sp>
-        <p:nvSpPr>
-          <p:cNvPr id="20" name="Inhaltsplatzhalter 4">
-            <a:extLst>
-              <a:ext uri="{FF2B5EF4-FFF2-40B4-BE49-F238E27FC236}">
-                <a16:creationId xmlns:a16="http://schemas.microsoft.com/office/drawing/2014/main" id="{FE994C4D-760C-069B-519E-BE6E0151F11D}"/>
-              </a:ext>
-            </a:extLst>
-          </p:cNvPr>
-          <p:cNvSpPr txBox="1">
-            <a:spLocks/>
-          </p:cNvSpPr>
-          <p:nvPr/>
-        </p:nvSpPr>
-        <p:spPr>
-          <a:xfrm>
-            <a:off x="1309370" y="4907713"/>
-            <a:ext cx="3445566" cy="495389"/>
-          </a:xfrm>
-          <a:prstGeom prst="rect">
-            <a:avLst/>
-          </a:prstGeom>
-        </p:spPr>
-        <p:txBody>
-          <a:bodyPr vert="horz" lIns="0" tIns="0" rIns="0" bIns="0" rtlCol="0" anchor="ctr">
-            <a:noAutofit/>
-          </a:bodyPr>
-          <a:lstStyle>
-            <a:lvl1pPr marL="0" indent="0" algn="r" defTabSz="914400" rtl="0" eaLnBrk="1" latinLnBrk="0" hangingPunct="1">
-              <a:lnSpc>
-                <a:spcPct val="90000"/>
-              </a:lnSpc>
-              <a:spcBef>
-                <a:spcPts val="1000"/>
-              </a:spcBef>
-              <a:buFont typeface="Arial" panose="020B0604020202020204" pitchFamily="34" charset="0"/>
-              <a:buNone/>
-              <a:defRPr sz="1800" b="1" kern="1200" cap="all" baseline="0">
-                <a:solidFill>
-                  <a:schemeClr val="accent1"/>
-                </a:solidFill>
-                <a:latin typeface="+mj-lt"/>
-                <a:ea typeface="+mn-ea"/>
-                <a:cs typeface="+mn-cs"/>
-              </a:defRPr>
-            </a:lvl1pPr>
-            <a:lvl2pPr marL="457200" indent="0" algn="ctr" defTabSz="914400" rtl="0" eaLnBrk="1" latinLnBrk="0" hangingPunct="1">
-              <a:lnSpc>
-                <a:spcPct val="90000"/>
-              </a:lnSpc>
-              <a:spcBef>
-                <a:spcPts val="500"/>
-              </a:spcBef>
-              <a:buFont typeface="Arial" panose="020B0604020202020204" pitchFamily="34" charset="0"/>
-              <a:buNone/>
-              <a:defRPr sz="2000" kern="1200">
-                <a:solidFill>
-                  <a:schemeClr val="tx1"/>
-                </a:solidFill>
-                <a:latin typeface="+mn-lt"/>
-                <a:ea typeface="+mn-ea"/>
-                <a:cs typeface="+mn-cs"/>
-              </a:defRPr>
-            </a:lvl2pPr>
-            <a:lvl3pPr marL="914400" indent="0" algn="ctr" defTabSz="914400" rtl="0" eaLnBrk="1" latinLnBrk="0" hangingPunct="1">
-              <a:lnSpc>
-                <a:spcPct val="90000"/>
-              </a:lnSpc>
-              <a:spcBef>
-                <a:spcPts val="500"/>
-              </a:spcBef>
-              <a:buFont typeface="Arial" panose="020B0604020202020204" pitchFamily="34" charset="0"/>
-              <a:buNone/>
-              <a:defRPr sz="1800" kern="1200">
-                <a:solidFill>
-                  <a:schemeClr val="tx1"/>
-                </a:solidFill>
-                <a:latin typeface="+mn-lt"/>
-                <a:ea typeface="+mn-ea"/>
-                <a:cs typeface="+mn-cs"/>
-              </a:defRPr>
-            </a:lvl3pPr>
-            <a:lvl4pPr marL="1371600" indent="0" algn="ctr" defTabSz="914400" rtl="0" eaLnBrk="1" latinLnBrk="0" hangingPunct="1">
-              <a:lnSpc>
-                <a:spcPct val="90000"/>
-              </a:lnSpc>
-              <a:spcBef>
-                <a:spcPts val="500"/>
-              </a:spcBef>
-              <a:buFont typeface="Arial" panose="020B0604020202020204" pitchFamily="34" charset="0"/>
-              <a:buNone/>
-              <a:defRPr sz="1600" kern="1200">
-                <a:solidFill>
-                  <a:schemeClr val="tx1"/>
-                </a:solidFill>
-                <a:latin typeface="+mn-lt"/>
-                <a:ea typeface="+mn-ea"/>
-                <a:cs typeface="+mn-cs"/>
-              </a:defRPr>
-            </a:lvl4pPr>
-            <a:lvl5pPr marL="1828800" indent="0" algn="ctr" defTabSz="914400" rtl="0" eaLnBrk="1" latinLnBrk="0" hangingPunct="1">
-              <a:lnSpc>
-                <a:spcPct val="90000"/>
-              </a:lnSpc>
-              <a:spcBef>
-                <a:spcPts val="500"/>
-              </a:spcBef>
-              <a:buFont typeface="Arial" panose="020B0604020202020204" pitchFamily="34" charset="0"/>
-              <a:buNone/>
-              <a:defRPr sz="1600" kern="1200">
-                <a:solidFill>
-                  <a:schemeClr val="tx1"/>
-                </a:solidFill>
-                <a:latin typeface="+mn-lt"/>
-                <a:ea typeface="+mn-ea"/>
-                <a:cs typeface="+mn-cs"/>
-              </a:defRPr>
-            </a:lvl5pPr>
-            <a:lvl6pPr marL="2514600" indent="-228600" algn="l" defTabSz="914400" rtl="0" eaLnBrk="1" latinLnBrk="0" hangingPunct="1">
-              <a:lnSpc>
-                <a:spcPct val="90000"/>
-              </a:lnSpc>
-              <a:spcBef>
-                <a:spcPts val="500"/>
-              </a:spcBef>
-              <a:buFont typeface="Arial" panose="020B0604020202020204" pitchFamily="34" charset="0"/>
-              <a:buChar char="•"/>
-              <a:defRPr sz="1800" kern="1200">
-                <a:solidFill>
-                  <a:schemeClr val="tx1"/>
-                </a:solidFill>
-                <a:latin typeface="+mn-lt"/>
-                <a:ea typeface="+mn-ea"/>
-                <a:cs typeface="+mn-cs"/>
-              </a:defRPr>
-            </a:lvl6pPr>
-            <a:lvl7pPr marL="2971800" indent="-228600" algn="l" defTabSz="914400" rtl="0" eaLnBrk="1" latinLnBrk="0" hangingPunct="1">
-              <a:lnSpc>
-                <a:spcPct val="90000"/>
-              </a:lnSpc>
-              <a:spcBef>
-                <a:spcPts val="500"/>
-              </a:spcBef>
-              <a:buFont typeface="Arial" panose="020B0604020202020204" pitchFamily="34" charset="0"/>
-              <a:buChar char="•"/>
-              <a:defRPr sz="1800" kern="1200">
-                <a:solidFill>
-                  <a:schemeClr val="tx1"/>
-                </a:solidFill>
-                <a:latin typeface="+mn-lt"/>
-                <a:ea typeface="+mn-ea"/>
-                <a:cs typeface="+mn-cs"/>
-              </a:defRPr>
-            </a:lvl7pPr>
-            <a:lvl8pPr marL="3429000" indent="-228600" algn="l" defTabSz="914400" rtl="0" eaLnBrk="1" latinLnBrk="0" hangingPunct="1">
-              <a:lnSpc>
-                <a:spcPct val="90000"/>
-              </a:lnSpc>
-              <a:spcBef>
-                <a:spcPts val="500"/>
-              </a:spcBef>
-              <a:buFont typeface="Arial" panose="020B0604020202020204" pitchFamily="34" charset="0"/>
-              <a:buChar char="•"/>
-              <a:defRPr sz="1800" kern="1200">
-                <a:solidFill>
-                  <a:schemeClr val="tx1"/>
-                </a:solidFill>
-                <a:latin typeface="+mn-lt"/>
-                <a:ea typeface="+mn-ea"/>
-                <a:cs typeface="+mn-cs"/>
-              </a:defRPr>
-            </a:lvl8pPr>
-            <a:lvl9pPr marL="3886200" indent="-228600" algn="l" defTabSz="914400" rtl="0" eaLnBrk="1" latinLnBrk="0" hangingPunct="1">
-              <a:lnSpc>
-                <a:spcPct val="90000"/>
-              </a:lnSpc>
-              <a:spcBef>
-                <a:spcPts val="500"/>
-              </a:spcBef>
-              <a:buFont typeface="Arial" panose="020B0604020202020204" pitchFamily="34" charset="0"/>
-              <a:buChar char="•"/>
-              <a:defRPr sz="1800" kern="1200">
-                <a:solidFill>
-                  <a:schemeClr val="tx1"/>
-                </a:solidFill>
-                <a:latin typeface="+mn-lt"/>
-                <a:ea typeface="+mn-ea"/>
-                <a:cs typeface="+mn-cs"/>
-              </a:defRPr>
-            </a:lvl9pPr>
-          </a:lstStyle>
-          <a:p>
-            <a:r>
-              <a:rPr lang="de-DE" dirty="0">
-                <a:solidFill>
-                  <a:srgbClr val="648AC7"/>
-                </a:solidFill>
-              </a:rPr>
-              <a:t>Budgets</a:t>
-            </a:r>
-          </a:p>
-        </p:txBody>
-      </p:sp>
-      <p:pic>
-        <p:nvPicPr>
-          <p:cNvPr id="21" name="Bildplatzhalter 28">
-            <a:extLst>
-              <a:ext uri="{FF2B5EF4-FFF2-40B4-BE49-F238E27FC236}">
-                <a16:creationId xmlns:a16="http://schemas.microsoft.com/office/drawing/2014/main" id="{F0C899FA-1C78-B3E6-5AC4-4C4AA60574A4}"/>
-              </a:ext>
-            </a:extLst>
-          </p:cNvPr>
-          <p:cNvPicPr>
-            <a:picLocks noChangeAspect="1"/>
-          </p:cNvPicPr>
-          <p:nvPr/>
-        </p:nvPicPr>
-        <p:blipFill>
-          <a:blip r:embed="rId3"/>
-          <a:srcRect/>
-          <a:stretch/>
-        </p:blipFill>
-        <p:spPr>
-          <a:xfrm>
-            <a:off x="5282969" y="4852663"/>
-            <a:ext cx="605487" cy="605487"/>
-          </a:xfrm>
-          <a:prstGeom prst="rect">
-            <a:avLst/>
-          </a:prstGeom>
-          <a:noFill/>
-        </p:spPr>
-      </p:pic>
-      <p:pic>
-        <p:nvPicPr>
-          <p:cNvPr id="31" name="Bildplatzhalter 30">
-            <a:extLst>
-              <a:ext uri="{FF2B5EF4-FFF2-40B4-BE49-F238E27FC236}">
-                <a16:creationId xmlns:a16="http://schemas.microsoft.com/office/drawing/2014/main" id="{6BF407E9-98AE-2B40-90E3-1B14FC14FDB8}"/>
-              </a:ext>
-            </a:extLst>
-          </p:cNvPr>
-          <p:cNvPicPr>
-            <a:picLocks noGrp="1" noChangeAspect="1"/>
-          </p:cNvPicPr>
-          <p:nvPr>
-            <p:ph type="pic" sz="quarter" idx="22"/>
-          </p:nvPr>
-        </p:nvPicPr>
-        <p:blipFill>
-          <a:blip r:embed="rId4"/>
-          <a:srcRect/>
-          <a:stretch/>
-        </p:blipFill>
-        <p:spPr>
-          <a:xfrm>
-            <a:off x="5296238" y="3366901"/>
-            <a:ext cx="605487" cy="605487"/>
-          </a:xfrm>
-        </p:spPr>
-      </p:pic>
-      <p:pic>
-        <p:nvPicPr>
-          <p:cNvPr id="24" name="Bildplatzhalter 30">
-            <a:extLst>
-              <a:ext uri="{FF2B5EF4-FFF2-40B4-BE49-F238E27FC236}">
-                <a16:creationId xmlns:a16="http://schemas.microsoft.com/office/drawing/2014/main" id="{B82F2D05-E4BD-8351-A38E-6ACCFD1B6F9C}"/>
-              </a:ext>
-            </a:extLst>
-          </p:cNvPr>
-          <p:cNvPicPr>
-            <a:picLocks noChangeAspect="1"/>
-          </p:cNvPicPr>
-          <p:nvPr/>
-        </p:nvPicPr>
-        <p:blipFill>
-          <a:blip r:embed="rId5"/>
-          <a:srcRect/>
-          <a:stretch/>
-        </p:blipFill>
-        <p:spPr>
-          <a:xfrm>
-            <a:off x="5282968" y="1853254"/>
-            <a:ext cx="605487" cy="605487"/>
-          </a:xfrm>
-          <a:prstGeom prst="rect">
-            <a:avLst/>
-          </a:prstGeom>
-          <a:noFill/>
-        </p:spPr>
-      </p:pic>
-      <p:sp>
-        <p:nvSpPr>
-          <p:cNvPr id="9" name="Inhaltsplatzhalter 4">
-            <a:extLst>
-              <a:ext uri="{FF2B5EF4-FFF2-40B4-BE49-F238E27FC236}">
-                <a16:creationId xmlns:a16="http://schemas.microsoft.com/office/drawing/2014/main" id="{A6E290B2-D8A9-706A-6098-E34FCE0CAF0B}"/>
-              </a:ext>
-            </a:extLst>
-          </p:cNvPr>
-          <p:cNvSpPr txBox="1">
-            <a:spLocks/>
-          </p:cNvSpPr>
-          <p:nvPr/>
-        </p:nvSpPr>
-        <p:spPr>
-          <a:xfrm>
-            <a:off x="1309370" y="1908302"/>
-            <a:ext cx="3445566" cy="495389"/>
-          </a:xfrm>
-          <a:prstGeom prst="rect">
-            <a:avLst/>
-          </a:prstGeom>
-        </p:spPr>
-        <p:txBody>
-          <a:bodyPr vert="horz" lIns="0" tIns="0" rIns="0" bIns="0" rtlCol="0" anchor="ctr">
-            <a:noAutofit/>
-          </a:bodyPr>
-          <a:lstStyle>
-            <a:lvl1pPr marL="0" indent="0" algn="r" defTabSz="914400" rtl="0" eaLnBrk="1" latinLnBrk="0" hangingPunct="1">
-              <a:lnSpc>
-                <a:spcPct val="90000"/>
-              </a:lnSpc>
-              <a:spcBef>
-                <a:spcPts val="1000"/>
-              </a:spcBef>
-              <a:buFont typeface="Arial" panose="020B0604020202020204" pitchFamily="34" charset="0"/>
-              <a:buNone/>
-              <a:defRPr sz="1800" b="1" kern="1200" cap="all" baseline="0">
-                <a:solidFill>
-                  <a:schemeClr val="accent1"/>
-                </a:solidFill>
-                <a:latin typeface="+mj-lt"/>
-                <a:ea typeface="+mn-ea"/>
-                <a:cs typeface="+mn-cs"/>
-              </a:defRPr>
-            </a:lvl1pPr>
-            <a:lvl2pPr marL="457200" indent="0" algn="ctr" defTabSz="914400" rtl="0" eaLnBrk="1" latinLnBrk="0" hangingPunct="1">
-              <a:lnSpc>
-                <a:spcPct val="90000"/>
-              </a:lnSpc>
-              <a:spcBef>
-                <a:spcPts val="500"/>
-              </a:spcBef>
-              <a:buFont typeface="Arial" panose="020B0604020202020204" pitchFamily="34" charset="0"/>
-              <a:buNone/>
-              <a:defRPr sz="2000" kern="1200">
-                <a:solidFill>
-                  <a:schemeClr val="tx1"/>
-                </a:solidFill>
-                <a:latin typeface="+mn-lt"/>
-                <a:ea typeface="+mn-ea"/>
-                <a:cs typeface="+mn-cs"/>
-              </a:defRPr>
-            </a:lvl2pPr>
-            <a:lvl3pPr marL="914400" indent="0" algn="ctr" defTabSz="914400" rtl="0" eaLnBrk="1" latinLnBrk="0" hangingPunct="1">
-              <a:lnSpc>
-                <a:spcPct val="90000"/>
-              </a:lnSpc>
-              <a:spcBef>
-                <a:spcPts val="500"/>
-              </a:spcBef>
-              <a:buFont typeface="Arial" panose="020B0604020202020204" pitchFamily="34" charset="0"/>
-              <a:buNone/>
-              <a:defRPr sz="1800" kern="1200">
-                <a:solidFill>
-                  <a:schemeClr val="tx1"/>
-                </a:solidFill>
-                <a:latin typeface="+mn-lt"/>
-                <a:ea typeface="+mn-ea"/>
-                <a:cs typeface="+mn-cs"/>
-              </a:defRPr>
-            </a:lvl3pPr>
-            <a:lvl4pPr marL="1371600" indent="0" algn="ctr" defTabSz="914400" rtl="0" eaLnBrk="1" latinLnBrk="0" hangingPunct="1">
-              <a:lnSpc>
-                <a:spcPct val="90000"/>
-              </a:lnSpc>
-              <a:spcBef>
-                <a:spcPts val="500"/>
-              </a:spcBef>
-              <a:buFont typeface="Arial" panose="020B0604020202020204" pitchFamily="34" charset="0"/>
-              <a:buNone/>
-              <a:defRPr sz="1600" kern="1200">
-                <a:solidFill>
-                  <a:schemeClr val="tx1"/>
-                </a:solidFill>
-                <a:latin typeface="+mn-lt"/>
-                <a:ea typeface="+mn-ea"/>
-                <a:cs typeface="+mn-cs"/>
-              </a:defRPr>
-            </a:lvl4pPr>
-            <a:lvl5pPr marL="1828800" indent="0" algn="ctr" defTabSz="914400" rtl="0" eaLnBrk="1" latinLnBrk="0" hangingPunct="1">
-              <a:lnSpc>
-                <a:spcPct val="90000"/>
-              </a:lnSpc>
-              <a:spcBef>
-                <a:spcPts val="500"/>
-              </a:spcBef>
-              <a:buFont typeface="Arial" panose="020B0604020202020204" pitchFamily="34" charset="0"/>
-              <a:buNone/>
-              <a:defRPr sz="1600" kern="1200">
-                <a:solidFill>
-                  <a:schemeClr val="tx1"/>
-                </a:solidFill>
-                <a:latin typeface="+mn-lt"/>
-                <a:ea typeface="+mn-ea"/>
-                <a:cs typeface="+mn-cs"/>
-              </a:defRPr>
-            </a:lvl5pPr>
-            <a:lvl6pPr marL="2514600" indent="-228600" algn="l" defTabSz="914400" rtl="0" eaLnBrk="1" latinLnBrk="0" hangingPunct="1">
-              <a:lnSpc>
-                <a:spcPct val="90000"/>
-              </a:lnSpc>
-              <a:spcBef>
-                <a:spcPts val="500"/>
-              </a:spcBef>
-              <a:buFont typeface="Arial" panose="020B0604020202020204" pitchFamily="34" charset="0"/>
-              <a:buChar char="•"/>
-              <a:defRPr sz="1800" kern="1200">
-                <a:solidFill>
-                  <a:schemeClr val="tx1"/>
-                </a:solidFill>
-                <a:latin typeface="+mn-lt"/>
-                <a:ea typeface="+mn-ea"/>
-                <a:cs typeface="+mn-cs"/>
-              </a:defRPr>
-            </a:lvl6pPr>
-            <a:lvl7pPr marL="2971800" indent="-228600" algn="l" defTabSz="914400" rtl="0" eaLnBrk="1" latinLnBrk="0" hangingPunct="1">
-              <a:lnSpc>
-                <a:spcPct val="90000"/>
-              </a:lnSpc>
-              <a:spcBef>
-                <a:spcPts val="500"/>
-              </a:spcBef>
-              <a:buFont typeface="Arial" panose="020B0604020202020204" pitchFamily="34" charset="0"/>
-              <a:buChar char="•"/>
-              <a:defRPr sz="1800" kern="1200">
-                <a:solidFill>
-                  <a:schemeClr val="tx1"/>
-                </a:solidFill>
-                <a:latin typeface="+mn-lt"/>
-                <a:ea typeface="+mn-ea"/>
-                <a:cs typeface="+mn-cs"/>
-              </a:defRPr>
-            </a:lvl7pPr>
-            <a:lvl8pPr marL="3429000" indent="-228600" algn="l" defTabSz="914400" rtl="0" eaLnBrk="1" latinLnBrk="0" hangingPunct="1">
-              <a:lnSpc>
-                <a:spcPct val="90000"/>
-              </a:lnSpc>
-              <a:spcBef>
-                <a:spcPts val="500"/>
-              </a:spcBef>
-              <a:buFont typeface="Arial" panose="020B0604020202020204" pitchFamily="34" charset="0"/>
-              <a:buChar char="•"/>
-              <a:defRPr sz="1800" kern="1200">
-                <a:solidFill>
-                  <a:schemeClr val="tx1"/>
-                </a:solidFill>
-                <a:latin typeface="+mn-lt"/>
-                <a:ea typeface="+mn-ea"/>
-                <a:cs typeface="+mn-cs"/>
-              </a:defRPr>
-            </a:lvl8pPr>
-            <a:lvl9pPr marL="3886200" indent="-228600" algn="l" defTabSz="914400" rtl="0" eaLnBrk="1" latinLnBrk="0" hangingPunct="1">
-              <a:lnSpc>
-                <a:spcPct val="90000"/>
-              </a:lnSpc>
-              <a:spcBef>
-                <a:spcPts val="500"/>
-              </a:spcBef>
-              <a:buFont typeface="Arial" panose="020B0604020202020204" pitchFamily="34" charset="0"/>
-              <a:buChar char="•"/>
-              <a:defRPr sz="1800" kern="1200">
-                <a:solidFill>
-                  <a:schemeClr val="tx1"/>
-                </a:solidFill>
-                <a:latin typeface="+mn-lt"/>
-                <a:ea typeface="+mn-ea"/>
-                <a:cs typeface="+mn-cs"/>
-              </a:defRPr>
-            </a:lvl9pPr>
-          </a:lstStyle>
-          <a:p>
-            <a:r>
-              <a:rPr lang="de-DE" dirty="0">
-                <a:solidFill>
-                  <a:srgbClr val="648AC7"/>
-                </a:solidFill>
-              </a:rPr>
-              <a:t>Transactions</a:t>
-            </a:r>
-          </a:p>
-        </p:txBody>
-      </p:sp>
-      <p:sp>
-        <p:nvSpPr>
-          <p:cNvPr id="5" name="Rechteck 4">
-            <a:extLst>
-              <a:ext uri="{FF2B5EF4-FFF2-40B4-BE49-F238E27FC236}">
-                <a16:creationId xmlns:a16="http://schemas.microsoft.com/office/drawing/2014/main" id="{4E17598C-7B0C-DB60-DB98-FD1C68004ABD}"/>
-              </a:ext>
-            </a:extLst>
-          </p:cNvPr>
-          <p:cNvSpPr/>
-          <p:nvPr/>
-        </p:nvSpPr>
-        <p:spPr>
-          <a:xfrm>
-            <a:off x="6604000" y="1648186"/>
-            <a:ext cx="5592763" cy="1006475"/>
-          </a:xfrm>
-          <a:prstGeom prst="rect">
-            <a:avLst/>
-          </a:prstGeom>
-          <a:solidFill>
-            <a:schemeClr val="bg2"/>
-          </a:solidFill>
-          <a:ln>
-            <a:noFill/>
-          </a:ln>
-        </p:spPr>
-        <p:style>
-          <a:lnRef idx="2">
-            <a:schemeClr val="accent1">
-              <a:shade val="50000"/>
-            </a:schemeClr>
-          </a:lnRef>
-          <a:fillRef idx="1">
-            <a:schemeClr val="accent1"/>
-          </a:fillRef>
-          <a:effectRef idx="0">
-            <a:schemeClr val="accent1"/>
-          </a:effectRef>
-          <a:fontRef idx="minor">
-            <a:schemeClr val="lt1"/>
-          </a:fontRef>
-        </p:style>
-        <p:txBody>
-          <a:bodyPr rtlCol="0" anchor="ctr"/>
-          <a:lstStyle/>
-          <a:p>
-            <a:pPr algn="ctr" rtl="0"/>
-            <a:endParaRPr lang="de-DE" noProof="0" dirty="0"/>
-          </a:p>
-        </p:txBody>
-      </p:sp>
-      <p:sp>
-        <p:nvSpPr>
-          <p:cNvPr id="12" name="Ellipse 11">
-            <a:extLst>
-              <a:ext uri="{FF2B5EF4-FFF2-40B4-BE49-F238E27FC236}">
-                <a16:creationId xmlns:a16="http://schemas.microsoft.com/office/drawing/2014/main" id="{ED6A3422-6EFD-D9B8-02E6-7932D46D134F}"/>
-              </a:ext>
-            </a:extLst>
-          </p:cNvPr>
-          <p:cNvSpPr>
-            <a:spLocks noChangeAspect="1"/>
-          </p:cNvSpPr>
-          <p:nvPr/>
-        </p:nvSpPr>
-        <p:spPr>
-          <a:xfrm>
-            <a:off x="6105340" y="1648185"/>
-            <a:ext cx="1001899" cy="1001899"/>
-          </a:xfrm>
-          <a:prstGeom prst="ellipse">
-            <a:avLst/>
-          </a:prstGeom>
-          <a:solidFill>
-            <a:srgbClr val="77A0E0"/>
-          </a:solidFill>
-          <a:ln>
-            <a:solidFill>
-              <a:schemeClr val="accent3"/>
-            </a:solidFill>
-          </a:ln>
-        </p:spPr>
-        <p:style>
-          <a:lnRef idx="2">
-            <a:schemeClr val="accent1">
-              <a:shade val="50000"/>
-            </a:schemeClr>
-          </a:lnRef>
-          <a:fillRef idx="1">
-            <a:schemeClr val="accent1"/>
-          </a:fillRef>
-          <a:effectRef idx="0">
-            <a:schemeClr val="accent1"/>
-          </a:effectRef>
-          <a:fontRef idx="minor">
-            <a:schemeClr val="lt1"/>
-          </a:fontRef>
-        </p:style>
-        <p:txBody>
-          <a:bodyPr rtlCol="0" anchor="ctr"/>
-          <a:lstStyle/>
-          <a:p>
-            <a:pPr algn="ctr" rtl="0"/>
-            <a:endParaRPr lang="de-DE" noProof="0" dirty="0"/>
-          </a:p>
-        </p:txBody>
-      </p:sp>
-      <p:sp>
-        <p:nvSpPr>
-          <p:cNvPr id="13" name="Rechteck 12">
-            <a:extLst>
-              <a:ext uri="{FF2B5EF4-FFF2-40B4-BE49-F238E27FC236}">
-                <a16:creationId xmlns:a16="http://schemas.microsoft.com/office/drawing/2014/main" id="{B63E72CD-27A7-EDB9-2A09-32D78AE84FCA}"/>
-              </a:ext>
-            </a:extLst>
-          </p:cNvPr>
-          <p:cNvSpPr/>
-          <p:nvPr/>
-        </p:nvSpPr>
-        <p:spPr>
-          <a:xfrm>
-            <a:off x="6604000" y="3130840"/>
-            <a:ext cx="5592763" cy="1006475"/>
-          </a:xfrm>
-          <a:prstGeom prst="rect">
-            <a:avLst/>
-          </a:prstGeom>
-          <a:solidFill>
-            <a:schemeClr val="bg2"/>
-          </a:solidFill>
-          <a:ln>
-            <a:noFill/>
-          </a:ln>
-        </p:spPr>
-        <p:style>
-          <a:lnRef idx="2">
-            <a:schemeClr val="accent1">
-              <a:shade val="50000"/>
-            </a:schemeClr>
-          </a:lnRef>
-          <a:fillRef idx="1">
-            <a:schemeClr val="accent1"/>
-          </a:fillRef>
-          <a:effectRef idx="0">
-            <a:schemeClr val="accent1"/>
-          </a:effectRef>
-          <a:fontRef idx="minor">
-            <a:schemeClr val="lt1"/>
-          </a:fontRef>
-        </p:style>
-        <p:txBody>
-          <a:bodyPr rtlCol="0" anchor="ctr"/>
-          <a:lstStyle/>
-          <a:p>
-            <a:pPr algn="ctr" rtl="0"/>
-            <a:endParaRPr lang="de-DE" noProof="0" dirty="0"/>
-          </a:p>
-        </p:txBody>
-      </p:sp>
-      <p:sp>
-        <p:nvSpPr>
-          <p:cNvPr id="14" name="Ellipse 13">
-            <a:extLst>
-              <a:ext uri="{FF2B5EF4-FFF2-40B4-BE49-F238E27FC236}">
-                <a16:creationId xmlns:a16="http://schemas.microsoft.com/office/drawing/2014/main" id="{8E266A01-653B-EC6F-2CB2-D0FE69F3AC0C}"/>
-              </a:ext>
-            </a:extLst>
-          </p:cNvPr>
-          <p:cNvSpPr>
-            <a:spLocks noChangeAspect="1"/>
-          </p:cNvSpPr>
-          <p:nvPr/>
-        </p:nvSpPr>
-        <p:spPr>
-          <a:xfrm>
-            <a:off x="6105340" y="3130839"/>
-            <a:ext cx="1001899" cy="1001899"/>
-          </a:xfrm>
-          <a:prstGeom prst="ellipse">
-            <a:avLst/>
-          </a:prstGeom>
-          <a:solidFill>
-            <a:srgbClr val="77A0E0"/>
-          </a:solidFill>
-          <a:ln>
-            <a:solidFill>
-              <a:schemeClr val="accent3"/>
-            </a:solidFill>
-          </a:ln>
-        </p:spPr>
-        <p:style>
-          <a:lnRef idx="2">
-            <a:schemeClr val="accent1">
-              <a:shade val="50000"/>
-            </a:schemeClr>
-          </a:lnRef>
-          <a:fillRef idx="1">
-            <a:schemeClr val="accent1"/>
-          </a:fillRef>
-          <a:effectRef idx="0">
-            <a:schemeClr val="accent1"/>
-          </a:effectRef>
-          <a:fontRef idx="minor">
-            <a:schemeClr val="lt1"/>
-          </a:fontRef>
-        </p:style>
-        <p:txBody>
-          <a:bodyPr rtlCol="0" anchor="ctr"/>
-          <a:lstStyle/>
-          <a:p>
-            <a:pPr algn="ctr" rtl="0"/>
-            <a:endParaRPr lang="de-DE" noProof="0" dirty="0"/>
-          </a:p>
-        </p:txBody>
-      </p:sp>
-      <p:sp>
-        <p:nvSpPr>
-          <p:cNvPr id="15" name="Rechteck 14">
-            <a:extLst>
-              <a:ext uri="{FF2B5EF4-FFF2-40B4-BE49-F238E27FC236}">
-                <a16:creationId xmlns:a16="http://schemas.microsoft.com/office/drawing/2014/main" id="{F4E4CAF7-C440-3E10-D579-BD219A07A96A}"/>
-              </a:ext>
-            </a:extLst>
-          </p:cNvPr>
-          <p:cNvSpPr/>
-          <p:nvPr/>
-        </p:nvSpPr>
-        <p:spPr>
-          <a:xfrm>
-            <a:off x="6604000" y="4608916"/>
-            <a:ext cx="5592763" cy="1006475"/>
-          </a:xfrm>
-          <a:prstGeom prst="rect">
-            <a:avLst/>
-          </a:prstGeom>
-          <a:solidFill>
-            <a:schemeClr val="bg2"/>
-          </a:solidFill>
-          <a:ln>
-            <a:noFill/>
-          </a:ln>
-        </p:spPr>
-        <p:style>
-          <a:lnRef idx="2">
-            <a:schemeClr val="accent1">
-              <a:shade val="50000"/>
-            </a:schemeClr>
-          </a:lnRef>
-          <a:fillRef idx="1">
-            <a:schemeClr val="accent1"/>
-          </a:fillRef>
-          <a:effectRef idx="0">
-            <a:schemeClr val="accent1"/>
-          </a:effectRef>
-          <a:fontRef idx="minor">
-            <a:schemeClr val="lt1"/>
-          </a:fontRef>
-        </p:style>
-        <p:txBody>
-          <a:bodyPr rtlCol="0" anchor="ctr"/>
-          <a:lstStyle/>
-          <a:p>
-            <a:pPr algn="ctr" rtl="0"/>
-            <a:endParaRPr lang="de-DE" noProof="0" dirty="0"/>
-          </a:p>
-        </p:txBody>
-      </p:sp>
-      <p:sp>
-        <p:nvSpPr>
-          <p:cNvPr id="16" name="Ellipse 15">
-            <a:extLst>
-              <a:ext uri="{FF2B5EF4-FFF2-40B4-BE49-F238E27FC236}">
-                <a16:creationId xmlns:a16="http://schemas.microsoft.com/office/drawing/2014/main" id="{71653227-7396-BD07-34A0-48FA12BF545D}"/>
-              </a:ext>
-            </a:extLst>
-          </p:cNvPr>
-          <p:cNvSpPr>
-            <a:spLocks noChangeAspect="1"/>
-          </p:cNvSpPr>
-          <p:nvPr/>
-        </p:nvSpPr>
-        <p:spPr>
-          <a:xfrm>
-            <a:off x="6105340" y="4608915"/>
-            <a:ext cx="1001899" cy="1001899"/>
-          </a:xfrm>
-          <a:prstGeom prst="ellipse">
-            <a:avLst/>
-          </a:prstGeom>
-          <a:solidFill>
-            <a:srgbClr val="77A0E0"/>
-          </a:solidFill>
-          <a:ln>
-            <a:solidFill>
-              <a:schemeClr val="accent3"/>
-            </a:solidFill>
-          </a:ln>
-        </p:spPr>
-        <p:style>
-          <a:lnRef idx="2">
-            <a:schemeClr val="accent1">
-              <a:shade val="50000"/>
-            </a:schemeClr>
-          </a:lnRef>
-          <a:fillRef idx="1">
-            <a:schemeClr val="accent1"/>
-          </a:fillRef>
-          <a:effectRef idx="0">
-            <a:schemeClr val="accent1"/>
-          </a:effectRef>
-          <a:fontRef idx="minor">
-            <a:schemeClr val="lt1"/>
-          </a:fontRef>
-        </p:style>
-        <p:txBody>
-          <a:bodyPr rtlCol="0" anchor="ctr"/>
-          <a:lstStyle/>
-          <a:p>
-            <a:pPr algn="ctr" rtl="0"/>
-            <a:endParaRPr lang="de-DE" noProof="0" dirty="0"/>
-          </a:p>
-        </p:txBody>
-      </p:sp>
-      <p:pic>
-        <p:nvPicPr>
-          <p:cNvPr id="17" name="Bildplatzhalter 28">
-            <a:extLst>
-              <a:ext uri="{FF2B5EF4-FFF2-40B4-BE49-F238E27FC236}">
-                <a16:creationId xmlns:a16="http://schemas.microsoft.com/office/drawing/2014/main" id="{F26B50BA-B91E-36B4-8C24-AAFE6CC21905}"/>
-              </a:ext>
-            </a:extLst>
-          </p:cNvPr>
-          <p:cNvPicPr>
-            <a:picLocks noChangeAspect="1"/>
-          </p:cNvPicPr>
-          <p:nvPr/>
-        </p:nvPicPr>
-        <p:blipFill>
-          <a:blip r:embed="rId6"/>
-          <a:srcRect/>
-          <a:stretch/>
-        </p:blipFill>
-        <p:spPr>
-          <a:xfrm>
-            <a:off x="6301256" y="1846154"/>
-            <a:ext cx="605487" cy="605487"/>
-          </a:xfrm>
-          <a:prstGeom prst="rect">
-            <a:avLst/>
-          </a:prstGeom>
-        </p:spPr>
-      </p:pic>
-      <p:sp>
-        <p:nvSpPr>
-          <p:cNvPr id="19" name="Inhaltsplatzhalter 8">
-            <a:extLst>
-              <a:ext uri="{FF2B5EF4-FFF2-40B4-BE49-F238E27FC236}">
-                <a16:creationId xmlns:a16="http://schemas.microsoft.com/office/drawing/2014/main" id="{837257D6-8B2E-C429-12FB-F2AA0B36428E}"/>
-              </a:ext>
-            </a:extLst>
-          </p:cNvPr>
-          <p:cNvSpPr txBox="1">
-            <a:spLocks/>
-          </p:cNvSpPr>
-          <p:nvPr/>
-        </p:nvSpPr>
-        <p:spPr>
-          <a:xfrm>
-            <a:off x="7475709" y="1901203"/>
-            <a:ext cx="3445566" cy="495389"/>
-          </a:xfrm>
-          <a:prstGeom prst="rect">
-            <a:avLst/>
-          </a:prstGeom>
-        </p:spPr>
-        <p:txBody>
-          <a:bodyPr vert="horz" lIns="0" tIns="0" rIns="0" bIns="0" rtlCol="0" anchor="ctr">
-            <a:noAutofit/>
-          </a:bodyPr>
-          <a:lstStyle>
-            <a:lvl1pPr marL="0" indent="0" algn="l" defTabSz="914400" rtl="0" eaLnBrk="1" latinLnBrk="0" hangingPunct="1">
-              <a:lnSpc>
-                <a:spcPct val="90000"/>
-              </a:lnSpc>
-              <a:spcBef>
-                <a:spcPts val="1000"/>
-              </a:spcBef>
-              <a:buFont typeface="Arial" panose="020B0604020202020204" pitchFamily="34" charset="0"/>
-              <a:buNone/>
-              <a:defRPr sz="1800" b="1" kern="1200" cap="all" baseline="0">
-                <a:solidFill>
-                  <a:schemeClr val="accent3"/>
-                </a:solidFill>
-                <a:latin typeface="+mj-lt"/>
-                <a:ea typeface="+mn-ea"/>
-                <a:cs typeface="+mn-cs"/>
-              </a:defRPr>
-            </a:lvl1pPr>
-            <a:lvl2pPr marL="457200" indent="0" algn="ctr" defTabSz="914400" rtl="0" eaLnBrk="1" latinLnBrk="0" hangingPunct="1">
-              <a:lnSpc>
-                <a:spcPct val="90000"/>
-              </a:lnSpc>
-              <a:spcBef>
-                <a:spcPts val="500"/>
-              </a:spcBef>
-              <a:buFont typeface="Arial" panose="020B0604020202020204" pitchFamily="34" charset="0"/>
-              <a:buNone/>
-              <a:defRPr sz="2000" kern="1200">
-                <a:solidFill>
-                  <a:schemeClr val="tx1"/>
-                </a:solidFill>
-                <a:latin typeface="+mn-lt"/>
-                <a:ea typeface="+mn-ea"/>
-                <a:cs typeface="+mn-cs"/>
-              </a:defRPr>
-            </a:lvl2pPr>
-            <a:lvl3pPr marL="914400" indent="0" algn="ctr" defTabSz="914400" rtl="0" eaLnBrk="1" latinLnBrk="0" hangingPunct="1">
-              <a:lnSpc>
-                <a:spcPct val="90000"/>
-              </a:lnSpc>
-              <a:spcBef>
-                <a:spcPts val="500"/>
-              </a:spcBef>
-              <a:buFont typeface="Arial" panose="020B0604020202020204" pitchFamily="34" charset="0"/>
-              <a:buNone/>
-              <a:defRPr sz="1800" kern="1200">
-                <a:solidFill>
-                  <a:schemeClr val="tx1"/>
-                </a:solidFill>
-                <a:latin typeface="+mn-lt"/>
-                <a:ea typeface="+mn-ea"/>
-                <a:cs typeface="+mn-cs"/>
-              </a:defRPr>
-            </a:lvl3pPr>
-            <a:lvl4pPr marL="1371600" indent="0" algn="ctr" defTabSz="914400" rtl="0" eaLnBrk="1" latinLnBrk="0" hangingPunct="1">
-              <a:lnSpc>
-                <a:spcPct val="90000"/>
-              </a:lnSpc>
-              <a:spcBef>
-                <a:spcPts val="500"/>
-              </a:spcBef>
-              <a:buFont typeface="Arial" panose="020B0604020202020204" pitchFamily="34" charset="0"/>
-              <a:buNone/>
-              <a:defRPr sz="1600" kern="1200">
-                <a:solidFill>
-                  <a:schemeClr val="tx1"/>
-                </a:solidFill>
-                <a:latin typeface="+mn-lt"/>
-                <a:ea typeface="+mn-ea"/>
-                <a:cs typeface="+mn-cs"/>
-              </a:defRPr>
-            </a:lvl4pPr>
-            <a:lvl5pPr marL="1828800" indent="0" algn="ctr" defTabSz="914400" rtl="0" eaLnBrk="1" latinLnBrk="0" hangingPunct="1">
-              <a:lnSpc>
-                <a:spcPct val="90000"/>
-              </a:lnSpc>
-              <a:spcBef>
-                <a:spcPts val="500"/>
-              </a:spcBef>
-              <a:buFont typeface="Arial" panose="020B0604020202020204" pitchFamily="34" charset="0"/>
-              <a:buNone/>
-              <a:defRPr sz="1600" kern="1200">
-                <a:solidFill>
-                  <a:schemeClr val="tx1"/>
-                </a:solidFill>
-                <a:latin typeface="+mn-lt"/>
-                <a:ea typeface="+mn-ea"/>
-                <a:cs typeface="+mn-cs"/>
-              </a:defRPr>
-            </a:lvl5pPr>
-            <a:lvl6pPr marL="2514600" indent="-228600" algn="l" defTabSz="914400" rtl="0" eaLnBrk="1" latinLnBrk="0" hangingPunct="1">
-              <a:lnSpc>
-                <a:spcPct val="90000"/>
-              </a:lnSpc>
-              <a:spcBef>
-                <a:spcPts val="500"/>
-              </a:spcBef>
-              <a:buFont typeface="Arial" panose="020B0604020202020204" pitchFamily="34" charset="0"/>
-              <a:buChar char="•"/>
-              <a:defRPr sz="1800" kern="1200">
-                <a:solidFill>
-                  <a:schemeClr val="tx1"/>
-                </a:solidFill>
-                <a:latin typeface="+mn-lt"/>
-                <a:ea typeface="+mn-ea"/>
-                <a:cs typeface="+mn-cs"/>
-              </a:defRPr>
-            </a:lvl6pPr>
-            <a:lvl7pPr marL="2971800" indent="-228600" algn="l" defTabSz="914400" rtl="0" eaLnBrk="1" latinLnBrk="0" hangingPunct="1">
-              <a:lnSpc>
-                <a:spcPct val="90000"/>
-              </a:lnSpc>
-              <a:spcBef>
-                <a:spcPts val="500"/>
-              </a:spcBef>
-              <a:buFont typeface="Arial" panose="020B0604020202020204" pitchFamily="34" charset="0"/>
-              <a:buChar char="•"/>
-              <a:defRPr sz="1800" kern="1200">
-                <a:solidFill>
-                  <a:schemeClr val="tx1"/>
-                </a:solidFill>
-                <a:latin typeface="+mn-lt"/>
-                <a:ea typeface="+mn-ea"/>
-                <a:cs typeface="+mn-cs"/>
-              </a:defRPr>
-            </a:lvl7pPr>
-            <a:lvl8pPr marL="3429000" indent="-228600" algn="l" defTabSz="914400" rtl="0" eaLnBrk="1" latinLnBrk="0" hangingPunct="1">
-              <a:lnSpc>
-                <a:spcPct val="90000"/>
-              </a:lnSpc>
-              <a:spcBef>
-                <a:spcPts val="500"/>
-              </a:spcBef>
-              <a:buFont typeface="Arial" panose="020B0604020202020204" pitchFamily="34" charset="0"/>
-              <a:buChar char="•"/>
-              <a:defRPr sz="1800" kern="1200">
-                <a:solidFill>
-                  <a:schemeClr val="tx1"/>
-                </a:solidFill>
-                <a:latin typeface="+mn-lt"/>
-                <a:ea typeface="+mn-ea"/>
-                <a:cs typeface="+mn-cs"/>
-              </a:defRPr>
-            </a:lvl8pPr>
-            <a:lvl9pPr marL="3886200" indent="-228600" algn="l" defTabSz="914400" rtl="0" eaLnBrk="1" latinLnBrk="0" hangingPunct="1">
-              <a:lnSpc>
-                <a:spcPct val="90000"/>
-              </a:lnSpc>
-              <a:spcBef>
-                <a:spcPts val="500"/>
-              </a:spcBef>
-              <a:buFont typeface="Arial" panose="020B0604020202020204" pitchFamily="34" charset="0"/>
-              <a:buChar char="•"/>
-              <a:defRPr sz="1800" kern="1200">
-                <a:solidFill>
-                  <a:schemeClr val="tx1"/>
-                </a:solidFill>
-                <a:latin typeface="+mn-lt"/>
-                <a:ea typeface="+mn-ea"/>
-                <a:cs typeface="+mn-cs"/>
-              </a:defRPr>
-            </a:lvl9pPr>
-          </a:lstStyle>
-          <a:p>
-            <a:r>
-              <a:rPr lang="de-DE" dirty="0">
-                <a:solidFill>
-                  <a:srgbClr val="648AC7"/>
-                </a:solidFill>
-              </a:rPr>
-              <a:t>Berichte</a:t>
-            </a:r>
-          </a:p>
-        </p:txBody>
-      </p:sp>
-      <p:sp>
-        <p:nvSpPr>
-          <p:cNvPr id="22" name="Inhaltsplatzhalter 8">
-            <a:extLst>
-              <a:ext uri="{FF2B5EF4-FFF2-40B4-BE49-F238E27FC236}">
-                <a16:creationId xmlns:a16="http://schemas.microsoft.com/office/drawing/2014/main" id="{AC3EC56A-28D4-DE09-FB01-13F1EAAEEF09}"/>
-              </a:ext>
-            </a:extLst>
-          </p:cNvPr>
-          <p:cNvSpPr txBox="1">
-            <a:spLocks/>
-          </p:cNvSpPr>
-          <p:nvPr/>
-        </p:nvSpPr>
-        <p:spPr>
-          <a:xfrm>
-            <a:off x="7475709" y="3384093"/>
-            <a:ext cx="3445566" cy="495389"/>
-          </a:xfrm>
-          <a:prstGeom prst="rect">
-            <a:avLst/>
-          </a:prstGeom>
-        </p:spPr>
-        <p:txBody>
-          <a:bodyPr vert="horz" lIns="0" tIns="0" rIns="0" bIns="0" rtlCol="0" anchor="ctr">
-            <a:noAutofit/>
-          </a:bodyPr>
-          <a:lstStyle>
-            <a:lvl1pPr marL="0" indent="0" algn="l" defTabSz="914400" rtl="0" eaLnBrk="1" latinLnBrk="0" hangingPunct="1">
-              <a:lnSpc>
-                <a:spcPct val="90000"/>
-              </a:lnSpc>
-              <a:spcBef>
-                <a:spcPts val="1000"/>
-              </a:spcBef>
-              <a:buFont typeface="Arial" panose="020B0604020202020204" pitchFamily="34" charset="0"/>
-              <a:buNone/>
-              <a:defRPr sz="1800" b="1" kern="1200" cap="all" baseline="0">
-                <a:solidFill>
-                  <a:schemeClr val="accent3"/>
-                </a:solidFill>
-                <a:latin typeface="+mj-lt"/>
-                <a:ea typeface="+mn-ea"/>
-                <a:cs typeface="+mn-cs"/>
-              </a:defRPr>
-            </a:lvl1pPr>
-            <a:lvl2pPr marL="457200" indent="0" algn="ctr" defTabSz="914400" rtl="0" eaLnBrk="1" latinLnBrk="0" hangingPunct="1">
-              <a:lnSpc>
-                <a:spcPct val="90000"/>
-              </a:lnSpc>
-              <a:spcBef>
-                <a:spcPts val="500"/>
-              </a:spcBef>
-              <a:buFont typeface="Arial" panose="020B0604020202020204" pitchFamily="34" charset="0"/>
-              <a:buNone/>
-              <a:defRPr sz="2000" kern="1200">
-                <a:solidFill>
-                  <a:schemeClr val="tx1"/>
-                </a:solidFill>
-                <a:latin typeface="+mn-lt"/>
-                <a:ea typeface="+mn-ea"/>
-                <a:cs typeface="+mn-cs"/>
-              </a:defRPr>
-            </a:lvl2pPr>
-            <a:lvl3pPr marL="914400" indent="0" algn="ctr" defTabSz="914400" rtl="0" eaLnBrk="1" latinLnBrk="0" hangingPunct="1">
-              <a:lnSpc>
-                <a:spcPct val="90000"/>
-              </a:lnSpc>
-              <a:spcBef>
-                <a:spcPts val="500"/>
-              </a:spcBef>
-              <a:buFont typeface="Arial" panose="020B0604020202020204" pitchFamily="34" charset="0"/>
-              <a:buNone/>
-              <a:defRPr sz="1800" kern="1200">
-                <a:solidFill>
-                  <a:schemeClr val="tx1"/>
-                </a:solidFill>
-                <a:latin typeface="+mn-lt"/>
-                <a:ea typeface="+mn-ea"/>
-                <a:cs typeface="+mn-cs"/>
-              </a:defRPr>
-            </a:lvl3pPr>
-            <a:lvl4pPr marL="1371600" indent="0" algn="ctr" defTabSz="914400" rtl="0" eaLnBrk="1" latinLnBrk="0" hangingPunct="1">
-              <a:lnSpc>
-                <a:spcPct val="90000"/>
-              </a:lnSpc>
-              <a:spcBef>
-                <a:spcPts val="500"/>
-              </a:spcBef>
-              <a:buFont typeface="Arial" panose="020B0604020202020204" pitchFamily="34" charset="0"/>
-              <a:buNone/>
-              <a:defRPr sz="1600" kern="1200">
-                <a:solidFill>
-                  <a:schemeClr val="tx1"/>
-                </a:solidFill>
-                <a:latin typeface="+mn-lt"/>
-                <a:ea typeface="+mn-ea"/>
-                <a:cs typeface="+mn-cs"/>
-              </a:defRPr>
-            </a:lvl4pPr>
-            <a:lvl5pPr marL="1828800" indent="0" algn="ctr" defTabSz="914400" rtl="0" eaLnBrk="1" latinLnBrk="0" hangingPunct="1">
-              <a:lnSpc>
-                <a:spcPct val="90000"/>
-              </a:lnSpc>
-              <a:spcBef>
-                <a:spcPts val="500"/>
-              </a:spcBef>
-              <a:buFont typeface="Arial" panose="020B0604020202020204" pitchFamily="34" charset="0"/>
-              <a:buNone/>
-              <a:defRPr sz="1600" kern="1200">
-                <a:solidFill>
-                  <a:schemeClr val="tx1"/>
-                </a:solidFill>
-                <a:latin typeface="+mn-lt"/>
-                <a:ea typeface="+mn-ea"/>
-                <a:cs typeface="+mn-cs"/>
-              </a:defRPr>
-            </a:lvl5pPr>
-            <a:lvl6pPr marL="2514600" indent="-228600" algn="l" defTabSz="914400" rtl="0" eaLnBrk="1" latinLnBrk="0" hangingPunct="1">
-              <a:lnSpc>
-                <a:spcPct val="90000"/>
-              </a:lnSpc>
-              <a:spcBef>
-                <a:spcPts val="500"/>
-              </a:spcBef>
-              <a:buFont typeface="Arial" panose="020B0604020202020204" pitchFamily="34" charset="0"/>
-              <a:buChar char="•"/>
-              <a:defRPr sz="1800" kern="1200">
-                <a:solidFill>
-                  <a:schemeClr val="tx1"/>
-                </a:solidFill>
-                <a:latin typeface="+mn-lt"/>
-                <a:ea typeface="+mn-ea"/>
-                <a:cs typeface="+mn-cs"/>
-              </a:defRPr>
-            </a:lvl6pPr>
-            <a:lvl7pPr marL="2971800" indent="-228600" algn="l" defTabSz="914400" rtl="0" eaLnBrk="1" latinLnBrk="0" hangingPunct="1">
-              <a:lnSpc>
-                <a:spcPct val="90000"/>
-              </a:lnSpc>
-              <a:spcBef>
-                <a:spcPts val="500"/>
-              </a:spcBef>
-              <a:buFont typeface="Arial" panose="020B0604020202020204" pitchFamily="34" charset="0"/>
-              <a:buChar char="•"/>
-              <a:defRPr sz="1800" kern="1200">
-                <a:solidFill>
-                  <a:schemeClr val="tx1"/>
-                </a:solidFill>
-                <a:latin typeface="+mn-lt"/>
-                <a:ea typeface="+mn-ea"/>
-                <a:cs typeface="+mn-cs"/>
-              </a:defRPr>
-            </a:lvl7pPr>
-            <a:lvl8pPr marL="3429000" indent="-228600" algn="l" defTabSz="914400" rtl="0" eaLnBrk="1" latinLnBrk="0" hangingPunct="1">
-              <a:lnSpc>
-                <a:spcPct val="90000"/>
-              </a:lnSpc>
-              <a:spcBef>
-                <a:spcPts val="500"/>
-              </a:spcBef>
-              <a:buFont typeface="Arial" panose="020B0604020202020204" pitchFamily="34" charset="0"/>
-              <a:buChar char="•"/>
-              <a:defRPr sz="1800" kern="1200">
-                <a:solidFill>
-                  <a:schemeClr val="tx1"/>
-                </a:solidFill>
-                <a:latin typeface="+mn-lt"/>
-                <a:ea typeface="+mn-ea"/>
-                <a:cs typeface="+mn-cs"/>
-              </a:defRPr>
-            </a:lvl8pPr>
-            <a:lvl9pPr marL="3886200" indent="-228600" algn="l" defTabSz="914400" rtl="0" eaLnBrk="1" latinLnBrk="0" hangingPunct="1">
-              <a:lnSpc>
-                <a:spcPct val="90000"/>
-              </a:lnSpc>
-              <a:spcBef>
-                <a:spcPts val="500"/>
-              </a:spcBef>
-              <a:buFont typeface="Arial" panose="020B0604020202020204" pitchFamily="34" charset="0"/>
-              <a:buChar char="•"/>
-              <a:defRPr sz="1800" kern="1200">
-                <a:solidFill>
-                  <a:schemeClr val="tx1"/>
-                </a:solidFill>
-                <a:latin typeface="+mn-lt"/>
-                <a:ea typeface="+mn-ea"/>
-                <a:cs typeface="+mn-cs"/>
-              </a:defRPr>
-            </a:lvl9pPr>
-          </a:lstStyle>
-          <a:p>
-            <a:r>
-              <a:rPr lang="de-DE" dirty="0">
-                <a:solidFill>
-                  <a:srgbClr val="648AC7"/>
-                </a:solidFill>
-              </a:rPr>
-              <a:t>Kategorien</a:t>
-            </a:r>
-          </a:p>
-        </p:txBody>
-      </p:sp>
-      <p:sp>
-        <p:nvSpPr>
-          <p:cNvPr id="23" name="Inhaltsplatzhalter 8">
-            <a:extLst>
-              <a:ext uri="{FF2B5EF4-FFF2-40B4-BE49-F238E27FC236}">
-                <a16:creationId xmlns:a16="http://schemas.microsoft.com/office/drawing/2014/main" id="{6B265735-E3EB-72EF-E79B-64EF5459F19E}"/>
-              </a:ext>
-            </a:extLst>
-          </p:cNvPr>
-          <p:cNvSpPr txBox="1">
-            <a:spLocks/>
-          </p:cNvSpPr>
-          <p:nvPr/>
-        </p:nvSpPr>
-        <p:spPr>
-          <a:xfrm>
-            <a:off x="7475709" y="4862169"/>
-            <a:ext cx="3445566" cy="495389"/>
-          </a:xfrm>
-          <a:prstGeom prst="rect">
-            <a:avLst/>
-          </a:prstGeom>
-        </p:spPr>
-        <p:txBody>
-          <a:bodyPr vert="horz" lIns="0" tIns="0" rIns="0" bIns="0" rtlCol="0" anchor="ctr">
-            <a:noAutofit/>
-          </a:bodyPr>
-          <a:lstStyle>
-            <a:lvl1pPr marL="0" indent="0" algn="l" defTabSz="914400" rtl="0" eaLnBrk="1" latinLnBrk="0" hangingPunct="1">
-              <a:lnSpc>
-                <a:spcPct val="90000"/>
-              </a:lnSpc>
-              <a:spcBef>
-                <a:spcPts val="1000"/>
-              </a:spcBef>
-              <a:buFont typeface="Arial" panose="020B0604020202020204" pitchFamily="34" charset="0"/>
-              <a:buNone/>
-              <a:defRPr sz="1800" b="1" kern="1200" cap="all" baseline="0">
-                <a:solidFill>
-                  <a:schemeClr val="accent3"/>
-                </a:solidFill>
-                <a:latin typeface="+mj-lt"/>
-                <a:ea typeface="+mn-ea"/>
-                <a:cs typeface="+mn-cs"/>
-              </a:defRPr>
-            </a:lvl1pPr>
-            <a:lvl2pPr marL="457200" indent="0" algn="ctr" defTabSz="914400" rtl="0" eaLnBrk="1" latinLnBrk="0" hangingPunct="1">
-              <a:lnSpc>
-                <a:spcPct val="90000"/>
-              </a:lnSpc>
-              <a:spcBef>
-                <a:spcPts val="500"/>
-              </a:spcBef>
-              <a:buFont typeface="Arial" panose="020B0604020202020204" pitchFamily="34" charset="0"/>
-              <a:buNone/>
-              <a:defRPr sz="2000" kern="1200">
-                <a:solidFill>
-                  <a:schemeClr val="tx1"/>
-                </a:solidFill>
-                <a:latin typeface="+mn-lt"/>
-                <a:ea typeface="+mn-ea"/>
-                <a:cs typeface="+mn-cs"/>
-              </a:defRPr>
-            </a:lvl2pPr>
-            <a:lvl3pPr marL="914400" indent="0" algn="ctr" defTabSz="914400" rtl="0" eaLnBrk="1" latinLnBrk="0" hangingPunct="1">
-              <a:lnSpc>
-                <a:spcPct val="90000"/>
-              </a:lnSpc>
-              <a:spcBef>
-                <a:spcPts val="500"/>
-              </a:spcBef>
-              <a:buFont typeface="Arial" panose="020B0604020202020204" pitchFamily="34" charset="0"/>
-              <a:buNone/>
-              <a:defRPr sz="1800" kern="1200">
-                <a:solidFill>
-                  <a:schemeClr val="tx1"/>
-                </a:solidFill>
-                <a:latin typeface="+mn-lt"/>
-                <a:ea typeface="+mn-ea"/>
-                <a:cs typeface="+mn-cs"/>
-              </a:defRPr>
-            </a:lvl3pPr>
-            <a:lvl4pPr marL="1371600" indent="0" algn="ctr" defTabSz="914400" rtl="0" eaLnBrk="1" latinLnBrk="0" hangingPunct="1">
-              <a:lnSpc>
-                <a:spcPct val="90000"/>
-              </a:lnSpc>
-              <a:spcBef>
-                <a:spcPts val="500"/>
-              </a:spcBef>
-              <a:buFont typeface="Arial" panose="020B0604020202020204" pitchFamily="34" charset="0"/>
-              <a:buNone/>
-              <a:defRPr sz="1600" kern="1200">
-                <a:solidFill>
-                  <a:schemeClr val="tx1"/>
-                </a:solidFill>
-                <a:latin typeface="+mn-lt"/>
-                <a:ea typeface="+mn-ea"/>
-                <a:cs typeface="+mn-cs"/>
-              </a:defRPr>
-            </a:lvl4pPr>
-            <a:lvl5pPr marL="1828800" indent="0" algn="ctr" defTabSz="914400" rtl="0" eaLnBrk="1" latinLnBrk="0" hangingPunct="1">
-              <a:lnSpc>
-                <a:spcPct val="90000"/>
-              </a:lnSpc>
-              <a:spcBef>
-                <a:spcPts val="500"/>
-              </a:spcBef>
-              <a:buFont typeface="Arial" panose="020B0604020202020204" pitchFamily="34" charset="0"/>
-              <a:buNone/>
-              <a:defRPr sz="1600" kern="1200">
-                <a:solidFill>
-                  <a:schemeClr val="tx1"/>
-                </a:solidFill>
-                <a:latin typeface="+mn-lt"/>
-                <a:ea typeface="+mn-ea"/>
-                <a:cs typeface="+mn-cs"/>
-              </a:defRPr>
-            </a:lvl5pPr>
-            <a:lvl6pPr marL="2514600" indent="-228600" algn="l" defTabSz="914400" rtl="0" eaLnBrk="1" latinLnBrk="0" hangingPunct="1">
-              <a:lnSpc>
-                <a:spcPct val="90000"/>
-              </a:lnSpc>
-              <a:spcBef>
-                <a:spcPts val="500"/>
-              </a:spcBef>
-              <a:buFont typeface="Arial" panose="020B0604020202020204" pitchFamily="34" charset="0"/>
-              <a:buChar char="•"/>
-              <a:defRPr sz="1800" kern="1200">
-                <a:solidFill>
-                  <a:schemeClr val="tx1"/>
-                </a:solidFill>
-                <a:latin typeface="+mn-lt"/>
-                <a:ea typeface="+mn-ea"/>
-                <a:cs typeface="+mn-cs"/>
-              </a:defRPr>
-            </a:lvl6pPr>
-            <a:lvl7pPr marL="2971800" indent="-228600" algn="l" defTabSz="914400" rtl="0" eaLnBrk="1" latinLnBrk="0" hangingPunct="1">
-              <a:lnSpc>
-                <a:spcPct val="90000"/>
-              </a:lnSpc>
-              <a:spcBef>
-                <a:spcPts val="500"/>
-              </a:spcBef>
-              <a:buFont typeface="Arial" panose="020B0604020202020204" pitchFamily="34" charset="0"/>
-              <a:buChar char="•"/>
-              <a:defRPr sz="1800" kern="1200">
-                <a:solidFill>
-                  <a:schemeClr val="tx1"/>
-                </a:solidFill>
-                <a:latin typeface="+mn-lt"/>
-                <a:ea typeface="+mn-ea"/>
-                <a:cs typeface="+mn-cs"/>
-              </a:defRPr>
-            </a:lvl7pPr>
-            <a:lvl8pPr marL="3429000" indent="-228600" algn="l" defTabSz="914400" rtl="0" eaLnBrk="1" latinLnBrk="0" hangingPunct="1">
-              <a:lnSpc>
-                <a:spcPct val="90000"/>
-              </a:lnSpc>
-              <a:spcBef>
-                <a:spcPts val="500"/>
-              </a:spcBef>
-              <a:buFont typeface="Arial" panose="020B0604020202020204" pitchFamily="34" charset="0"/>
-              <a:buChar char="•"/>
-              <a:defRPr sz="1800" kern="1200">
-                <a:solidFill>
-                  <a:schemeClr val="tx1"/>
-                </a:solidFill>
-                <a:latin typeface="+mn-lt"/>
-                <a:ea typeface="+mn-ea"/>
-                <a:cs typeface="+mn-cs"/>
-              </a:defRPr>
-            </a:lvl8pPr>
-            <a:lvl9pPr marL="3886200" indent="-228600" algn="l" defTabSz="914400" rtl="0" eaLnBrk="1" latinLnBrk="0" hangingPunct="1">
-              <a:lnSpc>
-                <a:spcPct val="90000"/>
-              </a:lnSpc>
-              <a:spcBef>
-                <a:spcPts val="500"/>
-              </a:spcBef>
-              <a:buFont typeface="Arial" panose="020B0604020202020204" pitchFamily="34" charset="0"/>
-              <a:buChar char="•"/>
-              <a:defRPr sz="1800" kern="1200">
-                <a:solidFill>
-                  <a:schemeClr val="tx1"/>
-                </a:solidFill>
-                <a:latin typeface="+mn-lt"/>
-                <a:ea typeface="+mn-ea"/>
-                <a:cs typeface="+mn-cs"/>
-              </a:defRPr>
-            </a:lvl9pPr>
-          </a:lstStyle>
-          <a:p>
-            <a:r>
-              <a:rPr lang="de-DE" dirty="0">
-                <a:solidFill>
-                  <a:srgbClr val="648AC7"/>
-                </a:solidFill>
-              </a:rPr>
-              <a:t>Einstellungen</a:t>
-            </a:r>
-          </a:p>
-        </p:txBody>
-      </p:sp>
-      <p:pic>
-        <p:nvPicPr>
-          <p:cNvPr id="25" name="Bildplatzhalter 28">
-            <a:extLst>
-              <a:ext uri="{FF2B5EF4-FFF2-40B4-BE49-F238E27FC236}">
-                <a16:creationId xmlns:a16="http://schemas.microsoft.com/office/drawing/2014/main" id="{31346D13-A7EF-B230-2FBF-A5FD378636F0}"/>
-              </a:ext>
-            </a:extLst>
-          </p:cNvPr>
-          <p:cNvPicPr>
-            <a:picLocks noChangeAspect="1"/>
-          </p:cNvPicPr>
-          <p:nvPr/>
-        </p:nvPicPr>
-        <p:blipFill>
-          <a:blip r:embed="rId7"/>
-          <a:srcRect/>
-          <a:stretch/>
-        </p:blipFill>
-        <p:spPr>
-          <a:xfrm>
-            <a:off x="6301255" y="4807119"/>
-            <a:ext cx="605487" cy="605487"/>
-          </a:xfrm>
-          <a:prstGeom prst="rect">
-            <a:avLst/>
-          </a:prstGeom>
-          <a:noFill/>
-        </p:spPr>
-      </p:pic>
-      <p:pic>
-        <p:nvPicPr>
-          <p:cNvPr id="26" name="Bildplatzhalter 30">
-            <a:extLst>
-              <a:ext uri="{FF2B5EF4-FFF2-40B4-BE49-F238E27FC236}">
-                <a16:creationId xmlns:a16="http://schemas.microsoft.com/office/drawing/2014/main" id="{604D6B23-5E8C-A77D-CF6E-213C7C8141B5}"/>
-              </a:ext>
-            </a:extLst>
-          </p:cNvPr>
-          <p:cNvPicPr>
-            <a:picLocks noChangeAspect="1"/>
-          </p:cNvPicPr>
-          <p:nvPr/>
-        </p:nvPicPr>
-        <p:blipFill>
-          <a:blip r:embed="rId8"/>
-          <a:srcRect/>
-          <a:stretch/>
-        </p:blipFill>
-        <p:spPr>
-          <a:xfrm>
-            <a:off x="6308698" y="3329043"/>
-            <a:ext cx="605487" cy="605487"/>
-          </a:xfrm>
-          <a:prstGeom prst="rect">
-            <a:avLst/>
-          </a:prstGeom>
-          <a:noFill/>
-        </p:spPr>
-      </p:pic>
     </p:spTree>
     <p:extLst>
       <p:ext uri="{BB962C8B-B14F-4D97-AF65-F5344CB8AC3E}">
-        <p14:creationId xmlns:p14="http://schemas.microsoft.com/office/powerpoint/2010/main" val="269403648"/>
+        <p14:creationId xmlns:p14="http://schemas.microsoft.com/office/powerpoint/2010/main" val="3364571927"/>
       </p:ext>
     </p:extLst>
   </p:cSld>
@@ -22020,7 +19516,7 @@
 </p:sld>
 </file>
 
-<file path=ppt/slides/slide6.xml><?xml version="1.0" encoding="utf-8"?>
+<file path=ppt/slides/slide7.xml><?xml version="1.0" encoding="utf-8"?>
 <p:sld xmlns:a="http://schemas.openxmlformats.org/drawingml/2006/main" xmlns:r="http://schemas.openxmlformats.org/officeDocument/2006/relationships" xmlns:p="http://schemas.openxmlformats.org/presentationml/2006/main">
   <p:cSld>
     <p:spTree>
@@ -22037,49 +19533,380 @@
           <a:chExt cx="0" cy="0"/>
         </a:xfrm>
       </p:grpSpPr>
-      <p:sp>
-        <p:nvSpPr>
-          <p:cNvPr id="2" name="Titel 1">
+      <p:grpSp>
+        <p:nvGrpSpPr>
+          <p:cNvPr id="9" name="Gruppieren 8">
             <a:extLst>
               <a:ext uri="{FF2B5EF4-FFF2-40B4-BE49-F238E27FC236}">
-                <a16:creationId xmlns:a16="http://schemas.microsoft.com/office/drawing/2014/main" id="{6D696360-142E-C6C6-6327-12B24C26D329}"/>
+                <a16:creationId xmlns:a16="http://schemas.microsoft.com/office/drawing/2014/main" id="{6EFDA7F3-F3AC-22A7-4D4E-D06C34303928}"/>
               </a:ext>
             </a:extLst>
           </p:cNvPr>
-          <p:cNvSpPr>
-            <a:spLocks noGrp="1"/>
-          </p:cNvSpPr>
-          <p:nvPr>
-            <p:ph type="title"/>
-          </p:nvPr>
-        </p:nvSpPr>
-        <p:spPr/>
-        <p:txBody>
-          <a:bodyPr/>
-          <a:lstStyle/>
-          <a:p>
-            <a:r>
-              <a:rPr lang="de-DE" dirty="0"/>
-              <a:t>Schutz gegen XSS - </a:t>
-            </a:r>
-            <a:r>
-              <a:rPr lang="de-DE" sz="3200" dirty="0">
-                <a:solidFill>
-                  <a:srgbClr val="242424"/>
-                </a:solidFill>
-              </a:rPr>
-              <a:t>Cross-Site Scripting</a:t>
-            </a:r>
-            <a:endParaRPr lang="de-AT" dirty="0"/>
-          </a:p>
-        </p:txBody>
-      </p:sp>
-      <p:sp>
-        <p:nvSpPr>
-          <p:cNvPr id="26" name="Foliennummernplatzhalter 3">
+          <p:cNvGrpSpPr/>
+          <p:nvPr/>
+        </p:nvGrpSpPr>
+        <p:grpSpPr>
+          <a:xfrm rot="7186914">
+            <a:off x="5985834" y="-2494843"/>
+            <a:ext cx="7021130" cy="8126217"/>
+            <a:chOff x="11114088" y="2241550"/>
+            <a:chExt cx="1905000" cy="2354263"/>
+          </a:xfrm>
+          <a:solidFill>
+            <a:schemeClr val="bg2">
+              <a:alpha val="91000"/>
+            </a:schemeClr>
+          </a:solidFill>
+        </p:grpSpPr>
+        <p:sp>
+          <p:nvSpPr>
+            <p:cNvPr id="10" name="Freihandform 5">
+              <a:extLst>
+                <a:ext uri="{FF2B5EF4-FFF2-40B4-BE49-F238E27FC236}">
+                  <a16:creationId xmlns:a16="http://schemas.microsoft.com/office/drawing/2014/main" id="{1BC5467B-7E1C-01EB-B971-D89A6314D70B}"/>
+                </a:ext>
+              </a:extLst>
+            </p:cNvPr>
+            <p:cNvSpPr>
+              <a:spLocks/>
+            </p:cNvSpPr>
+            <p:nvPr/>
+          </p:nvSpPr>
+          <p:spPr bwMode="auto">
+            <a:xfrm>
+              <a:off x="11114088" y="2241550"/>
+              <a:ext cx="1905000" cy="2354263"/>
+            </a:xfrm>
+            <a:custGeom>
+              <a:avLst/>
+              <a:gdLst>
+                <a:gd name="T0" fmla="*/ 0 w 447"/>
+                <a:gd name="T1" fmla="*/ 264 h 553"/>
+                <a:gd name="T2" fmla="*/ 141 w 447"/>
+                <a:gd name="T3" fmla="*/ 48 h 553"/>
+                <a:gd name="T4" fmla="*/ 414 w 447"/>
+                <a:gd name="T5" fmla="*/ 67 h 553"/>
+                <a:gd name="T6" fmla="*/ 438 w 447"/>
+                <a:gd name="T7" fmla="*/ 98 h 553"/>
+                <a:gd name="T8" fmla="*/ 391 w 447"/>
+                <a:gd name="T9" fmla="*/ 111 h 553"/>
+                <a:gd name="T10" fmla="*/ 94 w 447"/>
+                <a:gd name="T11" fmla="*/ 149 h 553"/>
+                <a:gd name="T12" fmla="*/ 107 w 447"/>
+                <a:gd name="T13" fmla="*/ 424 h 553"/>
+                <a:gd name="T14" fmla="*/ 383 w 447"/>
+                <a:gd name="T15" fmla="*/ 453 h 553"/>
+                <a:gd name="T16" fmla="*/ 393 w 447"/>
+                <a:gd name="T17" fmla="*/ 446 h 553"/>
+                <a:gd name="T18" fmla="*/ 433 w 447"/>
+                <a:gd name="T19" fmla="*/ 449 h 553"/>
+                <a:gd name="T20" fmla="*/ 421 w 447"/>
+                <a:gd name="T21" fmla="*/ 485 h 553"/>
+                <a:gd name="T22" fmla="*/ 194 w 447"/>
+                <a:gd name="T23" fmla="*/ 531 h 553"/>
+                <a:gd name="T24" fmla="*/ 0 w 447"/>
+                <a:gd name="T25" fmla="*/ 264 h 553"/>
+              </a:gdLst>
+              <a:ahLst/>
+              <a:cxnLst>
+                <a:cxn ang="0">
+                  <a:pos x="T0" y="T1"/>
+                </a:cxn>
+                <a:cxn ang="0">
+                  <a:pos x="T2" y="T3"/>
+                </a:cxn>
+                <a:cxn ang="0">
+                  <a:pos x="T4" y="T5"/>
+                </a:cxn>
+                <a:cxn ang="0">
+                  <a:pos x="T6" y="T7"/>
+                </a:cxn>
+                <a:cxn ang="0">
+                  <a:pos x="T8" y="T9"/>
+                </a:cxn>
+                <a:cxn ang="0">
+                  <a:pos x="T10" y="T11"/>
+                </a:cxn>
+                <a:cxn ang="0">
+                  <a:pos x="T12" y="T13"/>
+                </a:cxn>
+                <a:cxn ang="0">
+                  <a:pos x="T14" y="T15"/>
+                </a:cxn>
+                <a:cxn ang="0">
+                  <a:pos x="T16" y="T17"/>
+                </a:cxn>
+                <a:cxn ang="0">
+                  <a:pos x="T18" y="T19"/>
+                </a:cxn>
+                <a:cxn ang="0">
+                  <a:pos x="T20" y="T21"/>
+                </a:cxn>
+                <a:cxn ang="0">
+                  <a:pos x="T22" y="T23"/>
+                </a:cxn>
+                <a:cxn ang="0">
+                  <a:pos x="T24" y="T25"/>
+                </a:cxn>
+              </a:cxnLst>
+              <a:rect l="0" t="0" r="r" b="b"/>
+              <a:pathLst>
+                <a:path w="447" h="553">
+                  <a:moveTo>
+                    <a:pt x="0" y="264"/>
+                  </a:moveTo>
+                  <a:cubicBezTo>
+                    <a:pt x="5" y="176"/>
+                    <a:pt x="49" y="96"/>
+                    <a:pt x="141" y="48"/>
+                  </a:cubicBezTo>
+                  <a:cubicBezTo>
+                    <a:pt x="235" y="0"/>
+                    <a:pt x="327" y="9"/>
+                    <a:pt x="414" y="67"/>
+                  </a:cubicBezTo>
+                  <a:cubicBezTo>
+                    <a:pt x="425" y="75"/>
+                    <a:pt x="439" y="82"/>
+                    <a:pt x="438" y="98"/>
+                  </a:cubicBezTo>
+                  <a:cubicBezTo>
+                    <a:pt x="437" y="120"/>
+                    <a:pt x="413" y="127"/>
+                    <a:pt x="391" y="111"/>
+                  </a:cubicBezTo>
+                  <a:cubicBezTo>
+                    <a:pt x="294" y="40"/>
+                    <a:pt x="166" y="56"/>
+                    <a:pt x="94" y="149"/>
+                  </a:cubicBezTo>
+                  <a:cubicBezTo>
+                    <a:pt x="30" y="231"/>
+                    <a:pt x="36" y="349"/>
+                    <a:pt x="107" y="424"/>
+                  </a:cubicBezTo>
+                  <a:cubicBezTo>
+                    <a:pt x="180" y="502"/>
+                    <a:pt x="296" y="514"/>
+                    <a:pt x="383" y="453"/>
+                  </a:cubicBezTo>
+                  <a:cubicBezTo>
+                    <a:pt x="386" y="451"/>
+                    <a:pt x="390" y="449"/>
+                    <a:pt x="393" y="446"/>
+                  </a:cubicBezTo>
+                  <a:cubicBezTo>
+                    <a:pt x="407" y="433"/>
+                    <a:pt x="420" y="433"/>
+                    <a:pt x="433" y="449"/>
+                  </a:cubicBezTo>
+                  <a:cubicBezTo>
+                    <a:pt x="447" y="467"/>
+                    <a:pt x="433" y="477"/>
+                    <a:pt x="421" y="485"/>
+                  </a:cubicBezTo>
+                  <a:cubicBezTo>
+                    <a:pt x="353" y="537"/>
+                    <a:pt x="277" y="553"/>
+                    <a:pt x="194" y="531"/>
+                  </a:cubicBezTo>
+                  <a:cubicBezTo>
+                    <a:pt x="79" y="501"/>
+                    <a:pt x="1" y="397"/>
+                    <a:pt x="0" y="264"/>
+                  </a:cubicBezTo>
+                  <a:close/>
+                </a:path>
+              </a:pathLst>
+            </a:custGeom>
+            <a:grpFill/>
+            <a:ln>
+              <a:noFill/>
+            </a:ln>
+            <a:extLst>
+              <a:ext uri="{91240B29-F687-4F45-9708-019B960494DF}">
+                <a14:hiddenLine xmlns:a14="http://schemas.microsoft.com/office/drawing/2010/main" w="9525">
+                  <a:solidFill>
+                    <a:srgbClr val="000000"/>
+                  </a:solidFill>
+                  <a:round/>
+                  <a:headEnd/>
+                  <a:tailEnd/>
+                </a14:hiddenLine>
+              </a:ext>
+            </a:extLst>
+          </p:spPr>
+          <p:txBody>
+            <a:bodyPr vert="horz" wrap="square" lIns="91440" tIns="45720" rIns="91440" bIns="45720" numCol="1" rtlCol="0" anchor="t" anchorCtr="0" compatLnSpc="1">
+              <a:prstTxWarp prst="textNoShape">
+                <a:avLst/>
+              </a:prstTxWarp>
+            </a:bodyPr>
+            <a:lstStyle/>
+            <a:p>
+              <a:pPr rtl="0"/>
+              <a:endParaRPr lang="de-DE" noProof="0" dirty="0"/>
+            </a:p>
+          </p:txBody>
+        </p:sp>
+        <p:sp>
+          <p:nvSpPr>
+            <p:cNvPr id="11" name="Freihandform 6">
+              <a:extLst>
+                <a:ext uri="{FF2B5EF4-FFF2-40B4-BE49-F238E27FC236}">
+                  <a16:creationId xmlns:a16="http://schemas.microsoft.com/office/drawing/2014/main" id="{978F6B91-B151-0A73-1E02-441777CC537C}"/>
+                </a:ext>
+              </a:extLst>
+            </p:cNvPr>
+            <p:cNvSpPr>
+              <a:spLocks/>
+            </p:cNvSpPr>
+            <p:nvPr/>
+          </p:nvSpPr>
+          <p:spPr bwMode="auto">
+            <a:xfrm>
+              <a:off x="11412538" y="2590800"/>
+              <a:ext cx="835025" cy="1673225"/>
+            </a:xfrm>
+            <a:custGeom>
+              <a:avLst/>
+              <a:gdLst>
+                <a:gd name="T0" fmla="*/ 0 w 196"/>
+                <a:gd name="T1" fmla="*/ 198 h 393"/>
+                <a:gd name="T2" fmla="*/ 157 w 196"/>
+                <a:gd name="T3" fmla="*/ 8 h 393"/>
+                <a:gd name="T4" fmla="*/ 192 w 196"/>
+                <a:gd name="T5" fmla="*/ 22 h 393"/>
+                <a:gd name="T6" fmla="*/ 167 w 196"/>
+                <a:gd name="T7" fmla="*/ 56 h 393"/>
+                <a:gd name="T8" fmla="*/ 48 w 196"/>
+                <a:gd name="T9" fmla="*/ 198 h 393"/>
+                <a:gd name="T10" fmla="*/ 170 w 196"/>
+                <a:gd name="T11" fmla="*/ 339 h 393"/>
+                <a:gd name="T12" fmla="*/ 193 w 196"/>
+                <a:gd name="T13" fmla="*/ 372 h 393"/>
+                <a:gd name="T14" fmla="*/ 160 w 196"/>
+                <a:gd name="T15" fmla="*/ 387 h 393"/>
+                <a:gd name="T16" fmla="*/ 0 w 196"/>
+                <a:gd name="T17" fmla="*/ 198 h 393"/>
+              </a:gdLst>
+              <a:ahLst/>
+              <a:cxnLst>
+                <a:cxn ang="0">
+                  <a:pos x="T0" y="T1"/>
+                </a:cxn>
+                <a:cxn ang="0">
+                  <a:pos x="T2" y="T3"/>
+                </a:cxn>
+                <a:cxn ang="0">
+                  <a:pos x="T4" y="T5"/>
+                </a:cxn>
+                <a:cxn ang="0">
+                  <a:pos x="T6" y="T7"/>
+                </a:cxn>
+                <a:cxn ang="0">
+                  <a:pos x="T8" y="T9"/>
+                </a:cxn>
+                <a:cxn ang="0">
+                  <a:pos x="T10" y="T11"/>
+                </a:cxn>
+                <a:cxn ang="0">
+                  <a:pos x="T12" y="T13"/>
+                </a:cxn>
+                <a:cxn ang="0">
+                  <a:pos x="T14" y="T15"/>
+                </a:cxn>
+                <a:cxn ang="0">
+                  <a:pos x="T16" y="T17"/>
+                </a:cxn>
+              </a:cxnLst>
+              <a:rect l="0" t="0" r="r" b="b"/>
+              <a:pathLst>
+                <a:path w="196" h="393">
+                  <a:moveTo>
+                    <a:pt x="0" y="198"/>
+                  </a:moveTo>
+                  <a:cubicBezTo>
+                    <a:pt x="0" y="103"/>
+                    <a:pt x="64" y="26"/>
+                    <a:pt x="157" y="8"/>
+                  </a:cubicBezTo>
+                  <a:cubicBezTo>
+                    <a:pt x="171" y="6"/>
+                    <a:pt x="188" y="0"/>
+                    <a:pt x="192" y="22"/>
+                  </a:cubicBezTo>
+                  <a:cubicBezTo>
+                    <a:pt x="196" y="41"/>
+                    <a:pt x="190" y="52"/>
+                    <a:pt x="167" y="56"/>
+                  </a:cubicBezTo>
+                  <a:cubicBezTo>
+                    <a:pt x="95" y="70"/>
+                    <a:pt x="47" y="129"/>
+                    <a:pt x="48" y="198"/>
+                  </a:cubicBezTo>
+                  <a:cubicBezTo>
+                    <a:pt x="48" y="267"/>
+                    <a:pt x="97" y="325"/>
+                    <a:pt x="170" y="339"/>
+                  </a:cubicBezTo>
+                  <a:cubicBezTo>
+                    <a:pt x="191" y="343"/>
+                    <a:pt x="195" y="354"/>
+                    <a:pt x="193" y="372"/>
+                  </a:cubicBezTo>
+                  <a:cubicBezTo>
+                    <a:pt x="190" y="393"/>
+                    <a:pt x="174" y="389"/>
+                    <a:pt x="160" y="387"/>
+                  </a:cubicBezTo>
+                  <a:cubicBezTo>
+                    <a:pt x="70" y="375"/>
+                    <a:pt x="0" y="293"/>
+                    <a:pt x="0" y="198"/>
+                  </a:cubicBezTo>
+                  <a:close/>
+                </a:path>
+              </a:pathLst>
+            </a:custGeom>
+            <a:grpFill/>
+            <a:ln>
+              <a:noFill/>
+            </a:ln>
+            <a:extLst>
+              <a:ext uri="{91240B29-F687-4F45-9708-019B960494DF}">
+                <a14:hiddenLine xmlns:a14="http://schemas.microsoft.com/office/drawing/2010/main" w="9525">
+                  <a:solidFill>
+                    <a:srgbClr val="000000"/>
+                  </a:solidFill>
+                  <a:round/>
+                  <a:headEnd/>
+                  <a:tailEnd/>
+                </a14:hiddenLine>
+              </a:ext>
+            </a:extLst>
+          </p:spPr>
+          <p:txBody>
+            <a:bodyPr vert="horz" wrap="square" lIns="91440" tIns="45720" rIns="91440" bIns="45720" numCol="1" rtlCol="0" anchor="t" anchorCtr="0" compatLnSpc="1">
+              <a:prstTxWarp prst="textNoShape">
+                <a:avLst/>
+              </a:prstTxWarp>
+            </a:bodyPr>
+            <a:lstStyle/>
+            <a:p>
+              <a:pPr rtl="0"/>
+              <a:endParaRPr lang="de-DE" noProof="0" dirty="0"/>
+            </a:p>
+          </p:txBody>
+        </p:sp>
+      </p:grpSp>
+      <p:sp>
+        <p:nvSpPr>
+          <p:cNvPr id="5" name="Foliennummernplatzhalter 3">
             <a:extLst>
               <a:ext uri="{FF2B5EF4-FFF2-40B4-BE49-F238E27FC236}">
-                <a16:creationId xmlns:a16="http://schemas.microsoft.com/office/drawing/2014/main" id="{2BD62465-FDE7-AAFE-1360-A0D084B05F29}"/>
+                <a16:creationId xmlns:a16="http://schemas.microsoft.com/office/drawing/2014/main" id="{4F255404-DC2D-EF16-6695-2740403CF5CC}"/>
               </a:ext>
             </a:extLst>
           </p:cNvPr>
@@ -22209,21 +20036,21 @@
                   <a:spcPts val="600"/>
                 </a:spcAft>
               </a:pPr>
-              <a:t>6</a:t>
+              <a:t>7</a:t>
             </a:fld>
             <a:r>
               <a:rPr lang="de-DE" dirty="0"/>
-              <a:t> von 11</a:t>
+              <a:t> von 10</a:t>
             </a:r>
           </a:p>
         </p:txBody>
       </p:sp>
       <p:sp>
         <p:nvSpPr>
-          <p:cNvPr id="7" name="Inhaltsplatzhalter 2">
+          <p:cNvPr id="2" name="Titel 1">
             <a:extLst>
               <a:ext uri="{FF2B5EF4-FFF2-40B4-BE49-F238E27FC236}">
-                <a16:creationId xmlns:a16="http://schemas.microsoft.com/office/drawing/2014/main" id="{AAB7C208-CA9A-3047-11D1-11CADB24044A}"/>
+                <a16:creationId xmlns:a16="http://schemas.microsoft.com/office/drawing/2014/main" id="{E2C50832-0B36-43C5-98EC-4CD165D78718}"/>
               </a:ext>
             </a:extLst>
           </p:cNvPr>
@@ -22231,154 +20058,73 @@
             <a:spLocks noGrp="1"/>
           </p:cNvSpPr>
           <p:nvPr>
-            <p:ph idx="1"/>
+            <p:ph type="title"/>
           </p:nvPr>
         </p:nvSpPr>
         <p:spPr>
           <a:xfrm>
-            <a:off x="538960" y="1825625"/>
-            <a:ext cx="10156133" cy="4351338"/>
+            <a:off x="515938" y="499595"/>
+            <a:ext cx="5242836" cy="1325563"/>
           </a:xfrm>
         </p:spPr>
         <p:txBody>
-          <a:bodyPr rtlCol="0" anchor="ctr"/>
+          <a:bodyPr rtlCol="0"/>
           <a:lstStyle/>
           <a:p>
-            <a:pPr marL="342900" indent="-342900" algn="l" fontAlgn="base">
-              <a:buFont typeface="Arial" panose="020B0604020202020204" pitchFamily="34" charset="0"/>
-              <a:buChar char="•"/>
-            </a:pPr>
-            <a:r>
-              <a:rPr lang="de-DE" sz="2400" dirty="0">
-                <a:solidFill>
-                  <a:srgbClr val="242424"/>
-                </a:solidFill>
-              </a:rPr>
-              <a:t>Was ist XSS?</a:t>
-            </a:r>
-          </a:p>
-          <a:p>
-            <a:pPr marL="342900" indent="-342900" algn="l" fontAlgn="base">
-              <a:buFont typeface="Arial" panose="020B0604020202020204" pitchFamily="34" charset="0"/>
-              <a:buChar char="•"/>
-            </a:pPr>
-            <a:r>
-              <a:rPr lang="de-DE" sz="2400" dirty="0">
-                <a:solidFill>
-                  <a:srgbClr val="242424"/>
-                </a:solidFill>
-              </a:rPr>
-              <a:t>Arten von XSS:</a:t>
-            </a:r>
-          </a:p>
-          <a:p>
-            <a:pPr marL="800100" lvl="1" indent="-342900" algn="l" fontAlgn="base">
-              <a:buFont typeface="Arial" panose="020B0604020202020204" pitchFamily="34" charset="0"/>
-              <a:buChar char="•"/>
-            </a:pPr>
-            <a:r>
-              <a:rPr lang="de-DE" dirty="0" err="1">
-                <a:solidFill>
-                  <a:srgbClr val="242424"/>
-                </a:solidFill>
-              </a:rPr>
-              <a:t>Stored</a:t>
-            </a:r>
-            <a:r>
-              <a:rPr lang="de-DE" dirty="0">
-                <a:solidFill>
-                  <a:srgbClr val="242424"/>
-                </a:solidFill>
-              </a:rPr>
-              <a:t> XSS</a:t>
-            </a:r>
-          </a:p>
-          <a:p>
-            <a:pPr marL="800100" lvl="1" indent="-342900" algn="l" fontAlgn="base">
-              <a:buFont typeface="Arial" panose="020B0604020202020204" pitchFamily="34" charset="0"/>
-              <a:buChar char="•"/>
-            </a:pPr>
-            <a:r>
-              <a:rPr lang="de-DE" dirty="0" err="1">
-                <a:solidFill>
-                  <a:srgbClr val="242424"/>
-                </a:solidFill>
-              </a:rPr>
-              <a:t>Reflected</a:t>
-            </a:r>
-            <a:r>
-              <a:rPr lang="de-DE" dirty="0">
-                <a:solidFill>
-                  <a:srgbClr val="242424"/>
-                </a:solidFill>
-              </a:rPr>
-              <a:t> XSS</a:t>
-            </a:r>
-          </a:p>
-          <a:p>
-            <a:pPr marL="800100" lvl="1" indent="-342900" algn="l" fontAlgn="base">
-              <a:buFont typeface="Arial" panose="020B0604020202020204" pitchFamily="34" charset="0"/>
-              <a:buChar char="•"/>
-            </a:pPr>
-            <a:r>
-              <a:rPr lang="de-DE" dirty="0">
-                <a:solidFill>
-                  <a:srgbClr val="242424"/>
-                </a:solidFill>
-              </a:rPr>
-              <a:t>DOM-</a:t>
-            </a:r>
-            <a:r>
-              <a:rPr lang="de-DE" dirty="0" err="1">
-                <a:solidFill>
-                  <a:srgbClr val="242424"/>
-                </a:solidFill>
-              </a:rPr>
-              <a:t>based</a:t>
-            </a:r>
-            <a:r>
-              <a:rPr lang="de-DE" dirty="0">
-                <a:solidFill>
-                  <a:srgbClr val="242424"/>
-                </a:solidFill>
-              </a:rPr>
-              <a:t> XSS</a:t>
-            </a:r>
-          </a:p>
-          <a:p>
-            <a:pPr marL="342900" indent="-342900" algn="l" fontAlgn="base">
-              <a:buFont typeface="Arial" panose="020B0604020202020204" pitchFamily="34" charset="0"/>
-              <a:buChar char="•"/>
-            </a:pPr>
-            <a:r>
-              <a:rPr lang="de-DE" sz="2400" dirty="0">
-                <a:solidFill>
-                  <a:srgbClr val="242424"/>
-                </a:solidFill>
-              </a:rPr>
-              <a:t>Risiken für PWAs in Angular</a:t>
-            </a:r>
-          </a:p>
-          <a:p>
-            <a:pPr marL="342900" indent="-342900" algn="l" fontAlgn="base">
-              <a:buFont typeface="Arial" panose="020B0604020202020204" pitchFamily="34" charset="0"/>
-              <a:buChar char="•"/>
-            </a:pPr>
-            <a:r>
-              <a:rPr lang="de-DE" sz="2400" dirty="0">
-                <a:solidFill>
-                  <a:srgbClr val="242424"/>
-                </a:solidFill>
-              </a:rPr>
-              <a:t>Schutzmaßnahmen</a:t>
-            </a:r>
+            <a:pPr rtl="0"/>
+            <a:r>
+              <a:rPr lang="de-DE" dirty="0" err="1"/>
+              <a:t>EazyBooks</a:t>
+            </a:r>
+            <a:r>
+              <a:rPr lang="de-DE" dirty="0"/>
+              <a:t> </a:t>
+            </a:r>
+            <a:r>
+              <a:rPr lang="de-DE" dirty="0" err="1"/>
+              <a:t>Promovideo</a:t>
+            </a:r>
+            <a:br>
+              <a:rPr lang="de-DE" dirty="0"/>
+            </a:br>
+            <a:endParaRPr lang="de-DE" dirty="0"/>
           </a:p>
         </p:txBody>
       </p:sp>
+      <p:pic>
+        <p:nvPicPr>
+          <p:cNvPr id="6" name="Bildplatzhalter 9">
+            <a:hlinkClick r:id="rId3"/>
+            <a:extLst>
+              <a:ext uri="{FF2B5EF4-FFF2-40B4-BE49-F238E27FC236}">
+                <a16:creationId xmlns:a16="http://schemas.microsoft.com/office/drawing/2014/main" id="{DCC2B407-5B4E-AD88-1A8D-4154341CC945}"/>
+              </a:ext>
+            </a:extLst>
+          </p:cNvPr>
+          <p:cNvPicPr>
+            <a:picLocks noChangeAspect="1"/>
+          </p:cNvPicPr>
+          <p:nvPr/>
+        </p:nvPicPr>
+        <p:blipFill>
+          <a:blip r:embed="rId4"/>
+          <a:srcRect/>
+          <a:stretch/>
+        </p:blipFill>
+        <p:spPr>
+          <a:xfrm>
+            <a:off x="830287" y="1760151"/>
+            <a:ext cx="3612790" cy="3612790"/>
+          </a:xfrm>
+          <a:prstGeom prst="ellipse">
+            <a:avLst/>
+          </a:prstGeom>
+        </p:spPr>
+      </p:pic>
     </p:spTree>
     <p:extLst>
       <p:ext uri="{BB962C8B-B14F-4D97-AF65-F5344CB8AC3E}">
-        <p14:creationId xmlns:p14="http://schemas.microsoft.com/office/powerpoint/2010/main" val="1946257817"/>
+        <p14:creationId xmlns:p14="http://schemas.microsoft.com/office/powerpoint/2010/main" val="1970303431"/>
       </p:ext>
     </p:extLst>
   </p:cSld>
@@ -22400,18 +20146,12 @@
 </p:sld>
 </file>
 
-<file path=ppt/slides/slide7.xml><?xml version="1.0" encoding="utf-8"?>
+<file path=ppt/slides/slide8.xml><?xml version="1.0" encoding="utf-8"?>
 <p:sld xmlns:a="http://schemas.openxmlformats.org/drawingml/2006/main" xmlns:r="http://schemas.openxmlformats.org/officeDocument/2006/relationships" xmlns:p="http://schemas.openxmlformats.org/presentationml/2006/main">
   <p:cSld>
     <p:spTree>
       <p:nvGrpSpPr>
-        <p:cNvPr id="1" name="">
-          <a:extLst>
-            <a:ext uri="{FF2B5EF4-FFF2-40B4-BE49-F238E27FC236}">
-              <a16:creationId xmlns:a16="http://schemas.microsoft.com/office/drawing/2014/main" id="{203B84DC-8051-E445-F4D2-C94270B4CD03}"/>
-            </a:ext>
-          </a:extLst>
-        </p:cNvPr>
+        <p:cNvPr id="1" name=""/>
         <p:cNvGrpSpPr/>
         <p:nvPr/>
       </p:nvGrpSpPr>
@@ -22428,7 +20168,7 @@
           <p:cNvPr id="2" name="Titel 1">
             <a:extLst>
               <a:ext uri="{FF2B5EF4-FFF2-40B4-BE49-F238E27FC236}">
-                <a16:creationId xmlns:a16="http://schemas.microsoft.com/office/drawing/2014/main" id="{64214844-FFC5-C0A8-18B6-9A53C1CA660C}"/>
+                <a16:creationId xmlns:a16="http://schemas.microsoft.com/office/drawing/2014/main" id="{8FBFCA16-8D78-4A87-9023-708458E3A4F3}"/>
               </a:ext>
             </a:extLst>
           </p:cNvPr>
@@ -22441,39 +20181,191 @@
         </p:nvSpPr>
         <p:spPr/>
         <p:txBody>
-          <a:bodyPr/>
+          <a:bodyPr rtlCol="0"/>
           <a:lstStyle/>
           <a:p>
+            <a:pPr rtl="0"/>
+            <a:r>
+              <a:rPr lang="de-DE" dirty="0" err="1"/>
+              <a:t>Lessons</a:t>
+            </a:r>
             <a:r>
               <a:rPr lang="de-DE" dirty="0"/>
-              <a:t>Schutz gegen CSRF - </a:t>
-            </a:r>
-            <a:r>
-              <a:rPr lang="de-DE" sz="3200" dirty="0">
-                <a:solidFill>
-                  <a:srgbClr val="242424"/>
-                </a:solidFill>
-              </a:rPr>
-              <a:t>Cross-Site Request </a:t>
-            </a:r>
-            <a:r>
-              <a:rPr lang="de-DE" sz="3200" dirty="0" err="1">
-                <a:solidFill>
-                  <a:srgbClr val="242424"/>
-                </a:solidFill>
-              </a:rPr>
-              <a:t>Forgery</a:t>
-            </a:r>
-            <a:endParaRPr lang="de-AT" dirty="0"/>
+              <a:t> </a:t>
+            </a:r>
+            <a:r>
+              <a:rPr lang="de-DE" dirty="0" err="1"/>
+              <a:t>learned</a:t>
+            </a:r>
+            <a:r>
+              <a:rPr lang="de-DE" dirty="0"/>
+              <a:t>/Status</a:t>
+            </a:r>
           </a:p>
         </p:txBody>
       </p:sp>
       <p:sp>
         <p:nvSpPr>
-          <p:cNvPr id="26" name="Foliennummernplatzhalter 3">
+          <p:cNvPr id="8" name="Inhaltsplatzhalter 7">
             <a:extLst>
               <a:ext uri="{FF2B5EF4-FFF2-40B4-BE49-F238E27FC236}">
-                <a16:creationId xmlns:a16="http://schemas.microsoft.com/office/drawing/2014/main" id="{A56622BC-17CF-F44B-3D63-6A39049B7004}"/>
+                <a16:creationId xmlns:a16="http://schemas.microsoft.com/office/drawing/2014/main" id="{5935AC4D-C17D-4827-B693-43A34920A5FD}"/>
+              </a:ext>
+            </a:extLst>
+          </p:cNvPr>
+          <p:cNvSpPr>
+            <a:spLocks noGrp="1"/>
+          </p:cNvSpPr>
+          <p:nvPr>
+            <p:ph idx="1"/>
+          </p:nvPr>
+        </p:nvSpPr>
+        <p:spPr>
+          <a:xfrm>
+            <a:off x="3362142" y="4100689"/>
+            <a:ext cx="2588705" cy="1749005"/>
+          </a:xfrm>
+        </p:spPr>
+        <p:txBody>
+          <a:bodyPr rtlCol="0"/>
+          <a:lstStyle/>
+          <a:p>
+            <a:pPr rtl="0"/>
+            <a:r>
+              <a:rPr lang="de-DE" sz="1800" dirty="0"/>
+              <a:t>Abgeschlossen</a:t>
+            </a:r>
+          </a:p>
+          <a:p>
+            <a:pPr rtl="0"/>
+            <a:endParaRPr lang="de-DE" sz="1800" dirty="0"/>
+          </a:p>
+        </p:txBody>
+      </p:sp>
+      <p:sp>
+        <p:nvSpPr>
+          <p:cNvPr id="9" name="Inhaltsplatzhalter 8">
+            <a:extLst>
+              <a:ext uri="{FF2B5EF4-FFF2-40B4-BE49-F238E27FC236}">
+                <a16:creationId xmlns:a16="http://schemas.microsoft.com/office/drawing/2014/main" id="{D66C6D21-6780-4D8A-9B6F-582E0BD2DC2E}"/>
+              </a:ext>
+            </a:extLst>
+          </p:cNvPr>
+          <p:cNvSpPr>
+            <a:spLocks noGrp="1"/>
+          </p:cNvSpPr>
+          <p:nvPr>
+            <p:ph idx="17"/>
+          </p:nvPr>
+        </p:nvSpPr>
+        <p:spPr/>
+        <p:txBody>
+          <a:bodyPr rtlCol="0"/>
+          <a:lstStyle/>
+          <a:p>
+            <a:r>
+              <a:rPr lang="de-DE" sz="1800" dirty="0"/>
+              <a:t>Status</a:t>
+            </a:r>
+          </a:p>
+        </p:txBody>
+      </p:sp>
+      <p:sp>
+        <p:nvSpPr>
+          <p:cNvPr id="10" name="Inhaltsplatzhalter 9">
+            <a:extLst>
+              <a:ext uri="{FF2B5EF4-FFF2-40B4-BE49-F238E27FC236}">
+                <a16:creationId xmlns:a16="http://schemas.microsoft.com/office/drawing/2014/main" id="{CCF1405A-05DA-4553-A7B3-B9592963C6B1}"/>
+              </a:ext>
+            </a:extLst>
+          </p:cNvPr>
+          <p:cNvSpPr>
+            <a:spLocks noGrp="1"/>
+          </p:cNvSpPr>
+          <p:nvPr>
+            <p:ph idx="18"/>
+          </p:nvPr>
+        </p:nvSpPr>
+        <p:spPr>
+          <a:xfrm>
+            <a:off x="6215541" y="4100689"/>
+            <a:ext cx="2588705" cy="1749005"/>
+          </a:xfrm>
+        </p:spPr>
+        <p:txBody>
+          <a:bodyPr rtlCol="0"/>
+          <a:lstStyle/>
+          <a:p>
+            <a:pPr rtl="0"/>
+            <a:r>
+              <a:rPr lang="de-DE" sz="1800" dirty="0" err="1"/>
+              <a:t>WebApp</a:t>
+            </a:r>
+            <a:endParaRPr lang="de-DE" sz="1800" dirty="0"/>
+          </a:p>
+          <a:p>
+            <a:pPr rtl="0"/>
+            <a:r>
+              <a:rPr lang="de-DE" sz="1800" dirty="0"/>
+              <a:t>PWA</a:t>
+            </a:r>
+          </a:p>
+          <a:p>
+            <a:pPr rtl="0"/>
+            <a:r>
+              <a:rPr lang="de-DE" sz="1800" dirty="0"/>
+              <a:t>Schutz gegen XSS und CSRF</a:t>
+            </a:r>
+          </a:p>
+          <a:p>
+            <a:pPr rtl="0"/>
+            <a:endParaRPr lang="de-DE" sz="1800" dirty="0"/>
+          </a:p>
+          <a:p>
+            <a:pPr rtl="0"/>
+            <a:endParaRPr lang="de-DE" sz="1800" dirty="0"/>
+          </a:p>
+          <a:p>
+            <a:pPr rtl="0"/>
+            <a:endParaRPr lang="de-DE" sz="1800" dirty="0"/>
+          </a:p>
+        </p:txBody>
+      </p:sp>
+      <p:sp>
+        <p:nvSpPr>
+          <p:cNvPr id="11" name="Inhaltsplatzhalter 10">
+            <a:extLst>
+              <a:ext uri="{FF2B5EF4-FFF2-40B4-BE49-F238E27FC236}">
+                <a16:creationId xmlns:a16="http://schemas.microsoft.com/office/drawing/2014/main" id="{90DE57B2-448D-4C8D-8B9C-FFDDFB0A9208}"/>
+              </a:ext>
+            </a:extLst>
+          </p:cNvPr>
+          <p:cNvSpPr>
+            <a:spLocks noGrp="1"/>
+          </p:cNvSpPr>
+          <p:nvPr>
+            <p:ph idx="19"/>
+          </p:nvPr>
+        </p:nvSpPr>
+        <p:spPr/>
+        <p:txBody>
+          <a:bodyPr rtlCol="0"/>
+          <a:lstStyle/>
+          <a:p>
+            <a:pPr rtl="0"/>
+            <a:r>
+              <a:rPr lang="de-DE" sz="1800" dirty="0"/>
+              <a:t>Angular</a:t>
+            </a:r>
+          </a:p>
+        </p:txBody>
+      </p:sp>
+      <p:sp>
+        <p:nvSpPr>
+          <p:cNvPr id="4" name="Foliennummernplatzhalter 3">
+            <a:extLst>
+              <a:ext uri="{FF2B5EF4-FFF2-40B4-BE49-F238E27FC236}">
+                <a16:creationId xmlns:a16="http://schemas.microsoft.com/office/drawing/2014/main" id="{37B240F2-D2D0-6509-E737-24BE3AA81974}"/>
               </a:ext>
             </a:extLst>
           </p:cNvPr>
@@ -22603,102 +20495,83 @@
                   <a:spcPts val="600"/>
                 </a:spcAft>
               </a:pPr>
-              <a:t>7</a:t>
+              <a:t>8</a:t>
             </a:fld>
             <a:r>
               <a:rPr lang="de-DE" dirty="0"/>
-              <a:t> von 11</a:t>
+              <a:t> von 10</a:t>
             </a:r>
           </a:p>
         </p:txBody>
       </p:sp>
-      <p:sp>
-        <p:nvSpPr>
-          <p:cNvPr id="7" name="Inhaltsplatzhalter 2">
+      <p:pic>
+        <p:nvPicPr>
+          <p:cNvPr id="5" name="Bildplatzhalter 28">
             <a:extLst>
               <a:ext uri="{FF2B5EF4-FFF2-40B4-BE49-F238E27FC236}">
-                <a16:creationId xmlns:a16="http://schemas.microsoft.com/office/drawing/2014/main" id="{21D04965-71B2-C808-FE94-C72AB0EF465D}"/>
+                <a16:creationId xmlns:a16="http://schemas.microsoft.com/office/drawing/2014/main" id="{F0ACF799-E303-BF09-1905-1AD859575B61}"/>
               </a:ext>
             </a:extLst>
           </p:cNvPr>
-          <p:cNvSpPr>
-            <a:spLocks noGrp="1"/>
-          </p:cNvSpPr>
-          <p:nvPr>
-            <p:ph idx="1"/>
-          </p:nvPr>
-        </p:nvSpPr>
+          <p:cNvPicPr>
+            <a:picLocks noChangeAspect="1"/>
+          </p:cNvPicPr>
+          <p:nvPr/>
+        </p:nvPicPr>
+        <p:blipFill>
+          <a:blip r:embed="rId3">
+            <a:extLst>
+              <a:ext uri="{96DAC541-7B7A-43D3-8B79-37D633B846F1}">
+                <asvg:svgBlip xmlns:asvg="http://schemas.microsoft.com/office/drawing/2016/SVG/main" r:embed="rId4"/>
+              </a:ext>
+            </a:extLst>
+          </a:blip>
+          <a:srcRect/>
+          <a:stretch/>
+        </p:blipFill>
         <p:spPr>
           <a:xfrm>
-            <a:off x="538960" y="1825625"/>
-            <a:ext cx="10156133" cy="4351338"/>
+            <a:off x="7039910" y="2163840"/>
+            <a:ext cx="939966" cy="939966"/>
           </a:xfrm>
+          <a:prstGeom prst="rect">
+            <a:avLst/>
+          </a:prstGeom>
         </p:spPr>
-        <p:txBody>
-          <a:bodyPr rtlCol="0" anchor="ctr"/>
-          <a:lstStyle/>
-          <a:p>
-            <a:pPr marL="342900" indent="-342900" algn="l" fontAlgn="base">
-              <a:buFont typeface="Arial" panose="020B0604020202020204" pitchFamily="34" charset="0"/>
-              <a:buChar char="•"/>
-            </a:pPr>
-            <a:r>
-              <a:rPr lang="de-DE" sz="2400" dirty="0">
-                <a:solidFill>
-                  <a:srgbClr val="242424"/>
-                </a:solidFill>
-              </a:rPr>
-              <a:t>Was ist CSRF?</a:t>
-            </a:r>
-          </a:p>
-          <a:p>
-            <a:pPr marL="342900" indent="-342900" algn="l" fontAlgn="base">
-              <a:buFont typeface="Arial" panose="020B0604020202020204" pitchFamily="34" charset="0"/>
-              <a:buChar char="•"/>
-            </a:pPr>
-            <a:r>
-              <a:rPr lang="de-DE" sz="2400" dirty="0">
-                <a:solidFill>
-                  <a:srgbClr val="242424"/>
-                </a:solidFill>
-              </a:rPr>
-              <a:t>Wie funktioniert es?</a:t>
-            </a:r>
-          </a:p>
-          <a:p>
-            <a:pPr marL="342900" indent="-342900" algn="l" fontAlgn="base">
-              <a:buFont typeface="Arial" panose="020B0604020202020204" pitchFamily="34" charset="0"/>
-              <a:buChar char="•"/>
-            </a:pPr>
-            <a:r>
-              <a:rPr lang="de-DE" sz="2400" dirty="0">
-                <a:solidFill>
-                  <a:srgbClr val="242424"/>
-                </a:solidFill>
-              </a:rPr>
-              <a:t>Risiken für PWAs in Angular</a:t>
-            </a:r>
-          </a:p>
-          <a:p>
-            <a:pPr marL="342900" indent="-342900" algn="l" fontAlgn="base">
-              <a:buFont typeface="Arial" panose="020B0604020202020204" pitchFamily="34" charset="0"/>
-              <a:buChar char="•"/>
-            </a:pPr>
-            <a:r>
-              <a:rPr lang="de-DE" sz="2400" dirty="0">
-                <a:solidFill>
-                  <a:srgbClr val="242424"/>
-                </a:solidFill>
-              </a:rPr>
-              <a:t>Schutzmaßnahmen</a:t>
-            </a:r>
-          </a:p>
-        </p:txBody>
-      </p:sp>
+      </p:pic>
+      <p:pic>
+        <p:nvPicPr>
+          <p:cNvPr id="6" name="Bildplatzhalter 28">
+            <a:extLst>
+              <a:ext uri="{FF2B5EF4-FFF2-40B4-BE49-F238E27FC236}">
+                <a16:creationId xmlns:a16="http://schemas.microsoft.com/office/drawing/2014/main" id="{D7E755BB-9985-623D-ADB9-14BC266D57EC}"/>
+              </a:ext>
+            </a:extLst>
+          </p:cNvPr>
+          <p:cNvPicPr>
+            <a:picLocks noChangeAspect="1"/>
+          </p:cNvPicPr>
+          <p:nvPr/>
+        </p:nvPicPr>
+        <p:blipFill>
+          <a:blip r:embed="rId5"/>
+          <a:srcRect/>
+          <a:stretch/>
+        </p:blipFill>
+        <p:spPr>
+          <a:xfrm>
+            <a:off x="4220253" y="2197582"/>
+            <a:ext cx="872482" cy="872482"/>
+          </a:xfrm>
+          <a:prstGeom prst="rect">
+            <a:avLst/>
+          </a:prstGeom>
+        </p:spPr>
+      </p:pic>
     </p:spTree>
     <p:extLst>
       <p:ext uri="{BB962C8B-B14F-4D97-AF65-F5344CB8AC3E}">
-        <p14:creationId xmlns:p14="http://schemas.microsoft.com/office/powerpoint/2010/main" val="3364571927"/>
+        <p14:creationId xmlns:p14="http://schemas.microsoft.com/office/powerpoint/2010/main" val="435634487"/>
       </p:ext>
     </p:extLst>
   </p:cSld>
@@ -22720,7 +20593,7 @@
 </p:sld>
 </file>
 
-<file path=ppt/slides/slide8.xml><?xml version="1.0" encoding="utf-8"?>
+<file path=ppt/slides/slide9.xml><?xml version="1.0" encoding="utf-8"?>
 <p:sld xmlns:a="http://schemas.openxmlformats.org/drawingml/2006/main" xmlns:r="http://schemas.openxmlformats.org/officeDocument/2006/relationships" xmlns:p="http://schemas.openxmlformats.org/presentationml/2006/main">
   <p:cSld>
     <p:spTree>
@@ -22737,380 +20610,235 @@
           <a:chExt cx="0" cy="0"/>
         </a:xfrm>
       </p:grpSpPr>
-      <p:grpSp>
-        <p:nvGrpSpPr>
-          <p:cNvPr id="9" name="Gruppieren 8">
+      <p:sp>
+        <p:nvSpPr>
+          <p:cNvPr id="2" name="Titel 1">
             <a:extLst>
               <a:ext uri="{FF2B5EF4-FFF2-40B4-BE49-F238E27FC236}">
-                <a16:creationId xmlns:a16="http://schemas.microsoft.com/office/drawing/2014/main" id="{6EFDA7F3-F3AC-22A7-4D4E-D06C34303928}"/>
+                <a16:creationId xmlns:a16="http://schemas.microsoft.com/office/drawing/2014/main" id="{8FBFCA16-8D78-4A87-9023-708458E3A4F3}"/>
               </a:ext>
             </a:extLst>
           </p:cNvPr>
-          <p:cNvGrpSpPr/>
+          <p:cNvSpPr>
+            <a:spLocks noGrp="1"/>
+          </p:cNvSpPr>
+          <p:nvPr>
+            <p:ph type="title"/>
+          </p:nvPr>
+        </p:nvSpPr>
+        <p:spPr/>
+        <p:txBody>
+          <a:bodyPr rtlCol="0"/>
+          <a:lstStyle/>
+          <a:p>
+            <a:pPr rtl="0"/>
+            <a:r>
+              <a:rPr lang="de-DE" dirty="0"/>
+              <a:t>Ideen für die Zukunft</a:t>
+            </a:r>
+          </a:p>
+        </p:txBody>
+      </p:sp>
+      <p:sp>
+        <p:nvSpPr>
+          <p:cNvPr id="8" name="Inhaltsplatzhalter 7">
+            <a:extLst>
+              <a:ext uri="{FF2B5EF4-FFF2-40B4-BE49-F238E27FC236}">
+                <a16:creationId xmlns:a16="http://schemas.microsoft.com/office/drawing/2014/main" id="{5935AC4D-C17D-4827-B693-43A34920A5FD}"/>
+              </a:ext>
+            </a:extLst>
+          </p:cNvPr>
+          <p:cNvSpPr>
+            <a:spLocks noGrp="1"/>
+          </p:cNvSpPr>
+          <p:nvPr>
+            <p:ph idx="1"/>
+          </p:nvPr>
+        </p:nvSpPr>
+        <p:spPr>
+          <a:xfrm>
+            <a:off x="3362142" y="4141890"/>
+            <a:ext cx="2588705" cy="1749005"/>
+          </a:xfrm>
+        </p:spPr>
+        <p:txBody>
+          <a:bodyPr rtlCol="0"/>
+          <a:lstStyle/>
+          <a:p>
+            <a:pPr rtl="0"/>
+            <a:r>
+              <a:rPr lang="de-DE" sz="1800" dirty="0"/>
+              <a:t>Penetration </a:t>
+            </a:r>
+            <a:r>
+              <a:rPr lang="de-DE" sz="1800" dirty="0" err="1"/>
+              <a:t>Testing</a:t>
+            </a:r>
+            <a:endParaRPr lang="de-DE" sz="1800" dirty="0"/>
+          </a:p>
+          <a:p>
+            <a:pPr rtl="0"/>
+            <a:r>
+              <a:rPr lang="de-DE" sz="1800" dirty="0"/>
+              <a:t>Usertests</a:t>
+            </a:r>
+          </a:p>
+        </p:txBody>
+      </p:sp>
+      <p:sp>
+        <p:nvSpPr>
+          <p:cNvPr id="9" name="Inhaltsplatzhalter 8">
+            <a:extLst>
+              <a:ext uri="{FF2B5EF4-FFF2-40B4-BE49-F238E27FC236}">
+                <a16:creationId xmlns:a16="http://schemas.microsoft.com/office/drawing/2014/main" id="{D66C6D21-6780-4D8A-9B6F-582E0BD2DC2E}"/>
+              </a:ext>
+            </a:extLst>
+          </p:cNvPr>
+          <p:cNvSpPr>
+            <a:spLocks noGrp="1"/>
+          </p:cNvSpPr>
+          <p:nvPr>
+            <p:ph idx="17"/>
+          </p:nvPr>
+        </p:nvSpPr>
+        <p:spPr/>
+        <p:txBody>
+          <a:bodyPr rtlCol="0"/>
+          <a:lstStyle/>
+          <a:p>
+            <a:r>
+              <a:rPr lang="de-DE" sz="1800" dirty="0"/>
+              <a:t>Weitere Tests</a:t>
+            </a:r>
+          </a:p>
+        </p:txBody>
+      </p:sp>
+      <p:sp>
+        <p:nvSpPr>
+          <p:cNvPr id="10" name="Inhaltsplatzhalter 9">
+            <a:extLst>
+              <a:ext uri="{FF2B5EF4-FFF2-40B4-BE49-F238E27FC236}">
+                <a16:creationId xmlns:a16="http://schemas.microsoft.com/office/drawing/2014/main" id="{CCF1405A-05DA-4553-A7B3-B9592963C6B1}"/>
+              </a:ext>
+            </a:extLst>
+          </p:cNvPr>
+          <p:cNvSpPr>
+            <a:spLocks noGrp="1"/>
+          </p:cNvSpPr>
+          <p:nvPr>
+            <p:ph idx="18"/>
+          </p:nvPr>
+        </p:nvSpPr>
+        <p:spPr>
+          <a:xfrm>
+            <a:off x="6215541" y="4141890"/>
+            <a:ext cx="2588705" cy="1749005"/>
+          </a:xfrm>
+        </p:spPr>
+        <p:txBody>
+          <a:bodyPr rtlCol="0"/>
+          <a:lstStyle/>
+          <a:p>
+            <a:r>
+              <a:rPr lang="de-DE" sz="1800" dirty="0"/>
+              <a:t>im Bezug auf XSS und CSRF ausbauen und verbessern</a:t>
+            </a:r>
+          </a:p>
+        </p:txBody>
+      </p:sp>
+      <p:sp>
+        <p:nvSpPr>
+          <p:cNvPr id="11" name="Inhaltsplatzhalter 10">
+            <a:extLst>
+              <a:ext uri="{FF2B5EF4-FFF2-40B4-BE49-F238E27FC236}">
+                <a16:creationId xmlns:a16="http://schemas.microsoft.com/office/drawing/2014/main" id="{90DE57B2-448D-4C8D-8B9C-FFDDFB0A9208}"/>
+              </a:ext>
+            </a:extLst>
+          </p:cNvPr>
+          <p:cNvSpPr>
+            <a:spLocks noGrp="1"/>
+          </p:cNvSpPr>
+          <p:nvPr>
+            <p:ph idx="19"/>
+          </p:nvPr>
+        </p:nvSpPr>
+        <p:spPr/>
+        <p:txBody>
+          <a:bodyPr rtlCol="0"/>
+          <a:lstStyle/>
+          <a:p>
+            <a:pPr rtl="0"/>
+            <a:r>
+              <a:rPr lang="de-DE" sz="1800" dirty="0"/>
+              <a:t>Datenschutz und Sicherheit</a:t>
+            </a:r>
+          </a:p>
+        </p:txBody>
+      </p:sp>
+      <p:pic>
+        <p:nvPicPr>
+          <p:cNvPr id="20" name="Bildplatzhalter 28">
+            <a:extLst>
+              <a:ext uri="{FF2B5EF4-FFF2-40B4-BE49-F238E27FC236}">
+                <a16:creationId xmlns:a16="http://schemas.microsoft.com/office/drawing/2014/main" id="{0832957C-F566-6CB8-471E-C9B682BACB20}"/>
+              </a:ext>
+            </a:extLst>
+          </p:cNvPr>
+          <p:cNvPicPr>
+            <a:picLocks noChangeAspect="1"/>
+          </p:cNvPicPr>
           <p:nvPr/>
-        </p:nvGrpSpPr>
-        <p:grpSpPr>
-          <a:xfrm rot="7186914">
-            <a:off x="5985834" y="-2494843"/>
-            <a:ext cx="7021130" cy="8126217"/>
-            <a:chOff x="11114088" y="2241550"/>
-            <a:chExt cx="1905000" cy="2354263"/>
+        </p:nvPicPr>
+        <p:blipFill>
+          <a:blip r:embed="rId3"/>
+          <a:srcRect/>
+          <a:stretch/>
+        </p:blipFill>
+        <p:spPr>
+          <a:xfrm>
+            <a:off x="4186511" y="2184440"/>
+            <a:ext cx="939966" cy="939966"/>
           </a:xfrm>
-          <a:solidFill>
-            <a:schemeClr val="bg2">
-              <a:alpha val="91000"/>
-            </a:schemeClr>
-          </a:solidFill>
-        </p:grpSpPr>
-        <p:sp>
-          <p:nvSpPr>
-            <p:cNvPr id="10" name="Freihandform 5">
-              <a:extLst>
-                <a:ext uri="{FF2B5EF4-FFF2-40B4-BE49-F238E27FC236}">
-                  <a16:creationId xmlns:a16="http://schemas.microsoft.com/office/drawing/2014/main" id="{1BC5467B-7E1C-01EB-B971-D89A6314D70B}"/>
-                </a:ext>
-              </a:extLst>
-            </p:cNvPr>
-            <p:cNvSpPr>
-              <a:spLocks/>
-            </p:cNvSpPr>
-            <p:nvPr/>
-          </p:nvSpPr>
-          <p:spPr bwMode="auto">
-            <a:xfrm>
-              <a:off x="11114088" y="2241550"/>
-              <a:ext cx="1905000" cy="2354263"/>
-            </a:xfrm>
-            <a:custGeom>
-              <a:avLst/>
-              <a:gdLst>
-                <a:gd name="T0" fmla="*/ 0 w 447"/>
-                <a:gd name="T1" fmla="*/ 264 h 553"/>
-                <a:gd name="T2" fmla="*/ 141 w 447"/>
-                <a:gd name="T3" fmla="*/ 48 h 553"/>
-                <a:gd name="T4" fmla="*/ 414 w 447"/>
-                <a:gd name="T5" fmla="*/ 67 h 553"/>
-                <a:gd name="T6" fmla="*/ 438 w 447"/>
-                <a:gd name="T7" fmla="*/ 98 h 553"/>
-                <a:gd name="T8" fmla="*/ 391 w 447"/>
-                <a:gd name="T9" fmla="*/ 111 h 553"/>
-                <a:gd name="T10" fmla="*/ 94 w 447"/>
-                <a:gd name="T11" fmla="*/ 149 h 553"/>
-                <a:gd name="T12" fmla="*/ 107 w 447"/>
-                <a:gd name="T13" fmla="*/ 424 h 553"/>
-                <a:gd name="T14" fmla="*/ 383 w 447"/>
-                <a:gd name="T15" fmla="*/ 453 h 553"/>
-                <a:gd name="T16" fmla="*/ 393 w 447"/>
-                <a:gd name="T17" fmla="*/ 446 h 553"/>
-                <a:gd name="T18" fmla="*/ 433 w 447"/>
-                <a:gd name="T19" fmla="*/ 449 h 553"/>
-                <a:gd name="T20" fmla="*/ 421 w 447"/>
-                <a:gd name="T21" fmla="*/ 485 h 553"/>
-                <a:gd name="T22" fmla="*/ 194 w 447"/>
-                <a:gd name="T23" fmla="*/ 531 h 553"/>
-                <a:gd name="T24" fmla="*/ 0 w 447"/>
-                <a:gd name="T25" fmla="*/ 264 h 553"/>
-              </a:gdLst>
-              <a:ahLst/>
-              <a:cxnLst>
-                <a:cxn ang="0">
-                  <a:pos x="T0" y="T1"/>
-                </a:cxn>
-                <a:cxn ang="0">
-                  <a:pos x="T2" y="T3"/>
-                </a:cxn>
-                <a:cxn ang="0">
-                  <a:pos x="T4" y="T5"/>
-                </a:cxn>
-                <a:cxn ang="0">
-                  <a:pos x="T6" y="T7"/>
-                </a:cxn>
-                <a:cxn ang="0">
-                  <a:pos x="T8" y="T9"/>
-                </a:cxn>
-                <a:cxn ang="0">
-                  <a:pos x="T10" y="T11"/>
-                </a:cxn>
-                <a:cxn ang="0">
-                  <a:pos x="T12" y="T13"/>
-                </a:cxn>
-                <a:cxn ang="0">
-                  <a:pos x="T14" y="T15"/>
-                </a:cxn>
-                <a:cxn ang="0">
-                  <a:pos x="T16" y="T17"/>
-                </a:cxn>
-                <a:cxn ang="0">
-                  <a:pos x="T18" y="T19"/>
-                </a:cxn>
-                <a:cxn ang="0">
-                  <a:pos x="T20" y="T21"/>
-                </a:cxn>
-                <a:cxn ang="0">
-                  <a:pos x="T22" y="T23"/>
-                </a:cxn>
-                <a:cxn ang="0">
-                  <a:pos x="T24" y="T25"/>
-                </a:cxn>
-              </a:cxnLst>
-              <a:rect l="0" t="0" r="r" b="b"/>
-              <a:pathLst>
-                <a:path w="447" h="553">
-                  <a:moveTo>
-                    <a:pt x="0" y="264"/>
-                  </a:moveTo>
-                  <a:cubicBezTo>
-                    <a:pt x="5" y="176"/>
-                    <a:pt x="49" y="96"/>
-                    <a:pt x="141" y="48"/>
-                  </a:cubicBezTo>
-                  <a:cubicBezTo>
-                    <a:pt x="235" y="0"/>
-                    <a:pt x="327" y="9"/>
-                    <a:pt x="414" y="67"/>
-                  </a:cubicBezTo>
-                  <a:cubicBezTo>
-                    <a:pt x="425" y="75"/>
-                    <a:pt x="439" y="82"/>
-                    <a:pt x="438" y="98"/>
-                  </a:cubicBezTo>
-                  <a:cubicBezTo>
-                    <a:pt x="437" y="120"/>
-                    <a:pt x="413" y="127"/>
-                    <a:pt x="391" y="111"/>
-                  </a:cubicBezTo>
-                  <a:cubicBezTo>
-                    <a:pt x="294" y="40"/>
-                    <a:pt x="166" y="56"/>
-                    <a:pt x="94" y="149"/>
-                  </a:cubicBezTo>
-                  <a:cubicBezTo>
-                    <a:pt x="30" y="231"/>
-                    <a:pt x="36" y="349"/>
-                    <a:pt x="107" y="424"/>
-                  </a:cubicBezTo>
-                  <a:cubicBezTo>
-                    <a:pt x="180" y="502"/>
-                    <a:pt x="296" y="514"/>
-                    <a:pt x="383" y="453"/>
-                  </a:cubicBezTo>
-                  <a:cubicBezTo>
-                    <a:pt x="386" y="451"/>
-                    <a:pt x="390" y="449"/>
-                    <a:pt x="393" y="446"/>
-                  </a:cubicBezTo>
-                  <a:cubicBezTo>
-                    <a:pt x="407" y="433"/>
-                    <a:pt x="420" y="433"/>
-                    <a:pt x="433" y="449"/>
-                  </a:cubicBezTo>
-                  <a:cubicBezTo>
-                    <a:pt x="447" y="467"/>
-                    <a:pt x="433" y="477"/>
-                    <a:pt x="421" y="485"/>
-                  </a:cubicBezTo>
-                  <a:cubicBezTo>
-                    <a:pt x="353" y="537"/>
-                    <a:pt x="277" y="553"/>
-                    <a:pt x="194" y="531"/>
-                  </a:cubicBezTo>
-                  <a:cubicBezTo>
-                    <a:pt x="79" y="501"/>
-                    <a:pt x="1" y="397"/>
-                    <a:pt x="0" y="264"/>
-                  </a:cubicBezTo>
-                  <a:close/>
-                </a:path>
-              </a:pathLst>
-            </a:custGeom>
-            <a:grpFill/>
-            <a:ln>
-              <a:noFill/>
-            </a:ln>
-            <a:extLst>
-              <a:ext uri="{91240B29-F687-4F45-9708-019B960494DF}">
-                <a14:hiddenLine xmlns:a14="http://schemas.microsoft.com/office/drawing/2010/main" w="9525">
-                  <a:solidFill>
-                    <a:srgbClr val="000000"/>
-                  </a:solidFill>
-                  <a:round/>
-                  <a:headEnd/>
-                  <a:tailEnd/>
-                </a14:hiddenLine>
-              </a:ext>
-            </a:extLst>
-          </p:spPr>
-          <p:txBody>
-            <a:bodyPr vert="horz" wrap="square" lIns="91440" tIns="45720" rIns="91440" bIns="45720" numCol="1" rtlCol="0" anchor="t" anchorCtr="0" compatLnSpc="1">
-              <a:prstTxWarp prst="textNoShape">
-                <a:avLst/>
-              </a:prstTxWarp>
-            </a:bodyPr>
-            <a:lstStyle/>
-            <a:p>
-              <a:pPr rtl="0"/>
-              <a:endParaRPr lang="de-DE" noProof="0" dirty="0"/>
-            </a:p>
-          </p:txBody>
-        </p:sp>
-        <p:sp>
-          <p:nvSpPr>
-            <p:cNvPr id="11" name="Freihandform 6">
-              <a:extLst>
-                <a:ext uri="{FF2B5EF4-FFF2-40B4-BE49-F238E27FC236}">
-                  <a16:creationId xmlns:a16="http://schemas.microsoft.com/office/drawing/2014/main" id="{978F6B91-B151-0A73-1E02-441777CC537C}"/>
-                </a:ext>
-              </a:extLst>
-            </p:cNvPr>
-            <p:cNvSpPr>
-              <a:spLocks/>
-            </p:cNvSpPr>
-            <p:nvPr/>
-          </p:nvSpPr>
-          <p:spPr bwMode="auto">
-            <a:xfrm>
-              <a:off x="11412538" y="2590800"/>
-              <a:ext cx="835025" cy="1673225"/>
-            </a:xfrm>
-            <a:custGeom>
-              <a:avLst/>
-              <a:gdLst>
-                <a:gd name="T0" fmla="*/ 0 w 196"/>
-                <a:gd name="T1" fmla="*/ 198 h 393"/>
-                <a:gd name="T2" fmla="*/ 157 w 196"/>
-                <a:gd name="T3" fmla="*/ 8 h 393"/>
-                <a:gd name="T4" fmla="*/ 192 w 196"/>
-                <a:gd name="T5" fmla="*/ 22 h 393"/>
-                <a:gd name="T6" fmla="*/ 167 w 196"/>
-                <a:gd name="T7" fmla="*/ 56 h 393"/>
-                <a:gd name="T8" fmla="*/ 48 w 196"/>
-                <a:gd name="T9" fmla="*/ 198 h 393"/>
-                <a:gd name="T10" fmla="*/ 170 w 196"/>
-                <a:gd name="T11" fmla="*/ 339 h 393"/>
-                <a:gd name="T12" fmla="*/ 193 w 196"/>
-                <a:gd name="T13" fmla="*/ 372 h 393"/>
-                <a:gd name="T14" fmla="*/ 160 w 196"/>
-                <a:gd name="T15" fmla="*/ 387 h 393"/>
-                <a:gd name="T16" fmla="*/ 0 w 196"/>
-                <a:gd name="T17" fmla="*/ 198 h 393"/>
-              </a:gdLst>
-              <a:ahLst/>
-              <a:cxnLst>
-                <a:cxn ang="0">
-                  <a:pos x="T0" y="T1"/>
-                </a:cxn>
-                <a:cxn ang="0">
-                  <a:pos x="T2" y="T3"/>
-                </a:cxn>
-                <a:cxn ang="0">
-                  <a:pos x="T4" y="T5"/>
-                </a:cxn>
-                <a:cxn ang="0">
-                  <a:pos x="T6" y="T7"/>
-                </a:cxn>
-                <a:cxn ang="0">
-                  <a:pos x="T8" y="T9"/>
-                </a:cxn>
-                <a:cxn ang="0">
-                  <a:pos x="T10" y="T11"/>
-                </a:cxn>
-                <a:cxn ang="0">
-                  <a:pos x="T12" y="T13"/>
-                </a:cxn>
-                <a:cxn ang="0">
-                  <a:pos x="T14" y="T15"/>
-                </a:cxn>
-                <a:cxn ang="0">
-                  <a:pos x="T16" y="T17"/>
-                </a:cxn>
-              </a:cxnLst>
-              <a:rect l="0" t="0" r="r" b="b"/>
-              <a:pathLst>
-                <a:path w="196" h="393">
-                  <a:moveTo>
-                    <a:pt x="0" y="198"/>
-                  </a:moveTo>
-                  <a:cubicBezTo>
-                    <a:pt x="0" y="103"/>
-                    <a:pt x="64" y="26"/>
-                    <a:pt x="157" y="8"/>
-                  </a:cubicBezTo>
-                  <a:cubicBezTo>
-                    <a:pt x="171" y="6"/>
-                    <a:pt x="188" y="0"/>
-                    <a:pt x="192" y="22"/>
-                  </a:cubicBezTo>
-                  <a:cubicBezTo>
-                    <a:pt x="196" y="41"/>
-                    <a:pt x="190" y="52"/>
-                    <a:pt x="167" y="56"/>
-                  </a:cubicBezTo>
-                  <a:cubicBezTo>
-                    <a:pt x="95" y="70"/>
-                    <a:pt x="47" y="129"/>
-                    <a:pt x="48" y="198"/>
-                  </a:cubicBezTo>
-                  <a:cubicBezTo>
-                    <a:pt x="48" y="267"/>
-                    <a:pt x="97" y="325"/>
-                    <a:pt x="170" y="339"/>
-                  </a:cubicBezTo>
-                  <a:cubicBezTo>
-                    <a:pt x="191" y="343"/>
-                    <a:pt x="195" y="354"/>
-                    <a:pt x="193" y="372"/>
-                  </a:cubicBezTo>
-                  <a:cubicBezTo>
-                    <a:pt x="190" y="393"/>
-                    <a:pt x="174" y="389"/>
-                    <a:pt x="160" y="387"/>
-                  </a:cubicBezTo>
-                  <a:cubicBezTo>
-                    <a:pt x="70" y="375"/>
-                    <a:pt x="0" y="293"/>
-                    <a:pt x="0" y="198"/>
-                  </a:cubicBezTo>
-                  <a:close/>
-                </a:path>
-              </a:pathLst>
-            </a:custGeom>
-            <a:grpFill/>
-            <a:ln>
-              <a:noFill/>
-            </a:ln>
-            <a:extLst>
-              <a:ext uri="{91240B29-F687-4F45-9708-019B960494DF}">
-                <a14:hiddenLine xmlns:a14="http://schemas.microsoft.com/office/drawing/2010/main" w="9525">
-                  <a:solidFill>
-                    <a:srgbClr val="000000"/>
-                  </a:solidFill>
-                  <a:round/>
-                  <a:headEnd/>
-                  <a:tailEnd/>
-                </a14:hiddenLine>
-              </a:ext>
-            </a:extLst>
-          </p:spPr>
-          <p:txBody>
-            <a:bodyPr vert="horz" wrap="square" lIns="91440" tIns="45720" rIns="91440" bIns="45720" numCol="1" rtlCol="0" anchor="t" anchorCtr="0" compatLnSpc="1">
-              <a:prstTxWarp prst="textNoShape">
-                <a:avLst/>
-              </a:prstTxWarp>
-            </a:bodyPr>
-            <a:lstStyle/>
-            <a:p>
-              <a:pPr rtl="0"/>
-              <a:endParaRPr lang="de-DE" noProof="0" dirty="0"/>
-            </a:p>
-          </p:txBody>
-        </p:sp>
-      </p:grpSp>
-      <p:sp>
-        <p:nvSpPr>
-          <p:cNvPr id="5" name="Foliennummernplatzhalter 3">
+          <a:prstGeom prst="rect">
+            <a:avLst/>
+          </a:prstGeom>
+        </p:spPr>
+      </p:pic>
+      <p:pic>
+        <p:nvPicPr>
+          <p:cNvPr id="22" name="Bildplatzhalter 28">
             <a:extLst>
               <a:ext uri="{FF2B5EF4-FFF2-40B4-BE49-F238E27FC236}">
-                <a16:creationId xmlns:a16="http://schemas.microsoft.com/office/drawing/2014/main" id="{4F255404-DC2D-EF16-6695-2740403CF5CC}"/>
+                <a16:creationId xmlns:a16="http://schemas.microsoft.com/office/drawing/2014/main" id="{808C87E8-61DF-FDCB-2BB2-65215E433EB2}"/>
+              </a:ext>
+            </a:extLst>
+          </p:cNvPr>
+          <p:cNvPicPr>
+            <a:picLocks noChangeAspect="1"/>
+          </p:cNvPicPr>
+          <p:nvPr/>
+        </p:nvPicPr>
+        <p:blipFill>
+          <a:blip r:embed="rId4"/>
+          <a:srcRect/>
+          <a:stretch/>
+        </p:blipFill>
+        <p:spPr>
+          <a:xfrm>
+            <a:off x="7039910" y="2184440"/>
+            <a:ext cx="939966" cy="939966"/>
+          </a:xfrm>
+          <a:prstGeom prst="rect">
+            <a:avLst/>
+          </a:prstGeom>
+        </p:spPr>
+      </p:pic>
+      <p:sp>
+        <p:nvSpPr>
+          <p:cNvPr id="4" name="Foliennummernplatzhalter 3">
+            <a:extLst>
+              <a:ext uri="{FF2B5EF4-FFF2-40B4-BE49-F238E27FC236}">
+                <a16:creationId xmlns:a16="http://schemas.microsoft.com/office/drawing/2014/main" id="{37B240F2-D2D0-6509-E737-24BE3AA81974}"/>
               </a:ext>
             </a:extLst>
           </p:cNvPr>
@@ -23240,620 +20968,19 @@
                   <a:spcPts val="600"/>
                 </a:spcAft>
               </a:pPr>
-              <a:t>8</a:t>
+              <a:t>9</a:t>
             </a:fld>
             <a:r>
               <a:rPr lang="de-DE" dirty="0"/>
-              <a:t> von 11</a:t>
+              <a:t> von 10</a:t>
             </a:r>
           </a:p>
         </p:txBody>
       </p:sp>
-      <p:sp>
-        <p:nvSpPr>
-          <p:cNvPr id="2" name="Titel 1">
-            <a:extLst>
-              <a:ext uri="{FF2B5EF4-FFF2-40B4-BE49-F238E27FC236}">
-                <a16:creationId xmlns:a16="http://schemas.microsoft.com/office/drawing/2014/main" id="{E2C50832-0B36-43C5-98EC-4CD165D78718}"/>
-              </a:ext>
-            </a:extLst>
-          </p:cNvPr>
-          <p:cNvSpPr>
-            <a:spLocks noGrp="1"/>
-          </p:cNvSpPr>
-          <p:nvPr>
-            <p:ph type="title"/>
-          </p:nvPr>
-        </p:nvSpPr>
-        <p:spPr/>
-        <p:txBody>
-          <a:bodyPr rtlCol="0"/>
-          <a:lstStyle/>
-          <a:p>
-            <a:pPr rtl="0"/>
-            <a:r>
-              <a:rPr lang="de-DE" dirty="0" err="1"/>
-              <a:t>EazyBooks</a:t>
-            </a:r>
-            <a:br>
-              <a:rPr lang="de-DE" dirty="0"/>
-            </a:br>
-            <a:endParaRPr lang="de-DE" dirty="0"/>
-          </a:p>
-        </p:txBody>
-      </p:sp>
-      <p:pic>
-        <p:nvPicPr>
-          <p:cNvPr id="6" name="Bildplatzhalter 9">
-            <a:hlinkClick r:id="rId3"/>
-            <a:extLst>
-              <a:ext uri="{FF2B5EF4-FFF2-40B4-BE49-F238E27FC236}">
-                <a16:creationId xmlns:a16="http://schemas.microsoft.com/office/drawing/2014/main" id="{DCC2B407-5B4E-AD88-1A8D-4154341CC945}"/>
-              </a:ext>
-            </a:extLst>
-          </p:cNvPr>
-          <p:cNvPicPr>
-            <a:picLocks noChangeAspect="1"/>
-          </p:cNvPicPr>
-          <p:nvPr/>
-        </p:nvPicPr>
-        <p:blipFill>
-          <a:blip r:embed="rId4"/>
-          <a:srcRect/>
-          <a:stretch/>
-        </p:blipFill>
-        <p:spPr>
-          <a:xfrm>
-            <a:off x="830287" y="1760151"/>
-            <a:ext cx="3612790" cy="3612790"/>
-          </a:xfrm>
-          <a:prstGeom prst="ellipse">
-            <a:avLst/>
-          </a:prstGeom>
-        </p:spPr>
-      </p:pic>
     </p:spTree>
     <p:extLst>
       <p:ext uri="{BB962C8B-B14F-4D97-AF65-F5344CB8AC3E}">
-        <p14:creationId xmlns:p14="http://schemas.microsoft.com/office/powerpoint/2010/main" val="1970303431"/>
-      </p:ext>
-    </p:extLst>
-  </p:cSld>
-  <p:clrMapOvr>
-    <a:masterClrMapping/>
-  </p:clrMapOvr>
-  <mc:AlternateContent xmlns:mc="http://schemas.openxmlformats.org/markup-compatibility/2006" xmlns:p159="http://schemas.microsoft.com/office/powerpoint/2015/09/main">
-    <mc:Choice Requires="p159">
-      <p:transition xmlns:p14="http://schemas.microsoft.com/office/powerpoint/2010/main" spd="slow" p14:dur="2000">
-        <p159:morph option="byObject"/>
-      </p:transition>
-    </mc:Choice>
-    <mc:Fallback xmlns="">
-      <p:transition spd="slow">
-        <p:fade/>
-      </p:transition>
-    </mc:Fallback>
-  </mc:AlternateContent>
-</p:sld>
-</file>
-
-<file path=ppt/slides/slide9.xml><?xml version="1.0" encoding="utf-8"?>
-<p:sld xmlns:a="http://schemas.openxmlformats.org/drawingml/2006/main" xmlns:r="http://schemas.openxmlformats.org/officeDocument/2006/relationships" xmlns:p="http://schemas.openxmlformats.org/presentationml/2006/main">
-  <p:cSld>
-    <p:spTree>
-      <p:nvGrpSpPr>
-        <p:cNvPr id="1" name=""/>
-        <p:cNvGrpSpPr/>
-        <p:nvPr/>
-      </p:nvGrpSpPr>
-      <p:grpSpPr>
-        <a:xfrm>
-          <a:off x="0" y="0"/>
-          <a:ext cx="0" cy="0"/>
-          <a:chOff x="0" y="0"/>
-          <a:chExt cx="0" cy="0"/>
-        </a:xfrm>
-      </p:grpSpPr>
-      <p:sp>
-        <p:nvSpPr>
-          <p:cNvPr id="2" name="Titel 1">
-            <a:extLst>
-              <a:ext uri="{FF2B5EF4-FFF2-40B4-BE49-F238E27FC236}">
-                <a16:creationId xmlns:a16="http://schemas.microsoft.com/office/drawing/2014/main" id="{8FBFCA16-8D78-4A87-9023-708458E3A4F3}"/>
-              </a:ext>
-            </a:extLst>
-          </p:cNvPr>
-          <p:cNvSpPr>
-            <a:spLocks noGrp="1"/>
-          </p:cNvSpPr>
-          <p:nvPr>
-            <p:ph type="title"/>
-          </p:nvPr>
-        </p:nvSpPr>
-        <p:spPr/>
-        <p:txBody>
-          <a:bodyPr rtlCol="0"/>
-          <a:lstStyle/>
-          <a:p>
-            <a:pPr rtl="0"/>
-            <a:r>
-              <a:rPr lang="de-DE" dirty="0" err="1"/>
-              <a:t>Lessons</a:t>
-            </a:r>
-            <a:r>
-              <a:rPr lang="de-DE" dirty="0"/>
-              <a:t> </a:t>
-            </a:r>
-            <a:r>
-              <a:rPr lang="de-DE" dirty="0" err="1"/>
-              <a:t>learned</a:t>
-            </a:r>
-            <a:r>
-              <a:rPr lang="de-DE" dirty="0"/>
-              <a:t>/Status</a:t>
-            </a:r>
-          </a:p>
-        </p:txBody>
-      </p:sp>
-      <p:sp>
-        <p:nvSpPr>
-          <p:cNvPr id="8" name="Inhaltsplatzhalter 7">
-            <a:extLst>
-              <a:ext uri="{FF2B5EF4-FFF2-40B4-BE49-F238E27FC236}">
-                <a16:creationId xmlns:a16="http://schemas.microsoft.com/office/drawing/2014/main" id="{5935AC4D-C17D-4827-B693-43A34920A5FD}"/>
-              </a:ext>
-            </a:extLst>
-          </p:cNvPr>
-          <p:cNvSpPr>
-            <a:spLocks noGrp="1"/>
-          </p:cNvSpPr>
-          <p:nvPr>
-            <p:ph idx="1"/>
-          </p:nvPr>
-        </p:nvSpPr>
-        <p:spPr/>
-        <p:txBody>
-          <a:bodyPr rtlCol="0"/>
-          <a:lstStyle/>
-          <a:p>
-            <a:pPr rtl="0"/>
-            <a:r>
-              <a:rPr lang="de-DE" sz="1800" dirty="0"/>
-              <a:t>Abgeschlossen</a:t>
-            </a:r>
-          </a:p>
-          <a:p>
-            <a:pPr rtl="0"/>
-            <a:endParaRPr lang="de-DE" sz="1800" dirty="0"/>
-          </a:p>
-        </p:txBody>
-      </p:sp>
-      <p:sp>
-        <p:nvSpPr>
-          <p:cNvPr id="9" name="Inhaltsplatzhalter 8">
-            <a:extLst>
-              <a:ext uri="{FF2B5EF4-FFF2-40B4-BE49-F238E27FC236}">
-                <a16:creationId xmlns:a16="http://schemas.microsoft.com/office/drawing/2014/main" id="{D66C6D21-6780-4D8A-9B6F-582E0BD2DC2E}"/>
-              </a:ext>
-            </a:extLst>
-          </p:cNvPr>
-          <p:cNvSpPr>
-            <a:spLocks noGrp="1"/>
-          </p:cNvSpPr>
-          <p:nvPr>
-            <p:ph idx="17"/>
-          </p:nvPr>
-        </p:nvSpPr>
-        <p:spPr/>
-        <p:txBody>
-          <a:bodyPr rtlCol="0"/>
-          <a:lstStyle/>
-          <a:p>
-            <a:r>
-              <a:rPr lang="de-DE" sz="1800" dirty="0"/>
-              <a:t>Status</a:t>
-            </a:r>
-          </a:p>
-        </p:txBody>
-      </p:sp>
-      <p:sp>
-        <p:nvSpPr>
-          <p:cNvPr id="10" name="Inhaltsplatzhalter 9">
-            <a:extLst>
-              <a:ext uri="{FF2B5EF4-FFF2-40B4-BE49-F238E27FC236}">
-                <a16:creationId xmlns:a16="http://schemas.microsoft.com/office/drawing/2014/main" id="{CCF1405A-05DA-4553-A7B3-B9592963C6B1}"/>
-              </a:ext>
-            </a:extLst>
-          </p:cNvPr>
-          <p:cNvSpPr>
-            <a:spLocks noGrp="1"/>
-          </p:cNvSpPr>
-          <p:nvPr>
-            <p:ph idx="18"/>
-          </p:nvPr>
-        </p:nvSpPr>
-        <p:spPr/>
-        <p:txBody>
-          <a:bodyPr rtlCol="0"/>
-          <a:lstStyle/>
-          <a:p>
-            <a:pPr rtl="0"/>
-            <a:r>
-              <a:rPr lang="de-DE" sz="1800" dirty="0" err="1"/>
-              <a:t>WebApp</a:t>
-            </a:r>
-            <a:endParaRPr lang="de-DE" sz="1800" dirty="0"/>
-          </a:p>
-          <a:p>
-            <a:pPr rtl="0"/>
-            <a:r>
-              <a:rPr lang="de-DE" sz="1800" dirty="0"/>
-              <a:t>PWA</a:t>
-            </a:r>
-          </a:p>
-          <a:p>
-            <a:pPr rtl="0"/>
-            <a:r>
-              <a:rPr lang="de-DE" sz="1800" dirty="0"/>
-              <a:t>Schutz gegen XSS und CSRF</a:t>
-            </a:r>
-          </a:p>
-          <a:p>
-            <a:pPr rtl="0"/>
-            <a:endParaRPr lang="de-DE" sz="1800" dirty="0"/>
-          </a:p>
-          <a:p>
-            <a:pPr rtl="0"/>
-            <a:endParaRPr lang="de-DE" sz="1800" dirty="0"/>
-          </a:p>
-          <a:p>
-            <a:pPr rtl="0"/>
-            <a:endParaRPr lang="de-DE" sz="1800" dirty="0"/>
-          </a:p>
-        </p:txBody>
-      </p:sp>
-      <p:sp>
-        <p:nvSpPr>
-          <p:cNvPr id="11" name="Inhaltsplatzhalter 10">
-            <a:extLst>
-              <a:ext uri="{FF2B5EF4-FFF2-40B4-BE49-F238E27FC236}">
-                <a16:creationId xmlns:a16="http://schemas.microsoft.com/office/drawing/2014/main" id="{90DE57B2-448D-4C8D-8B9C-FFDDFB0A9208}"/>
-              </a:ext>
-            </a:extLst>
-          </p:cNvPr>
-          <p:cNvSpPr>
-            <a:spLocks noGrp="1"/>
-          </p:cNvSpPr>
-          <p:nvPr>
-            <p:ph idx="19"/>
-          </p:nvPr>
-        </p:nvSpPr>
-        <p:spPr/>
-        <p:txBody>
-          <a:bodyPr rtlCol="0"/>
-          <a:lstStyle/>
-          <a:p>
-            <a:pPr rtl="0"/>
-            <a:r>
-              <a:rPr lang="de-DE" sz="1800" dirty="0"/>
-              <a:t>Angular</a:t>
-            </a:r>
-          </a:p>
-        </p:txBody>
-      </p:sp>
-      <p:sp>
-        <p:nvSpPr>
-          <p:cNvPr id="12" name="Inhaltsplatzhalter 11">
-            <a:extLst>
-              <a:ext uri="{FF2B5EF4-FFF2-40B4-BE49-F238E27FC236}">
-                <a16:creationId xmlns:a16="http://schemas.microsoft.com/office/drawing/2014/main" id="{780C3E07-3509-4911-AFF9-20EA8F12D0A4}"/>
-              </a:ext>
-            </a:extLst>
-          </p:cNvPr>
-          <p:cNvSpPr>
-            <a:spLocks noGrp="1"/>
-          </p:cNvSpPr>
-          <p:nvPr>
-            <p:ph idx="20"/>
-          </p:nvPr>
-        </p:nvSpPr>
-        <p:spPr/>
-        <p:txBody>
-          <a:bodyPr rtlCol="0"/>
-          <a:lstStyle/>
-          <a:p>
-            <a:pPr rtl="0"/>
-            <a:r>
-              <a:rPr lang="de-DE" sz="1800" dirty="0"/>
-              <a:t>Zeiteinteilung</a:t>
-            </a:r>
-          </a:p>
-          <a:p>
-            <a:pPr rtl="0"/>
-            <a:r>
-              <a:rPr lang="de-DE" sz="1800" dirty="0"/>
-              <a:t>Dokumentation</a:t>
-            </a:r>
-          </a:p>
-          <a:p>
-            <a:pPr rtl="0"/>
-            <a:r>
-              <a:rPr lang="de-DE" sz="1800" dirty="0"/>
-              <a:t>…</a:t>
-            </a:r>
-          </a:p>
-        </p:txBody>
-      </p:sp>
-      <p:sp>
-        <p:nvSpPr>
-          <p:cNvPr id="13" name="Inhaltsplatzhalter 12">
-            <a:extLst>
-              <a:ext uri="{FF2B5EF4-FFF2-40B4-BE49-F238E27FC236}">
-                <a16:creationId xmlns:a16="http://schemas.microsoft.com/office/drawing/2014/main" id="{FB9E2175-1C3C-4B3E-A872-A1B7E6D64D52}"/>
-              </a:ext>
-            </a:extLst>
-          </p:cNvPr>
-          <p:cNvSpPr>
-            <a:spLocks noGrp="1"/>
-          </p:cNvSpPr>
-          <p:nvPr>
-            <p:ph idx="21"/>
-          </p:nvPr>
-        </p:nvSpPr>
-        <p:spPr/>
-        <p:txBody>
-          <a:bodyPr rtlCol="0"/>
-          <a:lstStyle/>
-          <a:p>
-            <a:pPr rtl="0"/>
-            <a:r>
-              <a:rPr lang="de-DE" sz="1800" dirty="0"/>
-              <a:t>Organisation</a:t>
-            </a:r>
-          </a:p>
-        </p:txBody>
-      </p:sp>
-      <p:pic>
-        <p:nvPicPr>
-          <p:cNvPr id="24" name="Bildplatzhalter 28">
-            <a:extLst>
-              <a:ext uri="{FF2B5EF4-FFF2-40B4-BE49-F238E27FC236}">
-                <a16:creationId xmlns:a16="http://schemas.microsoft.com/office/drawing/2014/main" id="{73B5ADD5-9524-B8B2-A81C-7158C166450F}"/>
-              </a:ext>
-            </a:extLst>
-          </p:cNvPr>
-          <p:cNvPicPr>
-            <a:picLocks noChangeAspect="1"/>
-          </p:cNvPicPr>
-          <p:nvPr/>
-        </p:nvPicPr>
-        <p:blipFill>
-          <a:blip r:embed="rId3"/>
-          <a:srcRect/>
-          <a:stretch/>
-        </p:blipFill>
-        <p:spPr>
-          <a:xfrm>
-            <a:off x="8614051" y="2130098"/>
-            <a:ext cx="939966" cy="939966"/>
-          </a:xfrm>
-          <a:prstGeom prst="rect">
-            <a:avLst/>
-          </a:prstGeom>
-        </p:spPr>
-      </p:pic>
-      <p:sp>
-        <p:nvSpPr>
-          <p:cNvPr id="4" name="Foliennummernplatzhalter 3">
-            <a:extLst>
-              <a:ext uri="{FF2B5EF4-FFF2-40B4-BE49-F238E27FC236}">
-                <a16:creationId xmlns:a16="http://schemas.microsoft.com/office/drawing/2014/main" id="{37B240F2-D2D0-6509-E737-24BE3AA81974}"/>
-              </a:ext>
-            </a:extLst>
-          </p:cNvPr>
-          <p:cNvSpPr txBox="1">
-            <a:spLocks/>
-          </p:cNvSpPr>
-          <p:nvPr/>
-        </p:nvSpPr>
-        <p:spPr>
-          <a:xfrm>
-            <a:off x="11196912" y="6282433"/>
-            <a:ext cx="579030" cy="350875"/>
-          </a:xfrm>
-          <a:prstGeom prst="rect">
-            <a:avLst/>
-          </a:prstGeom>
-        </p:spPr>
-        <p:txBody>
-          <a:bodyPr vert="horz" lIns="0" tIns="0" rIns="0" bIns="0" rtlCol="0" anchor="ctr">
-            <a:normAutofit/>
-          </a:bodyPr>
-          <a:lstStyle>
-            <a:defPPr rtl="0">
-              <a:defRPr lang="de-de"/>
-            </a:defPPr>
-            <a:lvl1pPr marL="0" algn="ctr" defTabSz="914400" rtl="0" eaLnBrk="1" latinLnBrk="0" hangingPunct="1">
-              <a:defRPr sz="900" kern="1200">
-                <a:solidFill>
-                  <a:schemeClr val="bg1"/>
-                </a:solidFill>
-                <a:latin typeface="+mn-lt"/>
-                <a:ea typeface="+mn-ea"/>
-                <a:cs typeface="+mn-cs"/>
-              </a:defRPr>
-            </a:lvl1pPr>
-            <a:lvl2pPr marL="457200" algn="l" defTabSz="914400" rtl="0" eaLnBrk="1" latinLnBrk="0" hangingPunct="1">
-              <a:defRPr sz="1800" kern="1200">
-                <a:solidFill>
-                  <a:schemeClr val="tx1"/>
-                </a:solidFill>
-                <a:latin typeface="+mn-lt"/>
-                <a:ea typeface="+mn-ea"/>
-                <a:cs typeface="+mn-cs"/>
-              </a:defRPr>
-            </a:lvl2pPr>
-            <a:lvl3pPr marL="914400" algn="l" defTabSz="914400" rtl="0" eaLnBrk="1" latinLnBrk="0" hangingPunct="1">
-              <a:defRPr sz="1800" kern="1200">
-                <a:solidFill>
-                  <a:schemeClr val="tx1"/>
-                </a:solidFill>
-                <a:latin typeface="+mn-lt"/>
-                <a:ea typeface="+mn-ea"/>
-                <a:cs typeface="+mn-cs"/>
-              </a:defRPr>
-            </a:lvl3pPr>
-            <a:lvl4pPr marL="1371600" algn="l" defTabSz="914400" rtl="0" eaLnBrk="1" latinLnBrk="0" hangingPunct="1">
-              <a:defRPr sz="1800" kern="1200">
-                <a:solidFill>
-                  <a:schemeClr val="tx1"/>
-                </a:solidFill>
-                <a:latin typeface="+mn-lt"/>
-                <a:ea typeface="+mn-ea"/>
-                <a:cs typeface="+mn-cs"/>
-              </a:defRPr>
-            </a:lvl4pPr>
-            <a:lvl5pPr marL="1828800" algn="l" defTabSz="914400" rtl="0" eaLnBrk="1" latinLnBrk="0" hangingPunct="1">
-              <a:defRPr sz="1800" kern="1200">
-                <a:solidFill>
-                  <a:schemeClr val="tx1"/>
-                </a:solidFill>
-                <a:latin typeface="+mn-lt"/>
-                <a:ea typeface="+mn-ea"/>
-                <a:cs typeface="+mn-cs"/>
-              </a:defRPr>
-            </a:lvl5pPr>
-            <a:lvl6pPr marL="2286000" algn="l" defTabSz="914400" rtl="0" eaLnBrk="1" latinLnBrk="0" hangingPunct="1">
-              <a:defRPr sz="1800" kern="1200">
-                <a:solidFill>
-                  <a:schemeClr val="tx1"/>
-                </a:solidFill>
-                <a:latin typeface="+mn-lt"/>
-                <a:ea typeface="+mn-ea"/>
-                <a:cs typeface="+mn-cs"/>
-              </a:defRPr>
-            </a:lvl6pPr>
-            <a:lvl7pPr marL="2743200" algn="l" defTabSz="914400" rtl="0" eaLnBrk="1" latinLnBrk="0" hangingPunct="1">
-              <a:defRPr sz="1800" kern="1200">
-                <a:solidFill>
-                  <a:schemeClr val="tx1"/>
-                </a:solidFill>
-                <a:latin typeface="+mn-lt"/>
-                <a:ea typeface="+mn-ea"/>
-                <a:cs typeface="+mn-cs"/>
-              </a:defRPr>
-            </a:lvl7pPr>
-            <a:lvl8pPr marL="3200400" algn="l" defTabSz="914400" rtl="0" eaLnBrk="1" latinLnBrk="0" hangingPunct="1">
-              <a:defRPr sz="1800" kern="1200">
-                <a:solidFill>
-                  <a:schemeClr val="tx1"/>
-                </a:solidFill>
-                <a:latin typeface="+mn-lt"/>
-                <a:ea typeface="+mn-ea"/>
-                <a:cs typeface="+mn-cs"/>
-              </a:defRPr>
-            </a:lvl8pPr>
-            <a:lvl9pPr marL="3657600" algn="l" defTabSz="914400" rtl="0" eaLnBrk="1" latinLnBrk="0" hangingPunct="1">
-              <a:defRPr sz="1800" kern="1200">
-                <a:solidFill>
-                  <a:schemeClr val="tx1"/>
-                </a:solidFill>
-                <a:latin typeface="+mn-lt"/>
-                <a:ea typeface="+mn-ea"/>
-                <a:cs typeface="+mn-cs"/>
-              </a:defRPr>
-            </a:lvl9pPr>
-          </a:lstStyle>
-          <a:p>
-            <a:pPr>
-              <a:spcAft>
-                <a:spcPts val="600"/>
-              </a:spcAft>
-            </a:pPr>
-            <a:fld id="{9EC71654-96A5-4280-94F3-931C61A9F92C}" type="slidenum">
-              <a:rPr lang="de-DE" smtClean="0"/>
-              <a:pPr>
-                <a:spcAft>
-                  <a:spcPts val="600"/>
-                </a:spcAft>
-              </a:pPr>
-              <a:t>9</a:t>
-            </a:fld>
-            <a:r>
-              <a:rPr lang="de-DE" dirty="0"/>
-              <a:t> von 11</a:t>
-            </a:r>
-          </a:p>
-        </p:txBody>
-      </p:sp>
-      <p:pic>
-        <p:nvPicPr>
-          <p:cNvPr id="5" name="Bildplatzhalter 28">
-            <a:extLst>
-              <a:ext uri="{FF2B5EF4-FFF2-40B4-BE49-F238E27FC236}">
-                <a16:creationId xmlns:a16="http://schemas.microsoft.com/office/drawing/2014/main" id="{F0ACF799-E303-BF09-1905-1AD859575B61}"/>
-              </a:ext>
-            </a:extLst>
-          </p:cNvPr>
-          <p:cNvPicPr>
-            <a:picLocks noChangeAspect="1"/>
-          </p:cNvPicPr>
-          <p:nvPr/>
-        </p:nvPicPr>
-        <p:blipFill>
-          <a:blip r:embed="rId4">
-            <a:extLst>
-              <a:ext uri="{96DAC541-7B7A-43D3-8B79-37D633B846F1}">
-                <asvg:svgBlip xmlns:asvg="http://schemas.microsoft.com/office/drawing/2016/SVG/main" r:embed="rId5"/>
-              </a:ext>
-            </a:extLst>
-          </a:blip>
-          <a:srcRect/>
-          <a:stretch/>
-        </p:blipFill>
-        <p:spPr>
-          <a:xfrm>
-            <a:off x="5775315" y="2130098"/>
-            <a:ext cx="939966" cy="939966"/>
-          </a:xfrm>
-          <a:prstGeom prst="rect">
-            <a:avLst/>
-          </a:prstGeom>
-        </p:spPr>
-      </p:pic>
-      <p:pic>
-        <p:nvPicPr>
-          <p:cNvPr id="6" name="Bildplatzhalter 28">
-            <a:extLst>
-              <a:ext uri="{FF2B5EF4-FFF2-40B4-BE49-F238E27FC236}">
-                <a16:creationId xmlns:a16="http://schemas.microsoft.com/office/drawing/2014/main" id="{D7E755BB-9985-623D-ADB9-14BC266D57EC}"/>
-              </a:ext>
-            </a:extLst>
-          </p:cNvPr>
-          <p:cNvPicPr>
-            <a:picLocks noChangeAspect="1"/>
-          </p:cNvPicPr>
-          <p:nvPr/>
-        </p:nvPicPr>
-        <p:blipFill>
-          <a:blip r:embed="rId6"/>
-          <a:srcRect/>
-          <a:stretch/>
-        </p:blipFill>
-        <p:spPr>
-          <a:xfrm>
-            <a:off x="3004063" y="2163840"/>
-            <a:ext cx="872482" cy="872482"/>
-          </a:xfrm>
-          <a:prstGeom prst="rect">
-            <a:avLst/>
-          </a:prstGeom>
-        </p:spPr>
-      </p:pic>
-    </p:spTree>
-    <p:extLst>
-      <p:ext uri="{BB962C8B-B14F-4D97-AF65-F5344CB8AC3E}">
-        <p14:creationId xmlns:p14="http://schemas.microsoft.com/office/powerpoint/2010/main" val="435634487"/>
+        <p14:creationId xmlns:p14="http://schemas.microsoft.com/office/powerpoint/2010/main" val="1513464212"/>
       </p:ext>
     </p:extLst>
   </p:cSld>
@@ -24633,23 +21760,6 @@
 </file>
 
 <file path=customXml/item1.xml><?xml version="1.0" encoding="utf-8"?>
-<?mso-contentType ?>
-<FormTemplates xmlns="http://schemas.microsoft.com/sharepoint/v3/contenttype/forms">
-  <Display>DocumentLibraryForm</Display>
-  <Edit>DocumentLibraryForm</Edit>
-  <New>DocumentLibraryForm</New>
-</FormTemplates>
-</file>
-
-<file path=customXml/item2.xml><?xml version="1.0" encoding="utf-8"?>
-<p:properties xmlns:p="http://schemas.microsoft.com/office/2006/metadata/properties" xmlns:xsi="http://www.w3.org/2001/XMLSchema-instance" xmlns:pc="http://schemas.microsoft.com/office/infopath/2007/PartnerControls">
-  <documentManagement>
-    <MediaServiceKeyPoints xmlns="71af3243-3dd4-4a8d-8c0d-dd76da1f02a5" xsi:nil="true"/>
-  </documentManagement>
-</p:properties>
-</file>
-
-<file path=customXml/item3.xml><?xml version="1.0" encoding="utf-8"?>
 <ct:contentTypeSchema xmlns:ct="http://schemas.microsoft.com/office/2006/metadata/contentType" xmlns:ma="http://schemas.microsoft.com/office/2006/metadata/properties/metaAttributes" ct:_="" ma:_="" ma:contentTypeName="Document" ma:contentTypeID="0x01010079F111ED35F8CC479449609E8A0923A6" ma:contentTypeVersion="10" ma:contentTypeDescription="Create a new document." ma:contentTypeScope="" ma:versionID="e39e7e9e36de66d473ce04bb4ab2dbb8">
   <xsd:schema xmlns:xsd="http://www.w3.org/2001/XMLSchema" xmlns:xs="http://www.w3.org/2001/XMLSchema" xmlns:p="http://schemas.microsoft.com/office/2006/metadata/properties" xmlns:ns2="71af3243-3dd4-4a8d-8c0d-dd76da1f02a5" xmlns:ns3="16c05727-aa75-4e4a-9b5f-8a80a1165891" targetNamespace="http://schemas.microsoft.com/office/2006/metadata/properties" ma:root="true" ma:fieldsID="19dc5994665da46609c24125788630d8" ns2:_="" ns3:_="">
     <xsd:import namespace="71af3243-3dd4-4a8d-8c0d-dd76da1f02a5"/>
@@ -24854,25 +21964,24 @@
 </ct:contentTypeSchema>
 </file>
 
-<file path=customXml/itemProps1.xml><?xml version="1.0" encoding="utf-8"?>
-<ds:datastoreItem xmlns:ds="http://schemas.openxmlformats.org/officeDocument/2006/customXml" ds:itemID="{A4C31332-3081-4BD9-AD6F-078B4521F357}">
-  <ds:schemaRefs>
-    <ds:schemaRef ds:uri="http://schemas.microsoft.com/sharepoint/v3/contenttype/forms"/>
-  </ds:schemaRefs>
-</ds:datastoreItem>
+<file path=customXml/item2.xml><?xml version="1.0" encoding="utf-8"?>
+<?mso-contentType ?>
+<FormTemplates xmlns="http://schemas.microsoft.com/sharepoint/v3/contenttype/forms">
+  <Display>DocumentLibraryForm</Display>
+  <Edit>DocumentLibraryForm</Edit>
+  <New>DocumentLibraryForm</New>
+</FormTemplates>
 </file>
 
-<file path=customXml/itemProps2.xml><?xml version="1.0" encoding="utf-8"?>
-<ds:datastoreItem xmlns:ds="http://schemas.openxmlformats.org/officeDocument/2006/customXml" ds:itemID="{2519797F-2510-4681-A59B-FCD8F3733FE0}">
-  <ds:schemaRefs>
-    <ds:schemaRef ds:uri="http://schemas.microsoft.com/office/2006/metadata/properties"/>
-    <ds:schemaRef ds:uri="http://schemas.microsoft.com/office/infopath/2007/PartnerControls"/>
-    <ds:schemaRef ds:uri="71af3243-3dd4-4a8d-8c0d-dd76da1f02a5"/>
-  </ds:schemaRefs>
-</ds:datastoreItem>
+<file path=customXml/item3.xml><?xml version="1.0" encoding="utf-8"?>
+<p:properties xmlns:p="http://schemas.microsoft.com/office/2006/metadata/properties" xmlns:xsi="http://www.w3.org/2001/XMLSchema-instance" xmlns:pc="http://schemas.microsoft.com/office/infopath/2007/PartnerControls">
+  <documentManagement>
+    <MediaServiceKeyPoints xmlns="71af3243-3dd4-4a8d-8c0d-dd76da1f02a5" xsi:nil="true"/>
+  </documentManagement>
+</p:properties>
 </file>
 
-<file path=customXml/itemProps3.xml><?xml version="1.0" encoding="utf-8"?>
+<file path=customXml/itemProps1.xml><?xml version="1.0" encoding="utf-8"?>
 <ds:datastoreItem xmlns:ds="http://schemas.openxmlformats.org/officeDocument/2006/customXml" ds:itemID="{1FF4E1AF-DB5E-4764-961C-6F82B33E9E6E}">
   <ds:schemaRefs>
     <ds:schemaRef ds:uri="http://schemas.microsoft.com/office/2006/metadata/contentType"/>
@@ -24889,4 +21998,22 @@
     <ds:schemaRef ds:uri="http://schemas.microsoft.com/internal/obd"/>
   </ds:schemaRefs>
 </ds:datastoreItem>
+</file>
+
+<file path=customXml/itemProps2.xml><?xml version="1.0" encoding="utf-8"?>
+<ds:datastoreItem xmlns:ds="http://schemas.openxmlformats.org/officeDocument/2006/customXml" ds:itemID="{A4C31332-3081-4BD9-AD6F-078B4521F357}">
+  <ds:schemaRefs>
+    <ds:schemaRef ds:uri="http://schemas.microsoft.com/sharepoint/v3/contenttype/forms"/>
+  </ds:schemaRefs>
+</ds:datastoreItem>
+</file>
+
+<file path=customXml/itemProps3.xml><?xml version="1.0" encoding="utf-8"?>
+<ds:datastoreItem xmlns:ds="http://schemas.openxmlformats.org/officeDocument/2006/customXml" ds:itemID="{2519797F-2510-4681-A59B-FCD8F3733FE0}">
+  <ds:schemaRefs>
+    <ds:schemaRef ds:uri="http://schemas.microsoft.com/office/2006/metadata/properties"/>
+    <ds:schemaRef ds:uri="http://schemas.microsoft.com/office/infopath/2007/PartnerControls"/>
+    <ds:schemaRef ds:uri="71af3243-3dd4-4a8d-8c0d-dd76da1f02a5"/>
+  </ds:schemaRefs>
+</ds:datastoreItem>
 </file>